--- a/WNV Grp Presentation.pptx
+++ b/WNV Grp Presentation.pptx
@@ -9,6 +9,7 @@
     <p:sldId id="257" r:id="rId3"/>
     <p:sldId id="258" r:id="rId4"/>
     <p:sldId id="259" r:id="rId5"/>
+    <p:sldId id="260" r:id="rId6"/>
   </p:sldIdLst>
   <p:sldSz cx="12192000" cy="6858000"/>
   <p:notesSz cx="6858000" cy="9144000"/>
@@ -107,13 +108,18 @@
       </a:defRPr>
     </a:lvl9pPr>
   </p:defaultTextStyle>
+  <p:extLst>
+    <p:ext uri="{EFAFB233-063F-42B5-8137-9DF3F51BA10A}">
+      <p15:sldGuideLst xmlns:p15="http://schemas.microsoft.com/office/powerpoint/2012/main"/>
+    </p:ext>
+  </p:extLst>
 </p:presentation>
 </file>
 
 <file path=ppt/revisionInfo.xml><?xml version="1.0" encoding="utf-8"?>
 <p1510:revInfo xmlns:a="http://schemas.openxmlformats.org/drawingml/2006/main" xmlns:r="http://schemas.openxmlformats.org/officeDocument/2006/relationships" xmlns:p1510="http://schemas.microsoft.com/office/powerpoint/2015/10/main">
   <p1510:revLst>
-    <p1510:client id="{9F148B80-0F84-45C5-8623-19582B4AA918}" v="67" dt="2020-02-09T16:33:12.904"/>
+    <p1510:client id="{9F148B80-0F84-45C5-8623-19582B4AA918}" v="87" dt="2020-02-10T06:38:38.105"/>
   </p1510:revLst>
 </p1510:revInfo>
 </file>
@@ -123,7 +129,7 @@
   <pc:docChgLst>
     <pc:chgData name="Boon Jun" userId="b9b2384c46af58b4" providerId="LiveId" clId="{9F148B80-0F84-45C5-8623-19582B4AA918}"/>
     <pc:docChg chg="undo custSel addSld modSld sldOrd">
-      <pc:chgData name="Boon Jun" userId="b9b2384c46af58b4" providerId="LiveId" clId="{9F148B80-0F84-45C5-8623-19582B4AA918}" dt="2020-02-09T16:34:29.402" v="594" actId="1076"/>
+      <pc:chgData name="Boon Jun" userId="b9b2384c46af58b4" providerId="LiveId" clId="{9F148B80-0F84-45C5-8623-19582B4AA918}" dt="2020-02-10T06:38:38.105" v="931" actId="164"/>
       <pc:docMkLst>
         <pc:docMk/>
       </pc:docMkLst>
@@ -302,7 +308,7 @@
         </pc:cxnChg>
       </pc:sldChg>
       <pc:sldChg chg="addSp delSp modSp add ord">
-        <pc:chgData name="Boon Jun" userId="b9b2384c46af58b4" providerId="LiveId" clId="{9F148B80-0F84-45C5-8623-19582B4AA918}" dt="2020-02-09T16:34:29.402" v="594" actId="1076"/>
+        <pc:chgData name="Boon Jun" userId="b9b2384c46af58b4" providerId="LiveId" clId="{9F148B80-0F84-45C5-8623-19582B4AA918}" dt="2020-02-10T06:19:36.453" v="739" actId="1076"/>
         <pc:sldMkLst>
           <pc:docMk/>
           <pc:sldMk cId="3746096488" sldId="259"/>
@@ -315,8 +321,8 @@
             <ac:spMk id="2" creationId="{FF21E304-E4E0-438B-AB07-1B8DC03AFC6F}"/>
           </ac:spMkLst>
         </pc:spChg>
-        <pc:spChg chg="mod">
-          <ac:chgData name="Boon Jun" userId="b9b2384c46af58b4" providerId="LiveId" clId="{9F148B80-0F84-45C5-8623-19582B4AA918}" dt="2020-02-09T16:32:38.987" v="582" actId="12788"/>
+        <pc:spChg chg="mod topLvl">
+          <ac:chgData name="Boon Jun" userId="b9b2384c46af58b4" providerId="LiveId" clId="{9F148B80-0F84-45C5-8623-19582B4AA918}" dt="2020-02-10T06:13:20.293" v="599" actId="12789"/>
           <ac:spMkLst>
             <pc:docMk/>
             <pc:sldMk cId="3746096488" sldId="259"/>
@@ -348,39 +354,55 @@
           </ac:spMkLst>
         </pc:spChg>
         <pc:spChg chg="add mod">
-          <ac:chgData name="Boon Jun" userId="b9b2384c46af58b4" providerId="LiveId" clId="{9F148B80-0F84-45C5-8623-19582B4AA918}" dt="2020-02-09T16:32:38.987" v="582" actId="12788"/>
+          <ac:chgData name="Boon Jun" userId="b9b2384c46af58b4" providerId="LiveId" clId="{9F148B80-0F84-45C5-8623-19582B4AA918}" dt="2020-02-10T06:19:04.665" v="726" actId="1035"/>
+          <ac:spMkLst>
+            <pc:docMk/>
+            <pc:sldMk cId="3746096488" sldId="259"/>
+            <ac:spMk id="29" creationId="{CD7B650D-4EDA-409C-99F3-DB7B2972DDE5}"/>
+          </ac:spMkLst>
+        </pc:spChg>
+        <pc:spChg chg="add mod">
+          <ac:chgData name="Boon Jun" userId="b9b2384c46af58b4" providerId="LiveId" clId="{9F148B80-0F84-45C5-8623-19582B4AA918}" dt="2020-02-10T06:19:14.526" v="736" actId="20577"/>
+          <ac:spMkLst>
+            <pc:docMk/>
+            <pc:sldMk cId="3746096488" sldId="259"/>
+            <ac:spMk id="30" creationId="{D9A89644-4198-45D3-8EB0-426E2A16137E}"/>
+          </ac:spMkLst>
+        </pc:spChg>
+        <pc:spChg chg="add mod topLvl">
+          <ac:chgData name="Boon Jun" userId="b9b2384c46af58b4" providerId="LiveId" clId="{9F148B80-0F84-45C5-8623-19582B4AA918}" dt="2020-02-10T06:13:29.338" v="600" actId="12789"/>
           <ac:spMkLst>
             <pc:docMk/>
             <pc:sldMk cId="3746096488" sldId="259"/>
             <ac:spMk id="31" creationId="{53A632A5-EF3B-439A-8015-8607DD845908}"/>
           </ac:spMkLst>
         </pc:spChg>
-        <pc:spChg chg="add mod">
-          <ac:chgData name="Boon Jun" userId="b9b2384c46af58b4" providerId="LiveId" clId="{9F148B80-0F84-45C5-8623-19582B4AA918}" dt="2020-02-09T16:32:38.987" v="582" actId="12788"/>
+        <pc:spChg chg="add mod topLvl">
+          <ac:chgData name="Boon Jun" userId="b9b2384c46af58b4" providerId="LiveId" clId="{9F148B80-0F84-45C5-8623-19582B4AA918}" dt="2020-02-10T06:13:43.301" v="604" actId="1036"/>
           <ac:spMkLst>
             <pc:docMk/>
             <pc:sldMk cId="3746096488" sldId="259"/>
             <ac:spMk id="32" creationId="{D00D21B4-3D5F-4F78-A9A9-E6AB50BB8A39}"/>
           </ac:spMkLst>
         </pc:spChg>
-        <pc:spChg chg="add mod">
-          <ac:chgData name="Boon Jun" userId="b9b2384c46af58b4" providerId="LiveId" clId="{9F148B80-0F84-45C5-8623-19582B4AA918}" dt="2020-02-09T16:33:18.733" v="589" actId="1076"/>
+        <pc:spChg chg="add mod topLvl">
+          <ac:chgData name="Boon Jun" userId="b9b2384c46af58b4" providerId="LiveId" clId="{9F148B80-0F84-45C5-8623-19582B4AA918}" dt="2020-02-10T06:13:20.293" v="599" actId="12789"/>
           <ac:spMkLst>
             <pc:docMk/>
             <pc:sldMk cId="3746096488" sldId="259"/>
             <ac:spMk id="33" creationId="{612D2671-2D6E-41D1-A1AC-0A09CED8FE84}"/>
           </ac:spMkLst>
         </pc:spChg>
-        <pc:spChg chg="mod">
-          <ac:chgData name="Boon Jun" userId="b9b2384c46af58b4" providerId="LiveId" clId="{9F148B80-0F84-45C5-8623-19582B4AA918}" dt="2020-02-09T16:33:26.602" v="591" actId="1076"/>
+        <pc:spChg chg="mod topLvl">
+          <ac:chgData name="Boon Jun" userId="b9b2384c46af58b4" providerId="LiveId" clId="{9F148B80-0F84-45C5-8623-19582B4AA918}" dt="2020-02-10T06:13:29.338" v="600" actId="12789"/>
           <ac:spMkLst>
             <pc:docMk/>
             <pc:sldMk cId="3746096488" sldId="259"/>
             <ac:spMk id="35" creationId="{03477E2C-AE59-40EF-BDA7-AD26F3978304}"/>
           </ac:spMkLst>
         </pc:spChg>
-        <pc:spChg chg="mod">
-          <ac:chgData name="Boon Jun" userId="b9b2384c46af58b4" providerId="LiveId" clId="{9F148B80-0F84-45C5-8623-19582B4AA918}" dt="2020-02-09T16:33:29.549" v="592" actId="1076"/>
+        <pc:spChg chg="mod topLvl">
+          <ac:chgData name="Boon Jun" userId="b9b2384c46af58b4" providerId="LiveId" clId="{9F148B80-0F84-45C5-8623-19582B4AA918}" dt="2020-02-10T06:13:43.301" v="604" actId="1036"/>
           <ac:spMkLst>
             <pc:docMk/>
             <pc:sldMk cId="3746096488" sldId="259"/>
@@ -484,7 +506,7 @@
           </ac:spMkLst>
         </pc:spChg>
         <pc:spChg chg="add mod">
-          <ac:chgData name="Boon Jun" userId="b9b2384c46af58b4" providerId="LiveId" clId="{9F148B80-0F84-45C5-8623-19582B4AA918}" dt="2020-02-09T16:31:15.481" v="541" actId="1076"/>
+          <ac:chgData name="Boon Jun" userId="b9b2384c46af58b4" providerId="LiveId" clId="{9F148B80-0F84-45C5-8623-19582B4AA918}" dt="2020-02-10T06:19:30.706" v="738" actId="1076"/>
           <ac:spMkLst>
             <pc:docMk/>
             <pc:sldMk cId="3746096488" sldId="259"/>
@@ -492,7 +514,7 @@
           </ac:spMkLst>
         </pc:spChg>
         <pc:spChg chg="add mod">
-          <ac:chgData name="Boon Jun" userId="b9b2384c46af58b4" providerId="LiveId" clId="{9F148B80-0F84-45C5-8623-19582B4AA918}" dt="2020-02-09T16:31:15.481" v="541" actId="1076"/>
+          <ac:chgData name="Boon Jun" userId="b9b2384c46af58b4" providerId="LiveId" clId="{9F148B80-0F84-45C5-8623-19582B4AA918}" dt="2020-02-10T06:17:48.737" v="627" actId="164"/>
           <ac:spMkLst>
             <pc:docMk/>
             <pc:sldMk cId="3746096488" sldId="259"/>
@@ -515,8 +537,8 @@
             <ac:spMk id="55" creationId="{3B9E9728-BD76-4FF1-998D-6A92FB8910D0}"/>
           </ac:spMkLst>
         </pc:spChg>
-        <pc:grpChg chg="add mod">
-          <ac:chgData name="Boon Jun" userId="b9b2384c46af58b4" providerId="LiveId" clId="{9F148B80-0F84-45C5-8623-19582B4AA918}" dt="2020-02-09T16:32:38.987" v="582" actId="12788"/>
+        <pc:grpChg chg="add del mod topLvl">
+          <ac:chgData name="Boon Jun" userId="b9b2384c46af58b4" providerId="LiveId" clId="{9F148B80-0F84-45C5-8623-19582B4AA918}" dt="2020-02-10T06:13:10.173" v="598" actId="165"/>
           <ac:grpSpMkLst>
             <pc:docMk/>
             <pc:sldMk cId="3746096488" sldId="259"/>
@@ -524,6 +546,14 @@
           </ac:grpSpMkLst>
         </pc:grpChg>
         <pc:grpChg chg="add mod">
+          <ac:chgData name="Boon Jun" userId="b9b2384c46af58b4" providerId="LiveId" clId="{9F148B80-0F84-45C5-8623-19582B4AA918}" dt="2020-02-10T06:19:36.453" v="739" actId="1076"/>
+          <ac:grpSpMkLst>
+            <pc:docMk/>
+            <pc:sldMk cId="3746096488" sldId="259"/>
+            <ac:grpSpMk id="5" creationId="{B00F6EE0-48BD-4443-9F92-59CBD04D87A5}"/>
+          </ac:grpSpMkLst>
+        </pc:grpChg>
+        <pc:grpChg chg="add mod">
           <ac:chgData name="Boon Jun" userId="b9b2384c46af58b4" providerId="LiveId" clId="{9F148B80-0F84-45C5-8623-19582B4AA918}" dt="2020-02-09T16:31:53.428" v="575" actId="1076"/>
           <ac:grpSpMkLst>
             <pc:docMk/>
@@ -531,8 +561,8 @@
             <ac:grpSpMk id="8" creationId="{82177E13-B770-476E-92E0-0C205EA97C83}"/>
           </ac:grpSpMkLst>
         </pc:grpChg>
-        <pc:grpChg chg="add mod">
-          <ac:chgData name="Boon Jun" userId="b9b2384c46af58b4" providerId="LiveId" clId="{9F148B80-0F84-45C5-8623-19582B4AA918}" dt="2020-02-09T16:34:29.402" v="594" actId="1076"/>
+        <pc:grpChg chg="add del mod">
+          <ac:chgData name="Boon Jun" userId="b9b2384c46af58b4" providerId="LiveId" clId="{9F148B80-0F84-45C5-8623-19582B4AA918}" dt="2020-02-10T06:12:47.921" v="595" actId="165"/>
           <ac:grpSpMkLst>
             <pc:docMk/>
             <pc:sldMk cId="3746096488" sldId="259"/>
@@ -547,8 +577,8 @@
             <ac:grpSpMk id="11" creationId="{94E025BC-6858-431E-8CF8-ACF0536ABFDF}"/>
           </ac:grpSpMkLst>
         </pc:grpChg>
-        <pc:grpChg chg="add mod">
-          <ac:chgData name="Boon Jun" userId="b9b2384c46af58b4" providerId="LiveId" clId="{9F148B80-0F84-45C5-8623-19582B4AA918}" dt="2020-02-09T16:32:38.987" v="582" actId="12788"/>
+        <pc:grpChg chg="add del mod">
+          <ac:chgData name="Boon Jun" userId="b9b2384c46af58b4" providerId="LiveId" clId="{9F148B80-0F84-45C5-8623-19582B4AA918}" dt="2020-02-10T06:12:55.930" v="596" actId="165"/>
           <ac:grpSpMkLst>
             <pc:docMk/>
             <pc:sldMk cId="3746096488" sldId="259"/>
@@ -595,8 +625,8 @@
             <ac:grpSpMk id="30" creationId="{01DD4AC3-75ED-47FC-8637-8FAAEFD10B6A}"/>
           </ac:grpSpMkLst>
         </pc:grpChg>
-        <pc:grpChg chg="add mod">
-          <ac:chgData name="Boon Jun" userId="b9b2384c46af58b4" providerId="LiveId" clId="{9F148B80-0F84-45C5-8623-19582B4AA918}" dt="2020-02-09T16:33:12.904" v="587" actId="12788"/>
+        <pc:grpChg chg="add del mod topLvl">
+          <ac:chgData name="Boon Jun" userId="b9b2384c46af58b4" providerId="LiveId" clId="{9F148B80-0F84-45C5-8623-19582B4AA918}" dt="2020-02-10T06:13:02.219" v="597" actId="165"/>
           <ac:grpSpMkLst>
             <pc:docMk/>
             <pc:sldMk cId="3746096488" sldId="259"/>
@@ -619,6 +649,109 @@
             <ac:cxnSpMk id="21" creationId="{0C91DD63-C43A-477F-9581-8F5BAFED1FDC}"/>
           </ac:cxnSpMkLst>
         </pc:cxnChg>
+      </pc:sldChg>
+      <pc:sldChg chg="addSp delSp modSp add">
+        <pc:chgData name="Boon Jun" userId="b9b2384c46af58b4" providerId="LiveId" clId="{9F148B80-0F84-45C5-8623-19582B4AA918}" dt="2020-02-10T06:38:38.105" v="931" actId="164"/>
+        <pc:sldMkLst>
+          <pc:docMk/>
+          <pc:sldMk cId="2862181266" sldId="260"/>
+        </pc:sldMkLst>
+        <pc:spChg chg="mod">
+          <ac:chgData name="Boon Jun" userId="b9b2384c46af58b4" providerId="LiveId" clId="{9F148B80-0F84-45C5-8623-19582B4AA918}" dt="2020-02-10T06:38:38.105" v="931" actId="164"/>
+          <ac:spMkLst>
+            <pc:docMk/>
+            <pc:sldMk cId="2862181266" sldId="260"/>
+            <ac:spMk id="3" creationId="{E90E465A-3033-4159-ACA1-F19A702DF04B}"/>
+          </ac:spMkLst>
+        </pc:spChg>
+        <pc:spChg chg="add mod">
+          <ac:chgData name="Boon Jun" userId="b9b2384c46af58b4" providerId="LiveId" clId="{9F148B80-0F84-45C5-8623-19582B4AA918}" dt="2020-02-10T06:38:38.105" v="931" actId="164"/>
+          <ac:spMkLst>
+            <pc:docMk/>
+            <pc:sldMk cId="2862181266" sldId="260"/>
+            <ac:spMk id="4" creationId="{DFA25FDE-B4E6-473C-9212-FCBC25FEE979}"/>
+          </ac:spMkLst>
+        </pc:spChg>
+        <pc:spChg chg="del">
+          <ac:chgData name="Boon Jun" userId="b9b2384c46af58b4" providerId="LiveId" clId="{9F148B80-0F84-45C5-8623-19582B4AA918}" dt="2020-02-10T06:14:35.909" v="607" actId="478"/>
+          <ac:spMkLst>
+            <pc:docMk/>
+            <pc:sldMk cId="2862181266" sldId="260"/>
+            <ac:spMk id="20" creationId="{C1C1A51E-241F-4CA6-A7B0-CED67A8F5F08}"/>
+          </ac:spMkLst>
+        </pc:spChg>
+        <pc:spChg chg="add mod">
+          <ac:chgData name="Boon Jun" userId="b9b2384c46af58b4" providerId="LiveId" clId="{9F148B80-0F84-45C5-8623-19582B4AA918}" dt="2020-02-10T06:38:38.105" v="931" actId="164"/>
+          <ac:spMkLst>
+            <pc:docMk/>
+            <pc:sldMk cId="2862181266" sldId="260"/>
+            <ac:spMk id="25" creationId="{81885B53-3071-4F58-B08C-6B5CAF5E2F26}"/>
+          </ac:spMkLst>
+        </pc:spChg>
+        <pc:spChg chg="mod">
+          <ac:chgData name="Boon Jun" userId="b9b2384c46af58b4" providerId="LiveId" clId="{9F148B80-0F84-45C5-8623-19582B4AA918}" dt="2020-02-10T06:38:38.105" v="931" actId="164"/>
+          <ac:spMkLst>
+            <pc:docMk/>
+            <pc:sldMk cId="2862181266" sldId="260"/>
+            <ac:spMk id="31" creationId="{53A632A5-EF3B-439A-8015-8607DD845908}"/>
+          </ac:spMkLst>
+        </pc:spChg>
+        <pc:spChg chg="mod">
+          <ac:chgData name="Boon Jun" userId="b9b2384c46af58b4" providerId="LiveId" clId="{9F148B80-0F84-45C5-8623-19582B4AA918}" dt="2020-02-10T06:38:38.105" v="931" actId="164"/>
+          <ac:spMkLst>
+            <pc:docMk/>
+            <pc:sldMk cId="2862181266" sldId="260"/>
+            <ac:spMk id="32" creationId="{D00D21B4-3D5F-4F78-A9A9-E6AB50BB8A39}"/>
+          </ac:spMkLst>
+        </pc:spChg>
+        <pc:spChg chg="mod">
+          <ac:chgData name="Boon Jun" userId="b9b2384c46af58b4" providerId="LiveId" clId="{9F148B80-0F84-45C5-8623-19582B4AA918}" dt="2020-02-10T06:15:09.679" v="626" actId="1037"/>
+          <ac:spMkLst>
+            <pc:docMk/>
+            <pc:sldMk cId="2862181266" sldId="260"/>
+            <ac:spMk id="33" creationId="{612D2671-2D6E-41D1-A1AC-0A09CED8FE84}"/>
+          </ac:spMkLst>
+        </pc:spChg>
+        <pc:spChg chg="mod">
+          <ac:chgData name="Boon Jun" userId="b9b2384c46af58b4" providerId="LiveId" clId="{9F148B80-0F84-45C5-8623-19582B4AA918}" dt="2020-02-10T06:38:38.105" v="931" actId="164"/>
+          <ac:spMkLst>
+            <pc:docMk/>
+            <pc:sldMk cId="2862181266" sldId="260"/>
+            <ac:spMk id="49" creationId="{0881D1BF-F847-43E7-88B8-3BCA086398C8}"/>
+          </ac:spMkLst>
+        </pc:spChg>
+        <pc:spChg chg="mod">
+          <ac:chgData name="Boon Jun" userId="b9b2384c46af58b4" providerId="LiveId" clId="{9F148B80-0F84-45C5-8623-19582B4AA918}" dt="2020-02-10T06:38:38.105" v="931" actId="164"/>
+          <ac:spMkLst>
+            <pc:docMk/>
+            <pc:sldMk cId="2862181266" sldId="260"/>
+            <ac:spMk id="50" creationId="{ABA80488-D4B5-4881-A2B1-8CD907724DED}"/>
+          </ac:spMkLst>
+        </pc:spChg>
+        <pc:spChg chg="del">
+          <ac:chgData name="Boon Jun" userId="b9b2384c46af58b4" providerId="LiveId" clId="{9F148B80-0F84-45C5-8623-19582B4AA918}" dt="2020-02-10T06:14:37.820" v="608" actId="478"/>
+          <ac:spMkLst>
+            <pc:docMk/>
+            <pc:sldMk cId="2862181266" sldId="260"/>
+            <ac:spMk id="55" creationId="{3B9E9728-BD76-4FF1-998D-6A92FB8910D0}"/>
+          </ac:spMkLst>
+        </pc:spChg>
+        <pc:grpChg chg="add mod">
+          <ac:chgData name="Boon Jun" userId="b9b2384c46af58b4" providerId="LiveId" clId="{9F148B80-0F84-45C5-8623-19582B4AA918}" dt="2020-02-10T06:38:38.105" v="931" actId="164"/>
+          <ac:grpSpMkLst>
+            <pc:docMk/>
+            <pc:sldMk cId="2862181266" sldId="260"/>
+            <ac:grpSpMk id="5" creationId="{97135F8E-F18A-4961-B46E-F7BB3A511C54}"/>
+          </ac:grpSpMkLst>
+        </pc:grpChg>
+        <pc:grpChg chg="del">
+          <ac:chgData name="Boon Jun" userId="b9b2384c46af58b4" providerId="LiveId" clId="{9F148B80-0F84-45C5-8623-19582B4AA918}" dt="2020-02-10T06:27:15.946" v="845" actId="478"/>
+          <ac:grpSpMkLst>
+            <pc:docMk/>
+            <pc:sldMk cId="2862181266" sldId="260"/>
+            <ac:grpSpMk id="8" creationId="{82177E13-B770-476E-92E0-0C205EA97C83}"/>
+          </ac:grpSpMkLst>
+        </pc:grpChg>
       </pc:sldChg>
     </pc:docChg>
   </pc:docChgLst>
@@ -774,7 +907,7 @@
           <a:p>
             <a:fld id="{186960D6-B357-4E61-B05B-B12515D9341B}" type="datetimeFigureOut">
               <a:rPr lang="en-SG" smtClean="0"/>
-              <a:t>9/2/2020</a:t>
+              <a:t>10/2/2020</a:t>
             </a:fld>
             <a:endParaRPr lang="en-SG"/>
           </a:p>
@@ -974,7 +1107,7 @@
           <a:p>
             <a:fld id="{186960D6-B357-4E61-B05B-B12515D9341B}" type="datetimeFigureOut">
               <a:rPr lang="en-SG" smtClean="0"/>
-              <a:t>9/2/2020</a:t>
+              <a:t>10/2/2020</a:t>
             </a:fld>
             <a:endParaRPr lang="en-SG"/>
           </a:p>
@@ -1184,7 +1317,7 @@
           <a:p>
             <a:fld id="{186960D6-B357-4E61-B05B-B12515D9341B}" type="datetimeFigureOut">
               <a:rPr lang="en-SG" smtClean="0"/>
-              <a:t>9/2/2020</a:t>
+              <a:t>10/2/2020</a:t>
             </a:fld>
             <a:endParaRPr lang="en-SG"/>
           </a:p>
@@ -1384,7 +1517,7 @@
           <a:p>
             <a:fld id="{186960D6-B357-4E61-B05B-B12515D9341B}" type="datetimeFigureOut">
               <a:rPr lang="en-SG" smtClean="0"/>
-              <a:t>9/2/2020</a:t>
+              <a:t>10/2/2020</a:t>
             </a:fld>
             <a:endParaRPr lang="en-SG"/>
           </a:p>
@@ -1660,7 +1793,7 @@
           <a:p>
             <a:fld id="{186960D6-B357-4E61-B05B-B12515D9341B}" type="datetimeFigureOut">
               <a:rPr lang="en-SG" smtClean="0"/>
-              <a:t>9/2/2020</a:t>
+              <a:t>10/2/2020</a:t>
             </a:fld>
             <a:endParaRPr lang="en-SG"/>
           </a:p>
@@ -1928,7 +2061,7 @@
           <a:p>
             <a:fld id="{186960D6-B357-4E61-B05B-B12515D9341B}" type="datetimeFigureOut">
               <a:rPr lang="en-SG" smtClean="0"/>
-              <a:t>9/2/2020</a:t>
+              <a:t>10/2/2020</a:t>
             </a:fld>
             <a:endParaRPr lang="en-SG"/>
           </a:p>
@@ -2343,7 +2476,7 @@
           <a:p>
             <a:fld id="{186960D6-B357-4E61-B05B-B12515D9341B}" type="datetimeFigureOut">
               <a:rPr lang="en-SG" smtClean="0"/>
-              <a:t>9/2/2020</a:t>
+              <a:t>10/2/2020</a:t>
             </a:fld>
             <a:endParaRPr lang="en-SG"/>
           </a:p>
@@ -2485,7 +2618,7 @@
           <a:p>
             <a:fld id="{186960D6-B357-4E61-B05B-B12515D9341B}" type="datetimeFigureOut">
               <a:rPr lang="en-SG" smtClean="0"/>
-              <a:t>9/2/2020</a:t>
+              <a:t>10/2/2020</a:t>
             </a:fld>
             <a:endParaRPr lang="en-SG"/>
           </a:p>
@@ -2598,7 +2731,7 @@
           <a:p>
             <a:fld id="{186960D6-B357-4E61-B05B-B12515D9341B}" type="datetimeFigureOut">
               <a:rPr lang="en-SG" smtClean="0"/>
-              <a:t>9/2/2020</a:t>
+              <a:t>10/2/2020</a:t>
             </a:fld>
             <a:endParaRPr lang="en-SG"/>
           </a:p>
@@ -2911,7 +3044,7 @@
           <a:p>
             <a:fld id="{186960D6-B357-4E61-B05B-B12515D9341B}" type="datetimeFigureOut">
               <a:rPr lang="en-SG" smtClean="0"/>
-              <a:t>9/2/2020</a:t>
+              <a:t>10/2/2020</a:t>
             </a:fld>
             <a:endParaRPr lang="en-SG"/>
           </a:p>
@@ -3200,7 +3333,7 @@
           <a:p>
             <a:fld id="{186960D6-B357-4E61-B05B-B12515D9341B}" type="datetimeFigureOut">
               <a:rPr lang="en-SG" smtClean="0"/>
-              <a:t>9/2/2020</a:t>
+              <a:t>10/2/2020</a:t>
             </a:fld>
             <a:endParaRPr lang="en-SG"/>
           </a:p>
@@ -3443,7 +3576,7 @@
           <a:p>
             <a:fld id="{186960D6-B357-4E61-B05B-B12515D9341B}" type="datetimeFigureOut">
               <a:rPr lang="en-SG" smtClean="0"/>
-              <a:t>9/2/2020</a:t>
+              <a:t>10/2/2020</a:t>
             </a:fld>
             <a:endParaRPr lang="en-SG"/>
           </a:p>
@@ -5034,356 +5167,272 @@
           </a:p>
         </p:txBody>
       </p:sp>
-      <p:grpSp>
-        <p:nvGrpSpPr>
-          <p:cNvPr id="15" name="Group 14">
-            <a:extLst>
-              <a:ext uri="{FF2B5EF4-FFF2-40B4-BE49-F238E27FC236}">
-                <a16:creationId xmlns:a16="http://schemas.microsoft.com/office/drawing/2014/main" id="{F4779AEE-3D86-4B4C-A93A-341203AA3CF0}"/>
-              </a:ext>
-            </a:extLst>
-          </p:cNvPr>
-          <p:cNvGrpSpPr/>
+      <p:sp>
+        <p:nvSpPr>
+          <p:cNvPr id="3" name="TextBox 2">
+            <a:extLst>
+              <a:ext uri="{FF2B5EF4-FFF2-40B4-BE49-F238E27FC236}">
+                <a16:creationId xmlns:a16="http://schemas.microsoft.com/office/drawing/2014/main" id="{E90E465A-3033-4159-ACA1-F19A702DF04B}"/>
+              </a:ext>
+            </a:extLst>
+          </p:cNvPr>
+          <p:cNvSpPr txBox="1"/>
           <p:nvPr/>
-        </p:nvGrpSpPr>
-        <p:grpSpPr>
+        </p:nvSpPr>
+        <p:spPr>
           <a:xfrm>
-            <a:off x="1523702" y="1325161"/>
-            <a:ext cx="2160948" cy="1870339"/>
-            <a:chOff x="1980775" y="487798"/>
-            <a:chExt cx="2160948" cy="1870339"/>
+            <a:off x="1523702" y="1278523"/>
+            <a:ext cx="2160948" cy="769441"/>
           </a:xfrm>
-        </p:grpSpPr>
-        <p:sp>
-          <p:nvSpPr>
-            <p:cNvPr id="3" name="TextBox 2">
-              <a:extLst>
-                <a:ext uri="{FF2B5EF4-FFF2-40B4-BE49-F238E27FC236}">
-                  <a16:creationId xmlns:a16="http://schemas.microsoft.com/office/drawing/2014/main" id="{E90E465A-3033-4159-ACA1-F19A702DF04B}"/>
-                </a:ext>
-              </a:extLst>
-            </p:cNvPr>
-            <p:cNvSpPr txBox="1"/>
-            <p:nvPr/>
-          </p:nvSpPr>
-          <p:spPr>
-            <a:xfrm>
-              <a:off x="1980775" y="487798"/>
-              <a:ext cx="2160948" cy="769441"/>
-            </a:xfrm>
-            <a:prstGeom prst="rect">
-              <a:avLst/>
-            </a:prstGeom>
-            <a:noFill/>
-          </p:spPr>
-          <p:txBody>
-            <a:bodyPr wrap="square" rtlCol="0">
-              <a:spAutoFit/>
-            </a:bodyPr>
-            <a:lstStyle/>
-            <a:p>
-              <a:pPr algn="ctr"/>
-              <a:r>
-                <a:rPr lang="en-SG" sz="4400" dirty="0">
-                  <a:gradFill>
-                    <a:gsLst>
-                      <a:gs pos="0">
-                        <a:srgbClr val="35609A"/>
-                      </a:gs>
-                      <a:gs pos="100000">
-                        <a:srgbClr val="EC343F"/>
-                      </a:gs>
-                    </a:gsLst>
-                    <a:lin ang="0" scaled="1"/>
-                  </a:gradFill>
-                  <a:latin typeface="Gotham Black" panose="02000603040000020004" pitchFamily="2" charset="0"/>
-                </a:rPr>
-                <a:t>TRAIN</a:t>
-              </a:r>
-            </a:p>
-          </p:txBody>
-        </p:sp>
-        <p:grpSp>
-          <p:nvGrpSpPr>
-            <p:cNvPr id="4" name="Group 3">
-              <a:extLst>
-                <a:ext uri="{FF2B5EF4-FFF2-40B4-BE49-F238E27FC236}">
-                  <a16:creationId xmlns:a16="http://schemas.microsoft.com/office/drawing/2014/main" id="{C324A37F-74DC-49D8-A998-B26A87AFDA8E}"/>
-                </a:ext>
-              </a:extLst>
-            </p:cNvPr>
-            <p:cNvGrpSpPr/>
-            <p:nvPr/>
-          </p:nvGrpSpPr>
-          <p:grpSpPr>
-            <a:xfrm>
-              <a:off x="2040974" y="1219364"/>
-              <a:ext cx="2040551" cy="1138773"/>
-              <a:chOff x="1708573" y="1657514"/>
-              <a:chExt cx="2040551" cy="1138773"/>
-            </a:xfrm>
-          </p:grpSpPr>
-          <p:sp>
-            <p:nvSpPr>
-              <p:cNvPr id="31" name="TextBox 30">
-                <a:extLst>
-                  <a:ext uri="{FF2B5EF4-FFF2-40B4-BE49-F238E27FC236}">
-                    <a16:creationId xmlns:a16="http://schemas.microsoft.com/office/drawing/2014/main" id="{53A632A5-EF3B-439A-8015-8607DD845908}"/>
-                  </a:ext>
-                </a:extLst>
-              </p:cNvPr>
-              <p:cNvSpPr txBox="1"/>
-              <p:nvPr/>
-            </p:nvSpPr>
-            <p:spPr>
-              <a:xfrm>
-                <a:off x="1708573" y="1657514"/>
-                <a:ext cx="2040551" cy="769441"/>
-              </a:xfrm>
-              <a:prstGeom prst="rect">
-                <a:avLst/>
-              </a:prstGeom>
-              <a:noFill/>
-            </p:spPr>
-            <p:txBody>
-              <a:bodyPr wrap="square" rtlCol="0">
-                <a:spAutoFit/>
-              </a:bodyPr>
-              <a:lstStyle/>
-              <a:p>
-                <a:pPr algn="ctr"/>
-                <a:r>
-                  <a:rPr lang="en-SG" sz="4400" dirty="0">
-                    <a:solidFill>
-                      <a:schemeClr val="bg1"/>
-                    </a:solidFill>
-                    <a:latin typeface="Gotham Bold" panose="02000803030000020004" pitchFamily="2" charset="0"/>
-                    <a:cs typeface="Gotham Book" pitchFamily="50" charset="0"/>
-                  </a:rPr>
-                  <a:t>10506 </a:t>
-                </a:r>
-              </a:p>
-            </p:txBody>
-          </p:sp>
-          <p:sp>
-            <p:nvSpPr>
-              <p:cNvPr id="32" name="TextBox 31">
-                <a:extLst>
-                  <a:ext uri="{FF2B5EF4-FFF2-40B4-BE49-F238E27FC236}">
-                    <a16:creationId xmlns:a16="http://schemas.microsoft.com/office/drawing/2014/main" id="{D00D21B4-3D5F-4F78-A9A9-E6AB50BB8A39}"/>
-                  </a:ext>
-                </a:extLst>
-              </p:cNvPr>
-              <p:cNvSpPr txBox="1"/>
-              <p:nvPr/>
-            </p:nvSpPr>
-            <p:spPr>
-              <a:xfrm>
-                <a:off x="1731434" y="2426955"/>
-                <a:ext cx="1994828" cy="369332"/>
-              </a:xfrm>
-              <a:prstGeom prst="rect">
-                <a:avLst/>
-              </a:prstGeom>
-              <a:noFill/>
-            </p:spPr>
-            <p:txBody>
-              <a:bodyPr wrap="square" rtlCol="0">
-                <a:spAutoFit/>
-              </a:bodyPr>
-              <a:lstStyle/>
-              <a:p>
-                <a:pPr algn="ctr"/>
-                <a:r>
-                  <a:rPr lang="en-SG" dirty="0">
-                    <a:solidFill>
-                      <a:schemeClr val="bg1"/>
-                    </a:solidFill>
-                    <a:latin typeface="Gotham Book" pitchFamily="50" charset="0"/>
-                    <a:cs typeface="Gotham Book" pitchFamily="50" charset="0"/>
-                  </a:rPr>
-                  <a:t>Observations</a:t>
-                </a:r>
-              </a:p>
-            </p:txBody>
-          </p:sp>
-        </p:grpSp>
-      </p:grpSp>
-      <p:grpSp>
-        <p:nvGrpSpPr>
-          <p:cNvPr id="9" name="Group 8">
-            <a:extLst>
-              <a:ext uri="{FF2B5EF4-FFF2-40B4-BE49-F238E27FC236}">
-                <a16:creationId xmlns:a16="http://schemas.microsoft.com/office/drawing/2014/main" id="{DD21F884-1AC3-4516-B73C-09D37637CCE1}"/>
-              </a:ext>
-            </a:extLst>
-          </p:cNvPr>
-          <p:cNvGrpSpPr/>
+          <a:prstGeom prst="rect">
+            <a:avLst/>
+          </a:prstGeom>
+          <a:noFill/>
+        </p:spPr>
+        <p:txBody>
+          <a:bodyPr wrap="square" rtlCol="0">
+            <a:spAutoFit/>
+          </a:bodyPr>
+          <a:lstStyle/>
+          <a:p>
+            <a:pPr algn="ctr"/>
+            <a:r>
+              <a:rPr lang="en-SG" sz="4400" dirty="0">
+                <a:gradFill>
+                  <a:gsLst>
+                    <a:gs pos="0">
+                      <a:srgbClr val="35609A"/>
+                    </a:gs>
+                    <a:gs pos="100000">
+                      <a:srgbClr val="EC343F"/>
+                    </a:gs>
+                  </a:gsLst>
+                  <a:lin ang="0" scaled="1"/>
+                </a:gradFill>
+                <a:latin typeface="Gotham Black" panose="02000603040000020004" pitchFamily="2" charset="0"/>
+              </a:rPr>
+              <a:t>TRAIN</a:t>
+            </a:r>
+          </a:p>
+        </p:txBody>
+      </p:sp>
+      <p:sp>
+        <p:nvSpPr>
+          <p:cNvPr id="31" name="TextBox 30">
+            <a:extLst>
+              <a:ext uri="{FF2B5EF4-FFF2-40B4-BE49-F238E27FC236}">
+                <a16:creationId xmlns:a16="http://schemas.microsoft.com/office/drawing/2014/main" id="{53A632A5-EF3B-439A-8015-8607DD845908}"/>
+              </a:ext>
+            </a:extLst>
+          </p:cNvPr>
+          <p:cNvSpPr txBox="1"/>
           <p:nvPr/>
-        </p:nvGrpSpPr>
-        <p:grpSpPr>
+        </p:nvSpPr>
+        <p:spPr>
           <a:xfrm>
-            <a:off x="8135385" y="1231885"/>
-            <a:ext cx="2381253" cy="1821965"/>
-            <a:chOff x="7893866" y="489707"/>
-            <a:chExt cx="2381253" cy="1821965"/>
+            <a:off x="1583901" y="1985902"/>
+            <a:ext cx="2040551" cy="769441"/>
           </a:xfrm>
-        </p:grpSpPr>
-        <p:sp>
-          <p:nvSpPr>
-            <p:cNvPr id="33" name="TextBox 32">
-              <a:extLst>
-                <a:ext uri="{FF2B5EF4-FFF2-40B4-BE49-F238E27FC236}">
-                  <a16:creationId xmlns:a16="http://schemas.microsoft.com/office/drawing/2014/main" id="{612D2671-2D6E-41D1-A1AC-0A09CED8FE84}"/>
-                </a:ext>
-              </a:extLst>
-            </p:cNvPr>
-            <p:cNvSpPr txBox="1"/>
-            <p:nvPr/>
-          </p:nvSpPr>
-          <p:spPr>
-            <a:xfrm>
-              <a:off x="8004020" y="489707"/>
-              <a:ext cx="2160948" cy="769441"/>
-            </a:xfrm>
-            <a:prstGeom prst="rect">
-              <a:avLst/>
-            </a:prstGeom>
-            <a:noFill/>
-          </p:spPr>
-          <p:txBody>
-            <a:bodyPr wrap="square" rtlCol="0">
-              <a:spAutoFit/>
-            </a:bodyPr>
-            <a:lstStyle/>
-            <a:p>
-              <a:pPr algn="ctr"/>
-              <a:r>
-                <a:rPr lang="en-SG" sz="4400" dirty="0">
-                  <a:gradFill>
-                    <a:gsLst>
-                      <a:gs pos="0">
-                        <a:srgbClr val="35609A"/>
-                      </a:gs>
-                      <a:gs pos="100000">
-                        <a:srgbClr val="EC343F"/>
-                      </a:gs>
-                    </a:gsLst>
-                    <a:lin ang="0" scaled="1"/>
-                  </a:gradFill>
-                  <a:latin typeface="Gotham Black" panose="02000603040000020004" pitchFamily="2" charset="0"/>
-                </a:rPr>
-                <a:t>TEST</a:t>
-              </a:r>
-            </a:p>
-          </p:txBody>
-        </p:sp>
-        <p:grpSp>
-          <p:nvGrpSpPr>
-            <p:cNvPr id="34" name="Group 33">
-              <a:extLst>
-                <a:ext uri="{FF2B5EF4-FFF2-40B4-BE49-F238E27FC236}">
-                  <a16:creationId xmlns:a16="http://schemas.microsoft.com/office/drawing/2014/main" id="{CB64F0AB-E377-4C4F-BC04-3ABD2689C489}"/>
-                </a:ext>
-              </a:extLst>
-            </p:cNvPr>
-            <p:cNvGrpSpPr/>
-            <p:nvPr/>
-          </p:nvGrpSpPr>
-          <p:grpSpPr>
-            <a:xfrm>
-              <a:off x="7893866" y="1172899"/>
-              <a:ext cx="2381253" cy="1138773"/>
-              <a:chOff x="1394764" y="1615408"/>
-              <a:chExt cx="2381253" cy="1138773"/>
-            </a:xfrm>
-          </p:grpSpPr>
-          <p:sp>
-            <p:nvSpPr>
-              <p:cNvPr id="35" name="TextBox 34">
-                <a:extLst>
-                  <a:ext uri="{FF2B5EF4-FFF2-40B4-BE49-F238E27FC236}">
-                    <a16:creationId xmlns:a16="http://schemas.microsoft.com/office/drawing/2014/main" id="{03477E2C-AE59-40EF-BDA7-AD26F3978304}"/>
-                  </a:ext>
-                </a:extLst>
-              </p:cNvPr>
-              <p:cNvSpPr txBox="1"/>
-              <p:nvPr/>
-            </p:nvSpPr>
-            <p:spPr>
-              <a:xfrm>
-                <a:off x="1394764" y="1615408"/>
-                <a:ext cx="2381253" cy="769441"/>
-              </a:xfrm>
-              <a:prstGeom prst="rect">
-                <a:avLst/>
-              </a:prstGeom>
-              <a:noFill/>
-            </p:spPr>
-            <p:txBody>
-              <a:bodyPr wrap="square" rtlCol="0">
-                <a:spAutoFit/>
-              </a:bodyPr>
-              <a:lstStyle/>
-              <a:p>
-                <a:pPr algn="ctr"/>
-                <a:r>
-                  <a:rPr lang="en-SG" sz="4400" dirty="0">
-                    <a:solidFill>
-                      <a:schemeClr val="bg1"/>
-                    </a:solidFill>
-                    <a:latin typeface="Gotham Bold" panose="02000803030000020004" pitchFamily="2" charset="0"/>
-                    <a:cs typeface="Gotham Book" pitchFamily="50" charset="0"/>
-                  </a:rPr>
-                  <a:t>116293 </a:t>
-                </a:r>
-              </a:p>
-            </p:txBody>
-          </p:sp>
-          <p:sp>
-            <p:nvSpPr>
-              <p:cNvPr id="36" name="TextBox 35">
-                <a:extLst>
-                  <a:ext uri="{FF2B5EF4-FFF2-40B4-BE49-F238E27FC236}">
-                    <a16:creationId xmlns:a16="http://schemas.microsoft.com/office/drawing/2014/main" id="{1787EE2D-CD12-4F53-A8C3-97E2D24C7ABE}"/>
-                  </a:ext>
-                </a:extLst>
-              </p:cNvPr>
-              <p:cNvSpPr txBox="1"/>
-              <p:nvPr/>
-            </p:nvSpPr>
-            <p:spPr>
-              <a:xfrm>
-                <a:off x="1587976" y="2384849"/>
-                <a:ext cx="1994828" cy="369332"/>
-              </a:xfrm>
-              <a:prstGeom prst="rect">
-                <a:avLst/>
-              </a:prstGeom>
-              <a:noFill/>
-            </p:spPr>
-            <p:txBody>
-              <a:bodyPr wrap="square" rtlCol="0">
-                <a:spAutoFit/>
-              </a:bodyPr>
-              <a:lstStyle/>
-              <a:p>
-                <a:pPr algn="ctr"/>
-                <a:r>
-                  <a:rPr lang="en-SG" dirty="0">
-                    <a:solidFill>
-                      <a:schemeClr val="bg1"/>
-                    </a:solidFill>
-                    <a:latin typeface="Gotham Book" pitchFamily="50" charset="0"/>
-                    <a:cs typeface="Gotham Book" pitchFamily="50" charset="0"/>
-                  </a:rPr>
-                  <a:t>Observations</a:t>
-                </a:r>
-              </a:p>
-            </p:txBody>
-          </p:sp>
-        </p:grpSp>
-      </p:grpSp>
+          <a:prstGeom prst="rect">
+            <a:avLst/>
+          </a:prstGeom>
+          <a:noFill/>
+        </p:spPr>
+        <p:txBody>
+          <a:bodyPr wrap="square" rtlCol="0">
+            <a:spAutoFit/>
+          </a:bodyPr>
+          <a:lstStyle/>
+          <a:p>
+            <a:pPr algn="ctr"/>
+            <a:r>
+              <a:rPr lang="en-SG" sz="4400" dirty="0">
+                <a:solidFill>
+                  <a:schemeClr val="bg1"/>
+                </a:solidFill>
+                <a:latin typeface="Gotham Bold" panose="02000803030000020004" pitchFamily="2" charset="0"/>
+                <a:cs typeface="Gotham Book" pitchFamily="50" charset="0"/>
+              </a:rPr>
+              <a:t>10506 </a:t>
+            </a:r>
+          </a:p>
+        </p:txBody>
+      </p:sp>
+      <p:sp>
+        <p:nvSpPr>
+          <p:cNvPr id="32" name="TextBox 31">
+            <a:extLst>
+              <a:ext uri="{FF2B5EF4-FFF2-40B4-BE49-F238E27FC236}">
+                <a16:creationId xmlns:a16="http://schemas.microsoft.com/office/drawing/2014/main" id="{D00D21B4-3D5F-4F78-A9A9-E6AB50BB8A39}"/>
+              </a:ext>
+            </a:extLst>
+          </p:cNvPr>
+          <p:cNvSpPr txBox="1"/>
+          <p:nvPr/>
+        </p:nvSpPr>
+        <p:spPr>
+          <a:xfrm>
+            <a:off x="1606762" y="2736883"/>
+            <a:ext cx="1994828" cy="369332"/>
+          </a:xfrm>
+          <a:prstGeom prst="rect">
+            <a:avLst/>
+          </a:prstGeom>
+          <a:noFill/>
+        </p:spPr>
+        <p:txBody>
+          <a:bodyPr wrap="square" rtlCol="0">
+            <a:spAutoFit/>
+          </a:bodyPr>
+          <a:lstStyle/>
+          <a:p>
+            <a:pPr algn="ctr"/>
+            <a:r>
+              <a:rPr lang="en-SG" dirty="0">
+                <a:solidFill>
+                  <a:schemeClr val="bg1"/>
+                </a:solidFill>
+                <a:latin typeface="Gotham Book" pitchFamily="50" charset="0"/>
+                <a:cs typeface="Gotham Book" pitchFamily="50" charset="0"/>
+              </a:rPr>
+              <a:t>Observations</a:t>
+            </a:r>
+          </a:p>
+        </p:txBody>
+      </p:sp>
+      <p:sp>
+        <p:nvSpPr>
+          <p:cNvPr id="33" name="TextBox 32">
+            <a:extLst>
+              <a:ext uri="{FF2B5EF4-FFF2-40B4-BE49-F238E27FC236}">
+                <a16:creationId xmlns:a16="http://schemas.microsoft.com/office/drawing/2014/main" id="{612D2671-2D6E-41D1-A1AC-0A09CED8FE84}"/>
+              </a:ext>
+            </a:extLst>
+          </p:cNvPr>
+          <p:cNvSpPr txBox="1"/>
+          <p:nvPr/>
+        </p:nvSpPr>
+        <p:spPr>
+          <a:xfrm>
+            <a:off x="8245539" y="1278523"/>
+            <a:ext cx="2160948" cy="769441"/>
+          </a:xfrm>
+          <a:prstGeom prst="rect">
+            <a:avLst/>
+          </a:prstGeom>
+          <a:noFill/>
+        </p:spPr>
+        <p:txBody>
+          <a:bodyPr wrap="square" rtlCol="0">
+            <a:spAutoFit/>
+          </a:bodyPr>
+          <a:lstStyle/>
+          <a:p>
+            <a:pPr algn="ctr"/>
+            <a:r>
+              <a:rPr lang="en-SG" sz="4400" dirty="0">
+                <a:gradFill>
+                  <a:gsLst>
+                    <a:gs pos="0">
+                      <a:srgbClr val="35609A"/>
+                    </a:gs>
+                    <a:gs pos="100000">
+                      <a:srgbClr val="EC343F"/>
+                    </a:gs>
+                  </a:gsLst>
+                  <a:lin ang="0" scaled="1"/>
+                </a:gradFill>
+                <a:latin typeface="Gotham Black" panose="02000603040000020004" pitchFamily="2" charset="0"/>
+              </a:rPr>
+              <a:t>TEST</a:t>
+            </a:r>
+          </a:p>
+        </p:txBody>
+      </p:sp>
+      <p:sp>
+        <p:nvSpPr>
+          <p:cNvPr id="35" name="TextBox 34">
+            <a:extLst>
+              <a:ext uri="{FF2B5EF4-FFF2-40B4-BE49-F238E27FC236}">
+                <a16:creationId xmlns:a16="http://schemas.microsoft.com/office/drawing/2014/main" id="{03477E2C-AE59-40EF-BDA7-AD26F3978304}"/>
+              </a:ext>
+            </a:extLst>
+          </p:cNvPr>
+          <p:cNvSpPr txBox="1"/>
+          <p:nvPr/>
+        </p:nvSpPr>
+        <p:spPr>
+          <a:xfrm>
+            <a:off x="8135385" y="1985902"/>
+            <a:ext cx="2381253" cy="769441"/>
+          </a:xfrm>
+          <a:prstGeom prst="rect">
+            <a:avLst/>
+          </a:prstGeom>
+          <a:noFill/>
+        </p:spPr>
+        <p:txBody>
+          <a:bodyPr wrap="square" rtlCol="0">
+            <a:spAutoFit/>
+          </a:bodyPr>
+          <a:lstStyle/>
+          <a:p>
+            <a:pPr algn="ctr"/>
+            <a:r>
+              <a:rPr lang="en-SG" sz="4400" dirty="0">
+                <a:solidFill>
+                  <a:schemeClr val="bg1"/>
+                </a:solidFill>
+                <a:latin typeface="Gotham Bold" panose="02000803030000020004" pitchFamily="2" charset="0"/>
+                <a:cs typeface="Gotham Book" pitchFamily="50" charset="0"/>
+              </a:rPr>
+              <a:t>116293 </a:t>
+            </a:r>
+          </a:p>
+        </p:txBody>
+      </p:sp>
+      <p:sp>
+        <p:nvSpPr>
+          <p:cNvPr id="36" name="TextBox 35">
+            <a:extLst>
+              <a:ext uri="{FF2B5EF4-FFF2-40B4-BE49-F238E27FC236}">
+                <a16:creationId xmlns:a16="http://schemas.microsoft.com/office/drawing/2014/main" id="{1787EE2D-CD12-4F53-A8C3-97E2D24C7ABE}"/>
+              </a:ext>
+            </a:extLst>
+          </p:cNvPr>
+          <p:cNvSpPr txBox="1"/>
+          <p:nvPr/>
+        </p:nvSpPr>
+        <p:spPr>
+          <a:xfrm>
+            <a:off x="8328597" y="2736883"/>
+            <a:ext cx="1994828" cy="369332"/>
+          </a:xfrm>
+          <a:prstGeom prst="rect">
+            <a:avLst/>
+          </a:prstGeom>
+          <a:noFill/>
+        </p:spPr>
+        <p:txBody>
+          <a:bodyPr wrap="square" rtlCol="0">
+            <a:spAutoFit/>
+          </a:bodyPr>
+          <a:lstStyle/>
+          <a:p>
+            <a:pPr algn="ctr"/>
+            <a:r>
+              <a:rPr lang="en-SG" dirty="0">
+                <a:solidFill>
+                  <a:schemeClr val="bg1"/>
+                </a:solidFill>
+                <a:latin typeface="Gotham Book" pitchFamily="50" charset="0"/>
+                <a:cs typeface="Gotham Book" pitchFamily="50" charset="0"/>
+              </a:rPr>
+              <a:t>Observations</a:t>
+            </a:r>
+          </a:p>
+        </p:txBody>
+      </p:sp>
       <p:grpSp>
         <p:nvGrpSpPr>
           <p:cNvPr id="8" name="Group 7">
@@ -5825,90 +5874,111 @@
           </p:txBody>
         </p:sp>
       </p:grpSp>
-      <p:sp>
-        <p:nvSpPr>
-          <p:cNvPr id="49" name="TextBox 48">
-            <a:extLst>
-              <a:ext uri="{FF2B5EF4-FFF2-40B4-BE49-F238E27FC236}">
-                <a16:creationId xmlns:a16="http://schemas.microsoft.com/office/drawing/2014/main" id="{0881D1BF-F847-43E7-88B8-3BCA086398C8}"/>
-              </a:ext>
-            </a:extLst>
-          </p:cNvPr>
-          <p:cNvSpPr txBox="1"/>
+      <p:grpSp>
+        <p:nvGrpSpPr>
+          <p:cNvPr id="5" name="Group 4">
+            <a:extLst>
+              <a:ext uri="{FF2B5EF4-FFF2-40B4-BE49-F238E27FC236}">
+                <a16:creationId xmlns:a16="http://schemas.microsoft.com/office/drawing/2014/main" id="{B00F6EE0-48BD-4443-9F92-59CBD04D87A5}"/>
+              </a:ext>
+            </a:extLst>
+          </p:cNvPr>
+          <p:cNvGrpSpPr/>
           <p:nvPr/>
-        </p:nvSpPr>
-        <p:spPr>
+        </p:nvGrpSpPr>
+        <p:grpSpPr>
           <a:xfrm>
-            <a:off x="1429834" y="3353493"/>
-            <a:ext cx="2216690" cy="307777"/>
+            <a:off x="1569526" y="4006412"/>
+            <a:ext cx="2216690" cy="678177"/>
+            <a:chOff x="1455959" y="3719239"/>
+            <a:chExt cx="2216690" cy="678177"/>
           </a:xfrm>
-          <a:prstGeom prst="rect">
-            <a:avLst/>
-          </a:prstGeom>
-          <a:noFill/>
-        </p:spPr>
-        <p:txBody>
-          <a:bodyPr wrap="square" rtlCol="0">
-            <a:spAutoFit/>
-          </a:bodyPr>
-          <a:lstStyle/>
-          <a:p>
-            <a:pPr algn="ctr"/>
-            <a:r>
-              <a:rPr lang="en-SG" sz="1400" dirty="0">
-                <a:solidFill>
-                  <a:schemeClr val="bg1"/>
-                </a:solidFill>
-                <a:latin typeface="Gotham Book" pitchFamily="50" charset="0"/>
-                <a:cs typeface="Gotham Book" pitchFamily="50" charset="0"/>
-              </a:rPr>
-              <a:t>NUM MOSQUITO</a:t>
-            </a:r>
-          </a:p>
-        </p:txBody>
-      </p:sp>
-      <p:sp>
-        <p:nvSpPr>
-          <p:cNvPr id="50" name="TextBox 49">
-            <a:extLst>
-              <a:ext uri="{FF2B5EF4-FFF2-40B4-BE49-F238E27FC236}">
-                <a16:creationId xmlns:a16="http://schemas.microsoft.com/office/drawing/2014/main" id="{ABA80488-D4B5-4881-A2B1-8CD907724DED}"/>
-              </a:ext>
-            </a:extLst>
-          </p:cNvPr>
-          <p:cNvSpPr txBox="1"/>
-          <p:nvPr/>
-        </p:nvSpPr>
-        <p:spPr>
-          <a:xfrm>
-            <a:off x="1429834" y="3723893"/>
-            <a:ext cx="2216690" cy="307777"/>
-          </a:xfrm>
-          <a:prstGeom prst="rect">
-            <a:avLst/>
-          </a:prstGeom>
-          <a:noFill/>
-        </p:spPr>
-        <p:txBody>
-          <a:bodyPr wrap="square" rtlCol="0">
-            <a:spAutoFit/>
-          </a:bodyPr>
-          <a:lstStyle/>
-          <a:p>
-            <a:pPr algn="ctr"/>
-            <a:r>
-              <a:rPr lang="en-SG" sz="1400" dirty="0">
-                <a:solidFill>
-                  <a:schemeClr val="bg1"/>
-                </a:solidFill>
-                <a:latin typeface="Gotham Book" pitchFamily="50" charset="0"/>
-                <a:cs typeface="Gotham Book" pitchFamily="50" charset="0"/>
-              </a:rPr>
-              <a:t>WNV PRESENT</a:t>
-            </a:r>
-          </a:p>
-        </p:txBody>
-      </p:sp>
+        </p:grpSpPr>
+        <p:sp>
+          <p:nvSpPr>
+            <p:cNvPr id="49" name="TextBox 48">
+              <a:extLst>
+                <a:ext uri="{FF2B5EF4-FFF2-40B4-BE49-F238E27FC236}">
+                  <a16:creationId xmlns:a16="http://schemas.microsoft.com/office/drawing/2014/main" id="{0881D1BF-F847-43E7-88B8-3BCA086398C8}"/>
+                </a:ext>
+              </a:extLst>
+            </p:cNvPr>
+            <p:cNvSpPr txBox="1"/>
+            <p:nvPr/>
+          </p:nvSpPr>
+          <p:spPr>
+            <a:xfrm>
+              <a:off x="1455959" y="3719239"/>
+              <a:ext cx="2216690" cy="307777"/>
+            </a:xfrm>
+            <a:prstGeom prst="rect">
+              <a:avLst/>
+            </a:prstGeom>
+            <a:noFill/>
+          </p:spPr>
+          <p:txBody>
+            <a:bodyPr wrap="square" rtlCol="0">
+              <a:spAutoFit/>
+            </a:bodyPr>
+            <a:lstStyle/>
+            <a:p>
+              <a:pPr algn="ctr"/>
+              <a:r>
+                <a:rPr lang="en-SG" sz="1400" dirty="0">
+                  <a:solidFill>
+                    <a:schemeClr val="bg1"/>
+                  </a:solidFill>
+                  <a:latin typeface="Gotham Book" pitchFamily="50" charset="0"/>
+                  <a:cs typeface="Gotham Book" pitchFamily="50" charset="0"/>
+                </a:rPr>
+                <a:t>NUM MOSQUITO</a:t>
+              </a:r>
+            </a:p>
+          </p:txBody>
+        </p:sp>
+        <p:sp>
+          <p:nvSpPr>
+            <p:cNvPr id="50" name="TextBox 49">
+              <a:extLst>
+                <a:ext uri="{FF2B5EF4-FFF2-40B4-BE49-F238E27FC236}">
+                  <a16:creationId xmlns:a16="http://schemas.microsoft.com/office/drawing/2014/main" id="{ABA80488-D4B5-4881-A2B1-8CD907724DED}"/>
+                </a:ext>
+              </a:extLst>
+            </p:cNvPr>
+            <p:cNvSpPr txBox="1"/>
+            <p:nvPr/>
+          </p:nvSpPr>
+          <p:spPr>
+            <a:xfrm>
+              <a:off x="1455959" y="4089639"/>
+              <a:ext cx="2216690" cy="307777"/>
+            </a:xfrm>
+            <a:prstGeom prst="rect">
+              <a:avLst/>
+            </a:prstGeom>
+            <a:noFill/>
+          </p:spPr>
+          <p:txBody>
+            <a:bodyPr wrap="square" rtlCol="0">
+              <a:spAutoFit/>
+            </a:bodyPr>
+            <a:lstStyle/>
+            <a:p>
+              <a:pPr algn="ctr"/>
+              <a:r>
+                <a:rPr lang="en-SG" sz="1400" dirty="0">
+                  <a:solidFill>
+                    <a:schemeClr val="bg1"/>
+                  </a:solidFill>
+                  <a:latin typeface="Gotham Book" pitchFamily="50" charset="0"/>
+                  <a:cs typeface="Gotham Book" pitchFamily="50" charset="0"/>
+                </a:rPr>
+                <a:t>WNV PRESENT</a:t>
+              </a:r>
+            </a:p>
+          </p:txBody>
+        </p:sp>
+      </p:grpSp>
       <p:sp>
         <p:nvSpPr>
           <p:cNvPr id="20" name="Oval 19">
@@ -6013,10 +6083,653 @@
           </a:p>
         </p:txBody>
       </p:sp>
+      <p:sp>
+        <p:nvSpPr>
+          <p:cNvPr id="29" name="TextBox 28">
+            <a:extLst>
+              <a:ext uri="{FF2B5EF4-FFF2-40B4-BE49-F238E27FC236}">
+                <a16:creationId xmlns:a16="http://schemas.microsoft.com/office/drawing/2014/main" id="{CD7B650D-4EDA-409C-99F3-DB7B2972DDE5}"/>
+              </a:ext>
+            </a:extLst>
+          </p:cNvPr>
+          <p:cNvSpPr txBox="1"/>
+          <p:nvPr/>
+        </p:nvSpPr>
+        <p:spPr>
+          <a:xfrm>
+            <a:off x="1500264" y="3193470"/>
+            <a:ext cx="2216690" cy="307777"/>
+          </a:xfrm>
+          <a:prstGeom prst="rect">
+            <a:avLst/>
+          </a:prstGeom>
+          <a:noFill/>
+        </p:spPr>
+        <p:txBody>
+          <a:bodyPr wrap="square" rtlCol="0">
+            <a:spAutoFit/>
+          </a:bodyPr>
+          <a:lstStyle/>
+          <a:p>
+            <a:pPr algn="ctr"/>
+            <a:r>
+              <a:rPr lang="en-SG" sz="1400" dirty="0">
+                <a:solidFill>
+                  <a:schemeClr val="bg1"/>
+                </a:solidFill>
+                <a:latin typeface="Gotham Bold" panose="02000803030000020004" pitchFamily="2" charset="0"/>
+                <a:cs typeface="Gotham Book" pitchFamily="50" charset="0"/>
+              </a:rPr>
+              <a:t>2007,2009,2011,2013</a:t>
+            </a:r>
+          </a:p>
+        </p:txBody>
+      </p:sp>
+      <p:sp>
+        <p:nvSpPr>
+          <p:cNvPr id="30" name="TextBox 29">
+            <a:extLst>
+              <a:ext uri="{FF2B5EF4-FFF2-40B4-BE49-F238E27FC236}">
+                <a16:creationId xmlns:a16="http://schemas.microsoft.com/office/drawing/2014/main" id="{D9A89644-4198-45D3-8EB0-426E2A16137E}"/>
+              </a:ext>
+            </a:extLst>
+          </p:cNvPr>
+          <p:cNvSpPr txBox="1"/>
+          <p:nvPr/>
+        </p:nvSpPr>
+        <p:spPr>
+          <a:xfrm>
+            <a:off x="8217666" y="3193470"/>
+            <a:ext cx="2216690" cy="307777"/>
+          </a:xfrm>
+          <a:prstGeom prst="rect">
+            <a:avLst/>
+          </a:prstGeom>
+          <a:noFill/>
+        </p:spPr>
+        <p:txBody>
+          <a:bodyPr wrap="square" rtlCol="0">
+            <a:spAutoFit/>
+          </a:bodyPr>
+          <a:lstStyle/>
+          <a:p>
+            <a:pPr algn="ctr"/>
+            <a:r>
+              <a:rPr lang="en-SG" sz="1400" dirty="0">
+                <a:solidFill>
+                  <a:schemeClr val="bg1"/>
+                </a:solidFill>
+                <a:latin typeface="Gotham Bold" panose="02000803030000020004" pitchFamily="2" charset="0"/>
+                <a:cs typeface="Gotham Book" pitchFamily="50" charset="0"/>
+              </a:rPr>
+              <a:t>2008,2010,2012,2014</a:t>
+            </a:r>
+          </a:p>
+        </p:txBody>
+      </p:sp>
     </p:spTree>
     <p:extLst>
       <p:ext uri="{BB962C8B-B14F-4D97-AF65-F5344CB8AC3E}">
         <p14:creationId xmlns:p14="http://schemas.microsoft.com/office/powerpoint/2010/main" val="3746096488"/>
+      </p:ext>
+    </p:extLst>
+  </p:cSld>
+  <p:clrMapOvr>
+    <a:masterClrMapping/>
+  </p:clrMapOvr>
+</p:sld>
+</file>
+
+<file path=ppt/slides/slide5.xml><?xml version="1.0" encoding="utf-8"?>
+<p:sld xmlns:a="http://schemas.openxmlformats.org/drawingml/2006/main" xmlns:r="http://schemas.openxmlformats.org/officeDocument/2006/relationships" xmlns:p="http://schemas.openxmlformats.org/presentationml/2006/main">
+  <p:cSld>
+    <p:bg>
+      <p:bgPr>
+        <a:solidFill>
+          <a:srgbClr val="2F3742"/>
+        </a:solidFill>
+        <a:effectLst/>
+      </p:bgPr>
+    </p:bg>
+    <p:spTree>
+      <p:nvGrpSpPr>
+        <p:cNvPr id="1" name=""/>
+        <p:cNvGrpSpPr/>
+        <p:nvPr/>
+      </p:nvGrpSpPr>
+      <p:grpSpPr>
+        <a:xfrm>
+          <a:off x="0" y="0"/>
+          <a:ext cx="0" cy="0"/>
+          <a:chOff x="0" y="0"/>
+          <a:chExt cx="0" cy="0"/>
+        </a:xfrm>
+      </p:grpSpPr>
+      <p:sp>
+        <p:nvSpPr>
+          <p:cNvPr id="2" name="Title 1">
+            <a:extLst>
+              <a:ext uri="{FF2B5EF4-FFF2-40B4-BE49-F238E27FC236}">
+                <a16:creationId xmlns:a16="http://schemas.microsoft.com/office/drawing/2014/main" id="{FF21E304-E4E0-438B-AB07-1B8DC03AFC6F}"/>
+              </a:ext>
+            </a:extLst>
+          </p:cNvPr>
+          <p:cNvSpPr>
+            <a:spLocks noGrp="1"/>
+          </p:cNvSpPr>
+          <p:nvPr>
+            <p:ph type="ctrTitle"/>
+          </p:nvPr>
+        </p:nvSpPr>
+        <p:spPr>
+          <a:xfrm>
+            <a:off x="436202" y="5632449"/>
+            <a:ext cx="6136048" cy="928045"/>
+          </a:xfrm>
+        </p:spPr>
+        <p:txBody>
+          <a:bodyPr>
+            <a:normAutofit fontScale="90000"/>
+          </a:bodyPr>
+          <a:lstStyle/>
+          <a:p>
+            <a:pPr algn="l">
+              <a:lnSpc>
+                <a:spcPct val="150000"/>
+              </a:lnSpc>
+            </a:pPr>
+            <a:r>
+              <a:rPr lang="en-SG" dirty="0">
+                <a:gradFill flip="none" rotWithShape="1">
+                  <a:gsLst>
+                    <a:gs pos="0">
+                      <a:srgbClr val="35609A"/>
+                    </a:gs>
+                    <a:gs pos="100000">
+                      <a:srgbClr val="EC343F"/>
+                    </a:gs>
+                  </a:gsLst>
+                  <a:lin ang="0" scaled="1"/>
+                  <a:tileRect/>
+                </a:gradFill>
+                <a:latin typeface="Gotham Black" panose="02000603040000020004" pitchFamily="2" charset="0"/>
+              </a:rPr>
+              <a:t>DATASETS</a:t>
+            </a:r>
+            <a:endParaRPr lang="en-SG" dirty="0">
+              <a:gradFill>
+                <a:gsLst>
+                  <a:gs pos="0">
+                    <a:srgbClr val="35609A"/>
+                  </a:gs>
+                  <a:gs pos="100000">
+                    <a:srgbClr val="EC343F"/>
+                  </a:gs>
+                </a:gsLst>
+                <a:lin ang="0" scaled="1"/>
+              </a:gradFill>
+              <a:latin typeface="Gotham Black" panose="02000603040000020004" pitchFamily="2" charset="0"/>
+            </a:endParaRPr>
+          </a:p>
+        </p:txBody>
+      </p:sp>
+      <p:sp>
+        <p:nvSpPr>
+          <p:cNvPr id="33" name="TextBox 32">
+            <a:extLst>
+              <a:ext uri="{FF2B5EF4-FFF2-40B4-BE49-F238E27FC236}">
+                <a16:creationId xmlns:a16="http://schemas.microsoft.com/office/drawing/2014/main" id="{612D2671-2D6E-41D1-A1AC-0A09CED8FE84}"/>
+              </a:ext>
+            </a:extLst>
+          </p:cNvPr>
+          <p:cNvSpPr txBox="1"/>
+          <p:nvPr/>
+        </p:nvSpPr>
+        <p:spPr>
+          <a:xfrm>
+            <a:off x="8165479" y="1278522"/>
+            <a:ext cx="2381253" cy="769441"/>
+          </a:xfrm>
+          <a:prstGeom prst="rect">
+            <a:avLst/>
+          </a:prstGeom>
+          <a:noFill/>
+        </p:spPr>
+        <p:txBody>
+          <a:bodyPr wrap="square" rtlCol="0">
+            <a:spAutoFit/>
+          </a:bodyPr>
+          <a:lstStyle/>
+          <a:p>
+            <a:pPr algn="ctr"/>
+            <a:r>
+              <a:rPr lang="en-SG" sz="4400" dirty="0">
+                <a:gradFill>
+                  <a:gsLst>
+                    <a:gs pos="0">
+                      <a:srgbClr val="35609A"/>
+                    </a:gs>
+                    <a:gs pos="100000">
+                      <a:srgbClr val="EC343F"/>
+                    </a:gs>
+                  </a:gsLst>
+                  <a:lin ang="0" scaled="1"/>
+                </a:gradFill>
+                <a:latin typeface="Gotham Black" panose="02000603040000020004" pitchFamily="2" charset="0"/>
+              </a:rPr>
+              <a:t>SPRAY</a:t>
+            </a:r>
+          </a:p>
+        </p:txBody>
+      </p:sp>
+      <p:sp>
+        <p:nvSpPr>
+          <p:cNvPr id="35" name="TextBox 34">
+            <a:extLst>
+              <a:ext uri="{FF2B5EF4-FFF2-40B4-BE49-F238E27FC236}">
+                <a16:creationId xmlns:a16="http://schemas.microsoft.com/office/drawing/2014/main" id="{03477E2C-AE59-40EF-BDA7-AD26F3978304}"/>
+              </a:ext>
+            </a:extLst>
+          </p:cNvPr>
+          <p:cNvSpPr txBox="1"/>
+          <p:nvPr/>
+        </p:nvSpPr>
+        <p:spPr>
+          <a:xfrm>
+            <a:off x="8135385" y="1985902"/>
+            <a:ext cx="2381253" cy="769441"/>
+          </a:xfrm>
+          <a:prstGeom prst="rect">
+            <a:avLst/>
+          </a:prstGeom>
+          <a:noFill/>
+        </p:spPr>
+        <p:txBody>
+          <a:bodyPr wrap="square" rtlCol="0">
+            <a:spAutoFit/>
+          </a:bodyPr>
+          <a:lstStyle/>
+          <a:p>
+            <a:pPr algn="ctr"/>
+            <a:r>
+              <a:rPr lang="en-SG" sz="4400" dirty="0">
+                <a:solidFill>
+                  <a:schemeClr val="bg1"/>
+                </a:solidFill>
+                <a:latin typeface="Gotham Bold" panose="02000803030000020004" pitchFamily="2" charset="0"/>
+                <a:cs typeface="Gotham Book" pitchFamily="50" charset="0"/>
+              </a:rPr>
+              <a:t>116293 </a:t>
+            </a:r>
+          </a:p>
+        </p:txBody>
+      </p:sp>
+      <p:sp>
+        <p:nvSpPr>
+          <p:cNvPr id="36" name="TextBox 35">
+            <a:extLst>
+              <a:ext uri="{FF2B5EF4-FFF2-40B4-BE49-F238E27FC236}">
+                <a16:creationId xmlns:a16="http://schemas.microsoft.com/office/drawing/2014/main" id="{1787EE2D-CD12-4F53-A8C3-97E2D24C7ABE}"/>
+              </a:ext>
+            </a:extLst>
+          </p:cNvPr>
+          <p:cNvSpPr txBox="1"/>
+          <p:nvPr/>
+        </p:nvSpPr>
+        <p:spPr>
+          <a:xfrm>
+            <a:off x="8328597" y="2736883"/>
+            <a:ext cx="1994828" cy="369332"/>
+          </a:xfrm>
+          <a:prstGeom prst="rect">
+            <a:avLst/>
+          </a:prstGeom>
+          <a:noFill/>
+        </p:spPr>
+        <p:txBody>
+          <a:bodyPr wrap="square" rtlCol="0">
+            <a:spAutoFit/>
+          </a:bodyPr>
+          <a:lstStyle/>
+          <a:p>
+            <a:pPr algn="ctr"/>
+            <a:r>
+              <a:rPr lang="en-SG" dirty="0">
+                <a:solidFill>
+                  <a:schemeClr val="bg1"/>
+                </a:solidFill>
+                <a:latin typeface="Gotham Book" pitchFamily="50" charset="0"/>
+                <a:cs typeface="Gotham Book" pitchFamily="50" charset="0"/>
+              </a:rPr>
+              <a:t>Observations</a:t>
+            </a:r>
+          </a:p>
+        </p:txBody>
+      </p:sp>
+      <p:grpSp>
+        <p:nvGrpSpPr>
+          <p:cNvPr id="5" name="Group 4">
+            <a:extLst>
+              <a:ext uri="{FF2B5EF4-FFF2-40B4-BE49-F238E27FC236}">
+                <a16:creationId xmlns:a16="http://schemas.microsoft.com/office/drawing/2014/main" id="{97135F8E-F18A-4961-B46E-F7BB3A511C54}"/>
+              </a:ext>
+            </a:extLst>
+          </p:cNvPr>
+          <p:cNvGrpSpPr/>
+          <p:nvPr/>
+        </p:nvGrpSpPr>
+        <p:grpSpPr>
+          <a:xfrm>
+            <a:off x="731788" y="1278523"/>
+            <a:ext cx="4534446" cy="3555096"/>
+            <a:chOff x="731788" y="1278523"/>
+            <a:chExt cx="4534446" cy="3555096"/>
+          </a:xfrm>
+        </p:grpSpPr>
+        <p:sp>
+          <p:nvSpPr>
+            <p:cNvPr id="3" name="TextBox 2">
+              <a:extLst>
+                <a:ext uri="{FF2B5EF4-FFF2-40B4-BE49-F238E27FC236}">
+                  <a16:creationId xmlns:a16="http://schemas.microsoft.com/office/drawing/2014/main" id="{E90E465A-3033-4159-ACA1-F19A702DF04B}"/>
+                </a:ext>
+              </a:extLst>
+            </p:cNvPr>
+            <p:cNvSpPr txBox="1"/>
+            <p:nvPr/>
+          </p:nvSpPr>
+          <p:spPr>
+            <a:xfrm>
+              <a:off x="1347419" y="1278523"/>
+              <a:ext cx="3303183" cy="769441"/>
+            </a:xfrm>
+            <a:prstGeom prst="rect">
+              <a:avLst/>
+            </a:prstGeom>
+            <a:noFill/>
+          </p:spPr>
+          <p:txBody>
+            <a:bodyPr wrap="square" rtlCol="0">
+              <a:spAutoFit/>
+            </a:bodyPr>
+            <a:lstStyle/>
+            <a:p>
+              <a:pPr algn="ctr"/>
+              <a:r>
+                <a:rPr lang="en-SG" sz="4400" dirty="0">
+                  <a:gradFill>
+                    <a:gsLst>
+                      <a:gs pos="0">
+                        <a:srgbClr val="35609A"/>
+                      </a:gs>
+                      <a:gs pos="100000">
+                        <a:srgbClr val="EC343F"/>
+                      </a:gs>
+                    </a:gsLst>
+                    <a:lin ang="0" scaled="1"/>
+                  </a:gradFill>
+                  <a:latin typeface="Gotham Black" panose="02000603040000020004" pitchFamily="2" charset="0"/>
+                </a:rPr>
+                <a:t>WEATHER</a:t>
+              </a:r>
+            </a:p>
+          </p:txBody>
+        </p:sp>
+        <p:sp>
+          <p:nvSpPr>
+            <p:cNvPr id="31" name="TextBox 30">
+              <a:extLst>
+                <a:ext uri="{FF2B5EF4-FFF2-40B4-BE49-F238E27FC236}">
+                  <a16:creationId xmlns:a16="http://schemas.microsoft.com/office/drawing/2014/main" id="{53A632A5-EF3B-439A-8015-8607DD845908}"/>
+                </a:ext>
+              </a:extLst>
+            </p:cNvPr>
+            <p:cNvSpPr txBox="1"/>
+            <p:nvPr/>
+          </p:nvSpPr>
+          <p:spPr>
+            <a:xfrm>
+              <a:off x="1172223" y="1985902"/>
+              <a:ext cx="3653575" cy="769441"/>
+            </a:xfrm>
+            <a:prstGeom prst="rect">
+              <a:avLst/>
+            </a:prstGeom>
+            <a:noFill/>
+          </p:spPr>
+          <p:txBody>
+            <a:bodyPr wrap="square" rtlCol="0">
+              <a:spAutoFit/>
+            </a:bodyPr>
+            <a:lstStyle/>
+            <a:p>
+              <a:pPr algn="ctr"/>
+              <a:r>
+                <a:rPr lang="en-SG" sz="4400" dirty="0">
+                  <a:solidFill>
+                    <a:schemeClr val="bg1"/>
+                  </a:solidFill>
+                  <a:latin typeface="Gotham Bold" panose="02000803030000020004" pitchFamily="2" charset="0"/>
+                  <a:cs typeface="Gotham Book" pitchFamily="50" charset="0"/>
+                </a:rPr>
+                <a:t>2007 - 2014</a:t>
+              </a:r>
+            </a:p>
+          </p:txBody>
+        </p:sp>
+        <p:sp>
+          <p:nvSpPr>
+            <p:cNvPr id="32" name="TextBox 31">
+              <a:extLst>
+                <a:ext uri="{FF2B5EF4-FFF2-40B4-BE49-F238E27FC236}">
+                  <a16:creationId xmlns:a16="http://schemas.microsoft.com/office/drawing/2014/main" id="{D00D21B4-3D5F-4F78-A9A9-E6AB50BB8A39}"/>
+                </a:ext>
+              </a:extLst>
+            </p:cNvPr>
+            <p:cNvSpPr txBox="1"/>
+            <p:nvPr/>
+          </p:nvSpPr>
+          <p:spPr>
+            <a:xfrm>
+              <a:off x="1618951" y="2732925"/>
+              <a:ext cx="2760118" cy="369332"/>
+            </a:xfrm>
+            <a:prstGeom prst="rect">
+              <a:avLst/>
+            </a:prstGeom>
+            <a:noFill/>
+          </p:spPr>
+          <p:txBody>
+            <a:bodyPr wrap="square" rtlCol="0">
+              <a:spAutoFit/>
+            </a:bodyPr>
+            <a:lstStyle/>
+            <a:p>
+              <a:pPr algn="ctr"/>
+              <a:r>
+                <a:rPr lang="en-SG" dirty="0">
+                  <a:solidFill>
+                    <a:schemeClr val="bg1"/>
+                  </a:solidFill>
+                  <a:latin typeface="Gotham Book" pitchFamily="50" charset="0"/>
+                  <a:cs typeface="Gotham Book" pitchFamily="50" charset="0"/>
+                </a:rPr>
+                <a:t>NOAA weather data</a:t>
+              </a:r>
+            </a:p>
+          </p:txBody>
+        </p:sp>
+        <p:sp>
+          <p:nvSpPr>
+            <p:cNvPr id="49" name="TextBox 48">
+              <a:extLst>
+                <a:ext uri="{FF2B5EF4-FFF2-40B4-BE49-F238E27FC236}">
+                  <a16:creationId xmlns:a16="http://schemas.microsoft.com/office/drawing/2014/main" id="{0881D1BF-F847-43E7-88B8-3BCA086398C8}"/>
+                </a:ext>
+              </a:extLst>
+            </p:cNvPr>
+            <p:cNvSpPr txBox="1"/>
+            <p:nvPr/>
+          </p:nvSpPr>
+          <p:spPr>
+            <a:xfrm>
+              <a:off x="1890665" y="3213556"/>
+              <a:ext cx="2216690" cy="307777"/>
+            </a:xfrm>
+            <a:prstGeom prst="rect">
+              <a:avLst/>
+            </a:prstGeom>
+            <a:noFill/>
+          </p:spPr>
+          <p:txBody>
+            <a:bodyPr wrap="square" rtlCol="0">
+              <a:spAutoFit/>
+            </a:bodyPr>
+            <a:lstStyle/>
+            <a:p>
+              <a:pPr algn="ctr"/>
+              <a:r>
+                <a:rPr lang="en-SG" sz="1400" dirty="0">
+                  <a:solidFill>
+                    <a:schemeClr val="bg1"/>
+                  </a:solidFill>
+                  <a:latin typeface="Gotham Book" pitchFamily="50" charset="0"/>
+                  <a:cs typeface="Gotham Book" pitchFamily="50" charset="0"/>
+                </a:rPr>
+                <a:t>22 weather features</a:t>
+              </a:r>
+            </a:p>
+          </p:txBody>
+        </p:sp>
+        <p:sp>
+          <p:nvSpPr>
+            <p:cNvPr id="50" name="TextBox 49">
+              <a:extLst>
+                <a:ext uri="{FF2B5EF4-FFF2-40B4-BE49-F238E27FC236}">
+                  <a16:creationId xmlns:a16="http://schemas.microsoft.com/office/drawing/2014/main" id="{ABA80488-D4B5-4881-A2B1-8CD907724DED}"/>
+                </a:ext>
+              </a:extLst>
+            </p:cNvPr>
+            <p:cNvSpPr txBox="1"/>
+            <p:nvPr/>
+          </p:nvSpPr>
+          <p:spPr>
+            <a:xfrm>
+              <a:off x="1890665" y="3672652"/>
+              <a:ext cx="2216690" cy="369332"/>
+            </a:xfrm>
+            <a:prstGeom prst="rect">
+              <a:avLst/>
+            </a:prstGeom>
+            <a:noFill/>
+          </p:spPr>
+          <p:txBody>
+            <a:bodyPr wrap="square" rtlCol="0">
+              <a:spAutoFit/>
+            </a:bodyPr>
+            <a:lstStyle/>
+            <a:p>
+              <a:pPr algn="ctr"/>
+              <a:r>
+                <a:rPr lang="en-SG" dirty="0">
+                  <a:solidFill>
+                    <a:schemeClr val="bg1"/>
+                  </a:solidFill>
+                  <a:latin typeface="Gotham Bold" panose="02000803030000020004" pitchFamily="2" charset="0"/>
+                  <a:cs typeface="Gotham Book" pitchFamily="50" charset="0"/>
+                </a:rPr>
+                <a:t>2 Stations</a:t>
+              </a:r>
+            </a:p>
+          </p:txBody>
+        </p:sp>
+        <p:sp>
+          <p:nvSpPr>
+            <p:cNvPr id="4" name="Rectangle 3">
+              <a:extLst>
+                <a:ext uri="{FF2B5EF4-FFF2-40B4-BE49-F238E27FC236}">
+                  <a16:creationId xmlns:a16="http://schemas.microsoft.com/office/drawing/2014/main" id="{DFA25FDE-B4E6-473C-9212-FCBC25FEE979}"/>
+                </a:ext>
+              </a:extLst>
+            </p:cNvPr>
+            <p:cNvSpPr/>
+            <p:nvPr/>
+          </p:nvSpPr>
+          <p:spPr>
+            <a:xfrm>
+              <a:off x="731788" y="4159080"/>
+              <a:ext cx="4534446" cy="307777"/>
+            </a:xfrm>
+            <a:prstGeom prst="rect">
+              <a:avLst/>
+            </a:prstGeom>
+          </p:spPr>
+          <p:txBody>
+            <a:bodyPr wrap="none">
+              <a:spAutoFit/>
+            </a:bodyPr>
+            <a:lstStyle/>
+            <a:p>
+              <a:pPr algn="ctr"/>
+              <a:r>
+                <a:rPr lang="en-SG" sz="1400" dirty="0">
+                  <a:solidFill>
+                    <a:schemeClr val="bg1"/>
+                  </a:solidFill>
+                  <a:latin typeface="Gotham Book" pitchFamily="50" charset="0"/>
+                  <a:cs typeface="Gotham Book" pitchFamily="50" charset="0"/>
+                </a:rPr>
+                <a:t>1) CHICAGO O'HARE INTERNATIONAL AIRPORT</a:t>
+              </a:r>
+            </a:p>
+          </p:txBody>
+        </p:sp>
+        <p:sp>
+          <p:nvSpPr>
+            <p:cNvPr id="25" name="Rectangle 24">
+              <a:extLst>
+                <a:ext uri="{FF2B5EF4-FFF2-40B4-BE49-F238E27FC236}">
+                  <a16:creationId xmlns:a16="http://schemas.microsoft.com/office/drawing/2014/main" id="{81885B53-3071-4F58-B08C-6B5CAF5E2F26}"/>
+                </a:ext>
+              </a:extLst>
+            </p:cNvPr>
+            <p:cNvSpPr/>
+            <p:nvPr/>
+          </p:nvSpPr>
+          <p:spPr>
+            <a:xfrm>
+              <a:off x="1411108" y="4525842"/>
+              <a:ext cx="3175806" cy="307777"/>
+            </a:xfrm>
+            <a:prstGeom prst="rect">
+              <a:avLst/>
+            </a:prstGeom>
+          </p:spPr>
+          <p:txBody>
+            <a:bodyPr wrap="none">
+              <a:spAutoFit/>
+            </a:bodyPr>
+            <a:lstStyle/>
+            <a:p>
+              <a:pPr algn="ctr"/>
+              <a:r>
+                <a:rPr lang="en-SG" sz="1400" dirty="0">
+                  <a:solidFill>
+                    <a:schemeClr val="bg1"/>
+                  </a:solidFill>
+                  <a:latin typeface="Gotham Book" pitchFamily="50" charset="0"/>
+                  <a:cs typeface="Gotham Book" pitchFamily="50" charset="0"/>
+                </a:rPr>
+                <a:t>2) CHICAGO MIDWAY INTL ARPT</a:t>
+              </a:r>
+            </a:p>
+          </p:txBody>
+        </p:sp>
+      </p:grpSp>
+    </p:spTree>
+    <p:extLst>
+      <p:ext uri="{BB962C8B-B14F-4D97-AF65-F5344CB8AC3E}">
+        <p14:creationId xmlns:p14="http://schemas.microsoft.com/office/powerpoint/2010/main" val="2862181266"/>
       </p:ext>
     </p:extLst>
   </p:cSld>

--- a/WNV Grp Presentation.pptx
+++ b/WNV Grp Presentation.pptx
@@ -7,9 +7,20 @@
   <p:sldIdLst>
     <p:sldId id="256" r:id="rId2"/>
     <p:sldId id="257" r:id="rId3"/>
-    <p:sldId id="258" r:id="rId4"/>
-    <p:sldId id="259" r:id="rId5"/>
-    <p:sldId id="260" r:id="rId6"/>
+    <p:sldId id="262" r:id="rId4"/>
+    <p:sldId id="258" r:id="rId5"/>
+    <p:sldId id="259" r:id="rId6"/>
+    <p:sldId id="260" r:id="rId7"/>
+    <p:sldId id="261" r:id="rId8"/>
+    <p:sldId id="263" r:id="rId9"/>
+    <p:sldId id="264" r:id="rId10"/>
+    <p:sldId id="265" r:id="rId11"/>
+    <p:sldId id="266" r:id="rId12"/>
+    <p:sldId id="267" r:id="rId13"/>
+    <p:sldId id="268" r:id="rId14"/>
+    <p:sldId id="269" r:id="rId15"/>
+    <p:sldId id="270" r:id="rId16"/>
+    <p:sldId id="271" r:id="rId17"/>
   </p:sldIdLst>
   <p:sldSz cx="12192000" cy="6858000"/>
   <p:notesSz cx="6858000" cy="9144000"/>
@@ -119,13 +130,910 @@
 <file path=ppt/revisionInfo.xml><?xml version="1.0" encoding="utf-8"?>
 <p1510:revInfo xmlns:a="http://schemas.openxmlformats.org/drawingml/2006/main" xmlns:r="http://schemas.openxmlformats.org/officeDocument/2006/relationships" xmlns:p1510="http://schemas.microsoft.com/office/powerpoint/2015/10/main">
   <p1510:revLst>
-    <p1510:client id="{9F148B80-0F84-45C5-8623-19582B4AA918}" v="87" dt="2020-02-10T06:38:38.105"/>
+    <p1510:client id="{07FA4B2E-902A-4B46-B455-FA227D8539BA}" v="130" dt="2020-02-12T08:52:34.561"/>
   </p1510:revLst>
 </p1510:revInfo>
 </file>
 
 <file path=ppt/changesInfos/changesInfo1.xml><?xml version="1.0" encoding="utf-8"?>
 <pc:chgInfo xmlns:a="http://schemas.openxmlformats.org/drawingml/2006/main" xmlns:r="http://schemas.openxmlformats.org/officeDocument/2006/relationships" xmlns:ac="http://schemas.microsoft.com/office/drawing/2013/main/command" xmlns:pc="http://schemas.microsoft.com/office/powerpoint/2013/main/command">
+  <pc:docChgLst>
+    <pc:chgData name="Boon Jun" userId="b9b2384c46af58b4" providerId="LiveId" clId="{07FA4B2E-902A-4B46-B455-FA227D8539BA}"/>
+    <pc:docChg chg="undo custSel addSld modSld">
+      <pc:chgData name="Boon Jun" userId="b9b2384c46af58b4" providerId="LiveId" clId="{07FA4B2E-902A-4B46-B455-FA227D8539BA}" dt="2020-02-12T08:52:34.560" v="910"/>
+      <pc:docMkLst>
+        <pc:docMk/>
+      </pc:docMkLst>
+      <pc:sldChg chg="addSp delSp modSp">
+        <pc:chgData name="Boon Jun" userId="b9b2384c46af58b4" providerId="LiveId" clId="{07FA4B2E-902A-4B46-B455-FA227D8539BA}" dt="2020-02-12T06:52:02.551" v="645" actId="478"/>
+        <pc:sldMkLst>
+          <pc:docMk/>
+          <pc:sldMk cId="2773114662" sldId="256"/>
+        </pc:sldMkLst>
+        <pc:spChg chg="add mod">
+          <ac:chgData name="Boon Jun" userId="b9b2384c46af58b4" providerId="LiveId" clId="{07FA4B2E-902A-4B46-B455-FA227D8539BA}" dt="2020-02-12T06:51:40.296" v="640" actId="207"/>
+          <ac:spMkLst>
+            <pc:docMk/>
+            <pc:sldMk cId="2773114662" sldId="256"/>
+            <ac:spMk id="4" creationId="{EAC61BCE-46A7-4383-BB8F-186DABC302F4}"/>
+          </ac:spMkLst>
+        </pc:spChg>
+        <pc:picChg chg="add del mod">
+          <ac:chgData name="Boon Jun" userId="b9b2384c46af58b4" providerId="LiveId" clId="{07FA4B2E-902A-4B46-B455-FA227D8539BA}" dt="2020-02-12T06:52:02.551" v="645" actId="478"/>
+          <ac:picMkLst>
+            <pc:docMk/>
+            <pc:sldMk cId="2773114662" sldId="256"/>
+            <ac:picMk id="3" creationId="{7D130C75-9BCA-4158-A216-043565B21FD7}"/>
+          </ac:picMkLst>
+        </pc:picChg>
+        <pc:picChg chg="mod">
+          <ac:chgData name="Boon Jun" userId="b9b2384c46af58b4" providerId="LiveId" clId="{07FA4B2E-902A-4B46-B455-FA227D8539BA}" dt="2020-02-12T06:32:19.519" v="485" actId="1076"/>
+          <ac:picMkLst>
+            <pc:docMk/>
+            <pc:sldMk cId="2773114662" sldId="256"/>
+            <ac:picMk id="8" creationId="{2A3B72F5-282A-479A-97A4-317E643BF8A7}"/>
+          </ac:picMkLst>
+        </pc:picChg>
+      </pc:sldChg>
+      <pc:sldChg chg="modSp">
+        <pc:chgData name="Boon Jun" userId="b9b2384c46af58b4" providerId="LiveId" clId="{07FA4B2E-902A-4B46-B455-FA227D8539BA}" dt="2020-02-12T08:05:55.731" v="678" actId="403"/>
+        <pc:sldMkLst>
+          <pc:docMk/>
+          <pc:sldMk cId="4197969554" sldId="257"/>
+        </pc:sldMkLst>
+        <pc:spChg chg="mod">
+          <ac:chgData name="Boon Jun" userId="b9b2384c46af58b4" providerId="LiveId" clId="{07FA4B2E-902A-4B46-B455-FA227D8539BA}" dt="2020-02-12T08:05:55.731" v="678" actId="403"/>
+          <ac:spMkLst>
+            <pc:docMk/>
+            <pc:sldMk cId="4197969554" sldId="257"/>
+            <ac:spMk id="3" creationId="{E90E465A-3033-4159-ACA1-F19A702DF04B}"/>
+          </ac:spMkLst>
+        </pc:spChg>
+      </pc:sldChg>
+      <pc:sldChg chg="addSp delSp modSp">
+        <pc:chgData name="Boon Jun" userId="b9b2384c46af58b4" providerId="LiveId" clId="{07FA4B2E-902A-4B46-B455-FA227D8539BA}" dt="2020-02-12T08:50:18.437" v="909" actId="20577"/>
+        <pc:sldMkLst>
+          <pc:docMk/>
+          <pc:sldMk cId="1506440028" sldId="258"/>
+        </pc:sldMkLst>
+        <pc:spChg chg="del">
+          <ac:chgData name="Boon Jun" userId="b9b2384c46af58b4" providerId="LiveId" clId="{07FA4B2E-902A-4B46-B455-FA227D8539BA}" dt="2020-02-12T08:22:21.637" v="709" actId="478"/>
+          <ac:spMkLst>
+            <pc:docMk/>
+            <pc:sldMk cId="1506440028" sldId="258"/>
+            <ac:spMk id="2" creationId="{FF21E304-E4E0-438B-AB07-1B8DC03AFC6F}"/>
+          </ac:spMkLst>
+        </pc:spChg>
+        <pc:spChg chg="add del mod">
+          <ac:chgData name="Boon Jun" userId="b9b2384c46af58b4" providerId="LiveId" clId="{07FA4B2E-902A-4B46-B455-FA227D8539BA}" dt="2020-02-12T08:22:23.676" v="710" actId="478"/>
+          <ac:spMkLst>
+            <pc:docMk/>
+            <pc:sldMk cId="1506440028" sldId="258"/>
+            <ac:spMk id="4" creationId="{868DE376-B1A0-4941-BCE8-BF5976B92D74}"/>
+          </ac:spMkLst>
+        </pc:spChg>
+        <pc:spChg chg="add mod">
+          <ac:chgData name="Boon Jun" userId="b9b2384c46af58b4" providerId="LiveId" clId="{07FA4B2E-902A-4B46-B455-FA227D8539BA}" dt="2020-02-12T08:22:34.735" v="729" actId="14100"/>
+          <ac:spMkLst>
+            <pc:docMk/>
+            <pc:sldMk cId="1506440028" sldId="258"/>
+            <ac:spMk id="5" creationId="{35A6F9D8-9508-48EB-9DE4-5B2572F01F5B}"/>
+          </ac:spMkLst>
+        </pc:spChg>
+        <pc:spChg chg="add mod">
+          <ac:chgData name="Boon Jun" userId="b9b2384c46af58b4" providerId="LiveId" clId="{07FA4B2E-902A-4B46-B455-FA227D8539BA}" dt="2020-02-12T08:50:18.437" v="909" actId="20577"/>
+          <ac:spMkLst>
+            <pc:docMk/>
+            <pc:sldMk cId="1506440028" sldId="258"/>
+            <ac:spMk id="6" creationId="{CA9F073F-09BD-4E0F-90F1-0AE8145C3969}"/>
+          </ac:spMkLst>
+        </pc:spChg>
+      </pc:sldChg>
+      <pc:sldChg chg="modSp">
+        <pc:chgData name="Boon Jun" userId="b9b2384c46af58b4" providerId="LiveId" clId="{07FA4B2E-902A-4B46-B455-FA227D8539BA}" dt="2020-02-12T06:54:33.685" v="651" actId="1076"/>
+        <pc:sldMkLst>
+          <pc:docMk/>
+          <pc:sldMk cId="3746096488" sldId="259"/>
+        </pc:sldMkLst>
+        <pc:spChg chg="mod">
+          <ac:chgData name="Boon Jun" userId="b9b2384c46af58b4" providerId="LiveId" clId="{07FA4B2E-902A-4B46-B455-FA227D8539BA}" dt="2020-02-12T06:54:27.018" v="649" actId="1076"/>
+          <ac:spMkLst>
+            <pc:docMk/>
+            <pc:sldMk cId="3746096488" sldId="259"/>
+            <ac:spMk id="31" creationId="{53A632A5-EF3B-439A-8015-8607DD845908}"/>
+          </ac:spMkLst>
+        </pc:spChg>
+        <pc:spChg chg="mod">
+          <ac:chgData name="Boon Jun" userId="b9b2384c46af58b4" providerId="LiveId" clId="{07FA4B2E-902A-4B46-B455-FA227D8539BA}" dt="2020-02-12T06:54:33.685" v="651" actId="1076"/>
+          <ac:spMkLst>
+            <pc:docMk/>
+            <pc:sldMk cId="3746096488" sldId="259"/>
+            <ac:spMk id="35" creationId="{03477E2C-AE59-40EF-BDA7-AD26F3978304}"/>
+          </ac:spMkLst>
+        </pc:spChg>
+      </pc:sldChg>
+      <pc:sldChg chg="addSp modSp">
+        <pc:chgData name="Boon Jun" userId="b9b2384c46af58b4" providerId="LiveId" clId="{07FA4B2E-902A-4B46-B455-FA227D8539BA}" dt="2020-02-12T06:55:32.032" v="652" actId="20577"/>
+        <pc:sldMkLst>
+          <pc:docMk/>
+          <pc:sldMk cId="2862181266" sldId="260"/>
+        </pc:sldMkLst>
+        <pc:spChg chg="add mod">
+          <ac:chgData name="Boon Jun" userId="b9b2384c46af58b4" providerId="LiveId" clId="{07FA4B2E-902A-4B46-B455-FA227D8539BA}" dt="2020-02-12T06:33:12.463" v="486" actId="2710"/>
+          <ac:spMkLst>
+            <pc:docMk/>
+            <pc:sldMk cId="2862181266" sldId="260"/>
+            <ac:spMk id="14" creationId="{69CDD569-4973-475D-B1AA-31A9055E77C1}"/>
+          </ac:spMkLst>
+        </pc:spChg>
+        <pc:spChg chg="add mod">
+          <ac:chgData name="Boon Jun" userId="b9b2384c46af58b4" providerId="LiveId" clId="{07FA4B2E-902A-4B46-B455-FA227D8539BA}" dt="2020-02-12T06:33:16.702" v="487" actId="1076"/>
+          <ac:spMkLst>
+            <pc:docMk/>
+            <pc:sldMk cId="2862181266" sldId="260"/>
+            <ac:spMk id="15" creationId="{F8FE4C78-5A1A-4319-9942-AF343A5CEF7D}"/>
+          </ac:spMkLst>
+        </pc:spChg>
+        <pc:spChg chg="mod">
+          <ac:chgData name="Boon Jun" userId="b9b2384c46af58b4" providerId="LiveId" clId="{07FA4B2E-902A-4B46-B455-FA227D8539BA}" dt="2020-02-12T06:55:32.032" v="652" actId="20577"/>
+          <ac:spMkLst>
+            <pc:docMk/>
+            <pc:sldMk cId="2862181266" sldId="260"/>
+            <ac:spMk id="35" creationId="{03477E2C-AE59-40EF-BDA7-AD26F3978304}"/>
+          </ac:spMkLst>
+        </pc:spChg>
+      </pc:sldChg>
+      <pc:sldChg chg="addSp delSp modSp add">
+        <pc:chgData name="Boon Jun" userId="b9b2384c46af58b4" providerId="LiveId" clId="{07FA4B2E-902A-4B46-B455-FA227D8539BA}" dt="2020-02-12T08:17:03.483" v="708" actId="207"/>
+        <pc:sldMkLst>
+          <pc:docMk/>
+          <pc:sldMk cId="4288803398" sldId="261"/>
+        </pc:sldMkLst>
+        <pc:spChg chg="mod">
+          <ac:chgData name="Boon Jun" userId="b9b2384c46af58b4" providerId="LiveId" clId="{07FA4B2E-902A-4B46-B455-FA227D8539BA}" dt="2020-02-12T08:17:03.483" v="708" actId="207"/>
+          <ac:spMkLst>
+            <pc:docMk/>
+            <pc:sldMk cId="4288803398" sldId="261"/>
+            <ac:spMk id="2" creationId="{FF21E304-E4E0-438B-AB07-1B8DC03AFC6F}"/>
+          </ac:spMkLst>
+        </pc:spChg>
+        <pc:spChg chg="del">
+          <ac:chgData name="Boon Jun" userId="b9b2384c46af58b4" providerId="LiveId" clId="{07FA4B2E-902A-4B46-B455-FA227D8539BA}" dt="2020-02-12T05:22:23.787" v="101" actId="478"/>
+          <ac:spMkLst>
+            <pc:docMk/>
+            <pc:sldMk cId="4288803398" sldId="261"/>
+            <ac:spMk id="14" creationId="{69CDD569-4973-475D-B1AA-31A9055E77C1}"/>
+          </ac:spMkLst>
+        </pc:spChg>
+        <pc:spChg chg="del">
+          <ac:chgData name="Boon Jun" userId="b9b2384c46af58b4" providerId="LiveId" clId="{07FA4B2E-902A-4B46-B455-FA227D8539BA}" dt="2020-02-12T05:22:23.787" v="101" actId="478"/>
+          <ac:spMkLst>
+            <pc:docMk/>
+            <pc:sldMk cId="4288803398" sldId="261"/>
+            <ac:spMk id="15" creationId="{F8FE4C78-5A1A-4319-9942-AF343A5CEF7D}"/>
+          </ac:spMkLst>
+        </pc:spChg>
+        <pc:spChg chg="add mod">
+          <ac:chgData name="Boon Jun" userId="b9b2384c46af58b4" providerId="LiveId" clId="{07FA4B2E-902A-4B46-B455-FA227D8539BA}" dt="2020-02-12T06:13:21.329" v="145" actId="164"/>
+          <ac:spMkLst>
+            <pc:docMk/>
+            <pc:sldMk cId="4288803398" sldId="261"/>
+            <ac:spMk id="30" creationId="{43C0468B-C6F0-42E0-946C-402FBA46DBA0}"/>
+          </ac:spMkLst>
+        </pc:spChg>
+        <pc:spChg chg="del">
+          <ac:chgData name="Boon Jun" userId="b9b2384c46af58b4" providerId="LiveId" clId="{07FA4B2E-902A-4B46-B455-FA227D8539BA}" dt="2020-02-12T05:22:23.787" v="101" actId="478"/>
+          <ac:spMkLst>
+            <pc:docMk/>
+            <pc:sldMk cId="4288803398" sldId="261"/>
+            <ac:spMk id="33" creationId="{612D2671-2D6E-41D1-A1AC-0A09CED8FE84}"/>
+          </ac:spMkLst>
+        </pc:spChg>
+        <pc:spChg chg="add mod">
+          <ac:chgData name="Boon Jun" userId="b9b2384c46af58b4" providerId="LiveId" clId="{07FA4B2E-902A-4B46-B455-FA227D8539BA}" dt="2020-02-12T06:13:56.517" v="157" actId="164"/>
+          <ac:spMkLst>
+            <pc:docMk/>
+            <pc:sldMk cId="4288803398" sldId="261"/>
+            <ac:spMk id="34" creationId="{ADA85AC4-4E67-4EC9-8959-12B9FA7B0155}"/>
+          </ac:spMkLst>
+        </pc:spChg>
+        <pc:spChg chg="del">
+          <ac:chgData name="Boon Jun" userId="b9b2384c46af58b4" providerId="LiveId" clId="{07FA4B2E-902A-4B46-B455-FA227D8539BA}" dt="2020-02-12T05:22:23.787" v="101" actId="478"/>
+          <ac:spMkLst>
+            <pc:docMk/>
+            <pc:sldMk cId="4288803398" sldId="261"/>
+            <ac:spMk id="35" creationId="{03477E2C-AE59-40EF-BDA7-AD26F3978304}"/>
+          </ac:spMkLst>
+        </pc:spChg>
+        <pc:spChg chg="del">
+          <ac:chgData name="Boon Jun" userId="b9b2384c46af58b4" providerId="LiveId" clId="{07FA4B2E-902A-4B46-B455-FA227D8539BA}" dt="2020-02-12T05:22:23.787" v="101" actId="478"/>
+          <ac:spMkLst>
+            <pc:docMk/>
+            <pc:sldMk cId="4288803398" sldId="261"/>
+            <ac:spMk id="36" creationId="{1787EE2D-CD12-4F53-A8C3-97E2D24C7ABE}"/>
+          </ac:spMkLst>
+        </pc:spChg>
+        <pc:spChg chg="add mod">
+          <ac:chgData name="Boon Jun" userId="b9b2384c46af58b4" providerId="LiveId" clId="{07FA4B2E-902A-4B46-B455-FA227D8539BA}" dt="2020-02-12T06:14:24.674" v="175" actId="164"/>
+          <ac:spMkLst>
+            <pc:docMk/>
+            <pc:sldMk cId="4288803398" sldId="261"/>
+            <ac:spMk id="37" creationId="{EECDB084-43ED-4B0B-BAE1-CBD141EECD68}"/>
+          </ac:spMkLst>
+        </pc:spChg>
+        <pc:spChg chg="add mod">
+          <ac:chgData name="Boon Jun" userId="b9b2384c46af58b4" providerId="LiveId" clId="{07FA4B2E-902A-4B46-B455-FA227D8539BA}" dt="2020-02-12T06:15:51.316" v="274" actId="164"/>
+          <ac:spMkLst>
+            <pc:docMk/>
+            <pc:sldMk cId="4288803398" sldId="261"/>
+            <ac:spMk id="38" creationId="{E7A4873B-A19D-462B-8779-4F149F7C5407}"/>
+          </ac:spMkLst>
+        </pc:spChg>
+        <pc:spChg chg="add mod">
+          <ac:chgData name="Boon Jun" userId="b9b2384c46af58b4" providerId="LiveId" clId="{07FA4B2E-902A-4B46-B455-FA227D8539BA}" dt="2020-02-12T06:15:49.108" v="273" actId="164"/>
+          <ac:spMkLst>
+            <pc:docMk/>
+            <pc:sldMk cId="4288803398" sldId="261"/>
+            <ac:spMk id="39" creationId="{47238156-9AB9-42CF-9591-65B18505C1EC}"/>
+          </ac:spMkLst>
+        </pc:spChg>
+        <pc:spChg chg="add mod">
+          <ac:chgData name="Boon Jun" userId="b9b2384c46af58b4" providerId="LiveId" clId="{07FA4B2E-902A-4B46-B455-FA227D8539BA}" dt="2020-02-12T06:15:47.262" v="272" actId="164"/>
+          <ac:spMkLst>
+            <pc:docMk/>
+            <pc:sldMk cId="4288803398" sldId="261"/>
+            <ac:spMk id="40" creationId="{CF4A457C-9958-47F9-8111-D835E1A5D910}"/>
+          </ac:spMkLst>
+        </pc:spChg>
+        <pc:spChg chg="add mod">
+          <ac:chgData name="Boon Jun" userId="b9b2384c46af58b4" providerId="LiveId" clId="{07FA4B2E-902A-4B46-B455-FA227D8539BA}" dt="2020-02-12T06:15:44.581" v="269" actId="164"/>
+          <ac:spMkLst>
+            <pc:docMk/>
+            <pc:sldMk cId="4288803398" sldId="261"/>
+            <ac:spMk id="41" creationId="{1CC5D3A0-E26A-408F-A350-73FBA5EDAE35}"/>
+          </ac:spMkLst>
+        </pc:spChg>
+        <pc:grpChg chg="del">
+          <ac:chgData name="Boon Jun" userId="b9b2384c46af58b4" providerId="LiveId" clId="{07FA4B2E-902A-4B46-B455-FA227D8539BA}" dt="2020-02-12T05:22:23.787" v="101" actId="478"/>
+          <ac:grpSpMkLst>
+            <pc:docMk/>
+            <pc:sldMk cId="4288803398" sldId="261"/>
+            <ac:grpSpMk id="5" creationId="{97135F8E-F18A-4961-B46E-F7BB3A511C54}"/>
+          </ac:grpSpMkLst>
+        </pc:grpChg>
+        <pc:grpChg chg="add mod">
+          <ac:chgData name="Boon Jun" userId="b9b2384c46af58b4" providerId="LiveId" clId="{07FA4B2E-902A-4B46-B455-FA227D8539BA}" dt="2020-02-12T06:16:03.919" v="291" actId="1037"/>
+          <ac:grpSpMkLst>
+            <pc:docMk/>
+            <pc:sldMk cId="4288803398" sldId="261"/>
+            <ac:grpSpMk id="22" creationId="{AFC4920A-713E-45DF-BF7A-92DC0AC7C8C2}"/>
+          </ac:grpSpMkLst>
+        </pc:grpChg>
+        <pc:grpChg chg="add mod">
+          <ac:chgData name="Boon Jun" userId="b9b2384c46af58b4" providerId="LiveId" clId="{07FA4B2E-902A-4B46-B455-FA227D8539BA}" dt="2020-02-12T06:16:03.919" v="291" actId="1037"/>
+          <ac:grpSpMkLst>
+            <pc:docMk/>
+            <pc:sldMk cId="4288803398" sldId="261"/>
+            <ac:grpSpMk id="23" creationId="{2E532B55-37E7-4263-8AB0-FFF5EF10D2A7}"/>
+          </ac:grpSpMkLst>
+        </pc:grpChg>
+        <pc:grpChg chg="add mod">
+          <ac:chgData name="Boon Jun" userId="b9b2384c46af58b4" providerId="LiveId" clId="{07FA4B2E-902A-4B46-B455-FA227D8539BA}" dt="2020-02-12T06:16:03.919" v="291" actId="1037"/>
+          <ac:grpSpMkLst>
+            <pc:docMk/>
+            <pc:sldMk cId="4288803398" sldId="261"/>
+            <ac:grpSpMk id="24" creationId="{0C8365A5-56A5-444A-8595-FABEE68A9C3A}"/>
+          </ac:grpSpMkLst>
+        </pc:grpChg>
+        <pc:grpChg chg="add mod">
+          <ac:chgData name="Boon Jun" userId="b9b2384c46af58b4" providerId="LiveId" clId="{07FA4B2E-902A-4B46-B455-FA227D8539BA}" dt="2020-02-12T06:16:03.919" v="291" actId="1037"/>
+          <ac:grpSpMkLst>
+            <pc:docMk/>
+            <pc:sldMk cId="4288803398" sldId="261"/>
+            <ac:grpSpMk id="26" creationId="{2388A6FD-AD0D-4350-A86E-0B374796F9CF}"/>
+          </ac:grpSpMkLst>
+        </pc:grpChg>
+        <pc:grpChg chg="add mod">
+          <ac:chgData name="Boon Jun" userId="b9b2384c46af58b4" providerId="LiveId" clId="{07FA4B2E-902A-4B46-B455-FA227D8539BA}" dt="2020-02-12T06:16:03.919" v="291" actId="1037"/>
+          <ac:grpSpMkLst>
+            <pc:docMk/>
+            <pc:sldMk cId="4288803398" sldId="261"/>
+            <ac:grpSpMk id="27" creationId="{924D0E9C-FEFE-4A42-A2EB-68A69CFE5992}"/>
+          </ac:grpSpMkLst>
+        </pc:grpChg>
+        <pc:grpChg chg="add mod">
+          <ac:chgData name="Boon Jun" userId="b9b2384c46af58b4" providerId="LiveId" clId="{07FA4B2E-902A-4B46-B455-FA227D8539BA}" dt="2020-02-12T06:16:03.919" v="291" actId="1037"/>
+          <ac:grpSpMkLst>
+            <pc:docMk/>
+            <pc:sldMk cId="4288803398" sldId="261"/>
+            <ac:grpSpMk id="28" creationId="{A677EB62-42CC-4A72-8EA8-702339D0E93B}"/>
+          </ac:grpSpMkLst>
+        </pc:grpChg>
+        <pc:grpChg chg="add mod">
+          <ac:chgData name="Boon Jun" userId="b9b2384c46af58b4" providerId="LiveId" clId="{07FA4B2E-902A-4B46-B455-FA227D8539BA}" dt="2020-02-12T06:16:03.919" v="291" actId="1037"/>
+          <ac:grpSpMkLst>
+            <pc:docMk/>
+            <pc:sldMk cId="4288803398" sldId="261"/>
+            <ac:grpSpMk id="29" creationId="{9DE674D4-9C8D-4555-9806-A27508F856AF}"/>
+          </ac:grpSpMkLst>
+        </pc:grpChg>
+        <pc:picChg chg="add mod">
+          <ac:chgData name="Boon Jun" userId="b9b2384c46af58b4" providerId="LiveId" clId="{07FA4B2E-902A-4B46-B455-FA227D8539BA}" dt="2020-02-12T06:13:21.329" v="145" actId="164"/>
+          <ac:picMkLst>
+            <pc:docMk/>
+            <pc:sldMk cId="4288803398" sldId="261"/>
+            <ac:picMk id="7" creationId="{0F454814-B50C-4698-B6C0-6DE90A930257}"/>
+          </ac:picMkLst>
+        </pc:picChg>
+        <pc:picChg chg="add mod">
+          <ac:chgData name="Boon Jun" userId="b9b2384c46af58b4" providerId="LiveId" clId="{07FA4B2E-902A-4B46-B455-FA227D8539BA}" dt="2020-02-12T06:13:56.517" v="157" actId="164"/>
+          <ac:picMkLst>
+            <pc:docMk/>
+            <pc:sldMk cId="4288803398" sldId="261"/>
+            <ac:picMk id="9" creationId="{4484A587-4DE2-4E0E-BD31-1E5371FF1617}"/>
+          </ac:picMkLst>
+        </pc:picChg>
+        <pc:picChg chg="add mod">
+          <ac:chgData name="Boon Jun" userId="b9b2384c46af58b4" providerId="LiveId" clId="{07FA4B2E-902A-4B46-B455-FA227D8539BA}" dt="2020-02-12T06:14:24.674" v="175" actId="164"/>
+          <ac:picMkLst>
+            <pc:docMk/>
+            <pc:sldMk cId="4288803398" sldId="261"/>
+            <ac:picMk id="11" creationId="{787A3D66-E702-4786-9334-AA8574247486}"/>
+          </ac:picMkLst>
+        </pc:picChg>
+        <pc:picChg chg="add mod">
+          <ac:chgData name="Boon Jun" userId="b9b2384c46af58b4" providerId="LiveId" clId="{07FA4B2E-902A-4B46-B455-FA227D8539BA}" dt="2020-02-12T06:15:51.316" v="274" actId="164"/>
+          <ac:picMkLst>
+            <pc:docMk/>
+            <pc:sldMk cId="4288803398" sldId="261"/>
+            <ac:picMk id="13" creationId="{10818EE9-430A-4CC4-BD02-5BDDEF750326}"/>
+          </ac:picMkLst>
+        </pc:picChg>
+        <pc:picChg chg="add mod">
+          <ac:chgData name="Boon Jun" userId="b9b2384c46af58b4" providerId="LiveId" clId="{07FA4B2E-902A-4B46-B455-FA227D8539BA}" dt="2020-02-12T06:15:49.108" v="273" actId="164"/>
+          <ac:picMkLst>
+            <pc:docMk/>
+            <pc:sldMk cId="4288803398" sldId="261"/>
+            <ac:picMk id="17" creationId="{2AB76BBD-A7C0-47CD-8857-DAAB96FDAC61}"/>
+          </ac:picMkLst>
+        </pc:picChg>
+        <pc:picChg chg="add mod">
+          <ac:chgData name="Boon Jun" userId="b9b2384c46af58b4" providerId="LiveId" clId="{07FA4B2E-902A-4B46-B455-FA227D8539BA}" dt="2020-02-12T06:15:47.262" v="272" actId="164"/>
+          <ac:picMkLst>
+            <pc:docMk/>
+            <pc:sldMk cId="4288803398" sldId="261"/>
+            <ac:picMk id="19" creationId="{2C9D18F4-DF60-4C50-9850-912CD1CB918E}"/>
+          </ac:picMkLst>
+        </pc:picChg>
+        <pc:picChg chg="add mod">
+          <ac:chgData name="Boon Jun" userId="b9b2384c46af58b4" providerId="LiveId" clId="{07FA4B2E-902A-4B46-B455-FA227D8539BA}" dt="2020-02-12T06:15:44.581" v="269" actId="164"/>
+          <ac:picMkLst>
+            <pc:docMk/>
+            <pc:sldMk cId="4288803398" sldId="261"/>
+            <ac:picMk id="21" creationId="{1EAAFDD7-270D-40BB-B235-F2B7DF98EC72}"/>
+          </ac:picMkLst>
+        </pc:picChg>
+        <pc:cxnChg chg="add del mod">
+          <ac:chgData name="Boon Jun" userId="b9b2384c46af58b4" providerId="LiveId" clId="{07FA4B2E-902A-4B46-B455-FA227D8539BA}" dt="2020-02-12T06:18:14.303" v="293" actId="478"/>
+          <ac:cxnSpMkLst>
+            <pc:docMk/>
+            <pc:sldMk cId="4288803398" sldId="261"/>
+            <ac:cxnSpMk id="43" creationId="{690199DA-1E25-4F10-9C03-ED87BDDA08C5}"/>
+          </ac:cxnSpMkLst>
+        </pc:cxnChg>
+        <pc:cxnChg chg="add mod">
+          <ac:chgData name="Boon Jun" userId="b9b2384c46af58b4" providerId="LiveId" clId="{07FA4B2E-902A-4B46-B455-FA227D8539BA}" dt="2020-02-12T06:20:36.923" v="369" actId="1038"/>
+          <ac:cxnSpMkLst>
+            <pc:docMk/>
+            <pc:sldMk cId="4288803398" sldId="261"/>
+            <ac:cxnSpMk id="45" creationId="{DEB82724-4F13-4B3E-A5D9-2549C676F822}"/>
+          </ac:cxnSpMkLst>
+        </pc:cxnChg>
+      </pc:sldChg>
+      <pc:sldChg chg="addSp delSp modSp add">
+        <pc:chgData name="Boon Jun" userId="b9b2384c46af58b4" providerId="LiveId" clId="{07FA4B2E-902A-4B46-B455-FA227D8539BA}" dt="2020-02-12T08:52:34.560" v="910"/>
+        <pc:sldMkLst>
+          <pc:docMk/>
+          <pc:sldMk cId="2128570129" sldId="262"/>
+        </pc:sldMkLst>
+        <pc:spChg chg="mod">
+          <ac:chgData name="Boon Jun" userId="b9b2384c46af58b4" providerId="LiveId" clId="{07FA4B2E-902A-4B46-B455-FA227D8539BA}" dt="2020-02-12T08:05:59.524" v="680" actId="403"/>
+          <ac:spMkLst>
+            <pc:docMk/>
+            <pc:sldMk cId="2128570129" sldId="262"/>
+            <ac:spMk id="3" creationId="{E90E465A-3033-4159-ACA1-F19A702DF04B}"/>
+          </ac:spMkLst>
+        </pc:spChg>
+        <pc:spChg chg="add">
+          <ac:chgData name="Boon Jun" userId="b9b2384c46af58b4" providerId="LiveId" clId="{07FA4B2E-902A-4B46-B455-FA227D8539BA}" dt="2020-02-12T08:52:34.560" v="910"/>
+          <ac:spMkLst>
+            <pc:docMk/>
+            <pc:sldMk cId="2128570129" sldId="262"/>
+            <ac:spMk id="5" creationId="{B72158A1-904F-4FBF-A96E-34E53E10A6A5}"/>
+          </ac:spMkLst>
+        </pc:spChg>
+        <pc:grpChg chg="del">
+          <ac:chgData name="Boon Jun" userId="b9b2384c46af58b4" providerId="LiveId" clId="{07FA4B2E-902A-4B46-B455-FA227D8539BA}" dt="2020-02-12T06:26:52.163" v="397" actId="478"/>
+          <ac:grpSpMkLst>
+            <pc:docMk/>
+            <pc:sldMk cId="2128570129" sldId="262"/>
+            <ac:grpSpMk id="27" creationId="{457893AD-8B81-4217-9338-5939A5D67230}"/>
+          </ac:grpSpMkLst>
+        </pc:grpChg>
+        <pc:grpChg chg="del">
+          <ac:chgData name="Boon Jun" userId="b9b2384c46af58b4" providerId="LiveId" clId="{07FA4B2E-902A-4B46-B455-FA227D8539BA}" dt="2020-02-12T06:26:52.163" v="397" actId="478"/>
+          <ac:grpSpMkLst>
+            <pc:docMk/>
+            <pc:sldMk cId="2128570129" sldId="262"/>
+            <ac:grpSpMk id="28" creationId="{7CF7D480-5642-4427-A6B5-BECE88DE9CEA}"/>
+          </ac:grpSpMkLst>
+        </pc:grpChg>
+        <pc:grpChg chg="del">
+          <ac:chgData name="Boon Jun" userId="b9b2384c46af58b4" providerId="LiveId" clId="{07FA4B2E-902A-4B46-B455-FA227D8539BA}" dt="2020-02-12T06:26:52.163" v="397" actId="478"/>
+          <ac:grpSpMkLst>
+            <pc:docMk/>
+            <pc:sldMk cId="2128570129" sldId="262"/>
+            <ac:grpSpMk id="29" creationId="{167F73E9-DFBF-4E4D-8344-FFB57FCBBA3B}"/>
+          </ac:grpSpMkLst>
+        </pc:grpChg>
+        <pc:grpChg chg="del">
+          <ac:chgData name="Boon Jun" userId="b9b2384c46af58b4" providerId="LiveId" clId="{07FA4B2E-902A-4B46-B455-FA227D8539BA}" dt="2020-02-12T06:26:54.261" v="398" actId="478"/>
+          <ac:grpSpMkLst>
+            <pc:docMk/>
+            <pc:sldMk cId="2128570129" sldId="262"/>
+            <ac:grpSpMk id="30" creationId="{01DD4AC3-75ED-47FC-8637-8FAAEFD10B6A}"/>
+          </ac:grpSpMkLst>
+        </pc:grpChg>
+        <pc:picChg chg="add del mod">
+          <ac:chgData name="Boon Jun" userId="b9b2384c46af58b4" providerId="LiveId" clId="{07FA4B2E-902A-4B46-B455-FA227D8539BA}" dt="2020-02-12T06:27:28.912" v="407" actId="478"/>
+          <ac:picMkLst>
+            <pc:docMk/>
+            <pc:sldMk cId="2128570129" sldId="262"/>
+            <ac:picMk id="1026" creationId="{CED1434D-D05D-48B1-B9BF-6DD3CD76E5A2}"/>
+          </ac:picMkLst>
+        </pc:picChg>
+        <pc:picChg chg="add del mod">
+          <ac:chgData name="Boon Jun" userId="b9b2384c46af58b4" providerId="LiveId" clId="{07FA4B2E-902A-4B46-B455-FA227D8539BA}" dt="2020-02-12T07:58:41.338" v="658" actId="478"/>
+          <ac:picMkLst>
+            <pc:docMk/>
+            <pc:sldMk cId="2128570129" sldId="262"/>
+            <ac:picMk id="1028" creationId="{25309B78-8891-4B03-98BF-44D19E733085}"/>
+          </ac:picMkLst>
+        </pc:picChg>
+        <pc:picChg chg="add mod">
+          <ac:chgData name="Boon Jun" userId="b9b2384c46af58b4" providerId="LiveId" clId="{07FA4B2E-902A-4B46-B455-FA227D8539BA}" dt="2020-02-12T08:05:44.042" v="675" actId="14100"/>
+          <ac:picMkLst>
+            <pc:docMk/>
+            <pc:sldMk cId="2128570129" sldId="262"/>
+            <ac:picMk id="1030" creationId="{ECAEA6A6-62F0-47FB-8ECD-C3E93CF9A59A}"/>
+          </ac:picMkLst>
+        </pc:picChg>
+        <pc:cxnChg chg="mod">
+          <ac:chgData name="Boon Jun" userId="b9b2384c46af58b4" providerId="LiveId" clId="{07FA4B2E-902A-4B46-B455-FA227D8539BA}" dt="2020-02-12T06:26:52.163" v="397" actId="478"/>
+          <ac:cxnSpMkLst>
+            <pc:docMk/>
+            <pc:sldMk cId="2128570129" sldId="262"/>
+            <ac:cxnSpMk id="21" creationId="{0C91DD63-C43A-477F-9581-8F5BAFED1FDC}"/>
+          </ac:cxnSpMkLst>
+        </pc:cxnChg>
+      </pc:sldChg>
+      <pc:sldChg chg="addSp delSp modSp add">
+        <pc:chgData name="Boon Jun" userId="b9b2384c46af58b4" providerId="LiveId" clId="{07FA4B2E-902A-4B46-B455-FA227D8539BA}" dt="2020-02-12T08:07:27.834" v="699" actId="255"/>
+        <pc:sldMkLst>
+          <pc:docMk/>
+          <pc:sldMk cId="2579216300" sldId="263"/>
+        </pc:sldMkLst>
+        <pc:spChg chg="mod">
+          <ac:chgData name="Boon Jun" userId="b9b2384c46af58b4" providerId="LiveId" clId="{07FA4B2E-902A-4B46-B455-FA227D8539BA}" dt="2020-02-12T06:35:49.699" v="523" actId="20577"/>
+          <ac:spMkLst>
+            <pc:docMk/>
+            <pc:sldMk cId="2579216300" sldId="263"/>
+            <ac:spMk id="2" creationId="{FF21E304-E4E0-438B-AB07-1B8DC03AFC6F}"/>
+          </ac:spMkLst>
+        </pc:spChg>
+        <pc:spChg chg="add mod">
+          <ac:chgData name="Boon Jun" userId="b9b2384c46af58b4" providerId="LiveId" clId="{07FA4B2E-902A-4B46-B455-FA227D8539BA}" dt="2020-02-12T08:07:27.834" v="699" actId="255"/>
+          <ac:spMkLst>
+            <pc:docMk/>
+            <pc:sldMk cId="2579216300" sldId="263"/>
+            <ac:spMk id="25" creationId="{21869157-FE50-4022-82C7-B39E21A31C8B}"/>
+          </ac:spMkLst>
+        </pc:spChg>
+        <pc:spChg chg="del mod topLvl">
+          <ac:chgData name="Boon Jun" userId="b9b2384c46af58b4" providerId="LiveId" clId="{07FA4B2E-902A-4B46-B455-FA227D8539BA}" dt="2020-02-12T06:34:40.189" v="496" actId="478"/>
+          <ac:spMkLst>
+            <pc:docMk/>
+            <pc:sldMk cId="2579216300" sldId="263"/>
+            <ac:spMk id="30" creationId="{43C0468B-C6F0-42E0-946C-402FBA46DBA0}"/>
+          </ac:spMkLst>
+        </pc:spChg>
+        <pc:spChg chg="add del mod">
+          <ac:chgData name="Boon Jun" userId="b9b2384c46af58b4" providerId="LiveId" clId="{07FA4B2E-902A-4B46-B455-FA227D8539BA}" dt="2020-02-12T08:07:09.631" v="683" actId="478"/>
+          <ac:spMkLst>
+            <pc:docMk/>
+            <pc:sldMk cId="2579216300" sldId="263"/>
+            <ac:spMk id="31" creationId="{C1A6DCEB-8F1D-4385-8A4B-57B772E72C42}"/>
+          </ac:spMkLst>
+        </pc:spChg>
+        <pc:spChg chg="del mod topLvl">
+          <ac:chgData name="Boon Jun" userId="b9b2384c46af58b4" providerId="LiveId" clId="{07FA4B2E-902A-4B46-B455-FA227D8539BA}" dt="2020-02-12T06:34:40.189" v="496" actId="478"/>
+          <ac:spMkLst>
+            <pc:docMk/>
+            <pc:sldMk cId="2579216300" sldId="263"/>
+            <ac:spMk id="34" creationId="{ADA85AC4-4E67-4EC9-8959-12B9FA7B0155}"/>
+          </ac:spMkLst>
+        </pc:spChg>
+        <pc:spChg chg="del mod topLvl">
+          <ac:chgData name="Boon Jun" userId="b9b2384c46af58b4" providerId="LiveId" clId="{07FA4B2E-902A-4B46-B455-FA227D8539BA}" dt="2020-02-12T06:34:40.189" v="496" actId="478"/>
+          <ac:spMkLst>
+            <pc:docMk/>
+            <pc:sldMk cId="2579216300" sldId="263"/>
+            <ac:spMk id="37" creationId="{EECDB084-43ED-4B0B-BAE1-CBD141EECD68}"/>
+          </ac:spMkLst>
+        </pc:spChg>
+        <pc:spChg chg="del mod topLvl">
+          <ac:chgData name="Boon Jun" userId="b9b2384c46af58b4" providerId="LiveId" clId="{07FA4B2E-902A-4B46-B455-FA227D8539BA}" dt="2020-02-12T06:34:40.189" v="496" actId="478"/>
+          <ac:spMkLst>
+            <pc:docMk/>
+            <pc:sldMk cId="2579216300" sldId="263"/>
+            <ac:spMk id="38" creationId="{E7A4873B-A19D-462B-8779-4F149F7C5407}"/>
+          </ac:spMkLst>
+        </pc:spChg>
+        <pc:spChg chg="del mod topLvl">
+          <ac:chgData name="Boon Jun" userId="b9b2384c46af58b4" providerId="LiveId" clId="{07FA4B2E-902A-4B46-B455-FA227D8539BA}" dt="2020-02-12T06:34:40.189" v="496" actId="478"/>
+          <ac:spMkLst>
+            <pc:docMk/>
+            <pc:sldMk cId="2579216300" sldId="263"/>
+            <ac:spMk id="39" creationId="{47238156-9AB9-42CF-9591-65B18505C1EC}"/>
+          </ac:spMkLst>
+        </pc:spChg>
+        <pc:spChg chg="del mod topLvl">
+          <ac:chgData name="Boon Jun" userId="b9b2384c46af58b4" providerId="LiveId" clId="{07FA4B2E-902A-4B46-B455-FA227D8539BA}" dt="2020-02-12T06:34:40.189" v="496" actId="478"/>
+          <ac:spMkLst>
+            <pc:docMk/>
+            <pc:sldMk cId="2579216300" sldId="263"/>
+            <ac:spMk id="40" creationId="{CF4A457C-9958-47F9-8111-D835E1A5D910}"/>
+          </ac:spMkLst>
+        </pc:spChg>
+        <pc:spChg chg="del mod topLvl">
+          <ac:chgData name="Boon Jun" userId="b9b2384c46af58b4" providerId="LiveId" clId="{07FA4B2E-902A-4B46-B455-FA227D8539BA}" dt="2020-02-12T06:34:40.189" v="496" actId="478"/>
+          <ac:spMkLst>
+            <pc:docMk/>
+            <pc:sldMk cId="2579216300" sldId="263"/>
+            <ac:spMk id="41" creationId="{1CC5D3A0-E26A-408F-A350-73FBA5EDAE35}"/>
+          </ac:spMkLst>
+        </pc:spChg>
+        <pc:grpChg chg="del">
+          <ac:chgData name="Boon Jun" userId="b9b2384c46af58b4" providerId="LiveId" clId="{07FA4B2E-902A-4B46-B455-FA227D8539BA}" dt="2020-02-12T06:34:35.207" v="495" actId="165"/>
+          <ac:grpSpMkLst>
+            <pc:docMk/>
+            <pc:sldMk cId="2579216300" sldId="263"/>
+            <ac:grpSpMk id="22" creationId="{AFC4920A-713E-45DF-BF7A-92DC0AC7C8C2}"/>
+          </ac:grpSpMkLst>
+        </pc:grpChg>
+        <pc:grpChg chg="del">
+          <ac:chgData name="Boon Jun" userId="b9b2384c46af58b4" providerId="LiveId" clId="{07FA4B2E-902A-4B46-B455-FA227D8539BA}" dt="2020-02-12T06:34:32.302" v="494" actId="165"/>
+          <ac:grpSpMkLst>
+            <pc:docMk/>
+            <pc:sldMk cId="2579216300" sldId="263"/>
+            <ac:grpSpMk id="23" creationId="{2E532B55-37E7-4263-8AB0-FFF5EF10D2A7}"/>
+          </ac:grpSpMkLst>
+        </pc:grpChg>
+        <pc:grpChg chg="del">
+          <ac:chgData name="Boon Jun" userId="b9b2384c46af58b4" providerId="LiveId" clId="{07FA4B2E-902A-4B46-B455-FA227D8539BA}" dt="2020-02-12T06:34:27.785" v="493" actId="165"/>
+          <ac:grpSpMkLst>
+            <pc:docMk/>
+            <pc:sldMk cId="2579216300" sldId="263"/>
+            <ac:grpSpMk id="24" creationId="{0C8365A5-56A5-444A-8595-FABEE68A9C3A}"/>
+          </ac:grpSpMkLst>
+        </pc:grpChg>
+        <pc:grpChg chg="del">
+          <ac:chgData name="Boon Jun" userId="b9b2384c46af58b4" providerId="LiveId" clId="{07FA4B2E-902A-4B46-B455-FA227D8539BA}" dt="2020-02-12T06:34:07.678" v="489" actId="165"/>
+          <ac:grpSpMkLst>
+            <pc:docMk/>
+            <pc:sldMk cId="2579216300" sldId="263"/>
+            <ac:grpSpMk id="26" creationId="{2388A6FD-AD0D-4350-A86E-0B374796F9CF}"/>
+          </ac:grpSpMkLst>
+        </pc:grpChg>
+        <pc:grpChg chg="del">
+          <ac:chgData name="Boon Jun" userId="b9b2384c46af58b4" providerId="LiveId" clId="{07FA4B2E-902A-4B46-B455-FA227D8539BA}" dt="2020-02-12T06:34:12.878" v="490" actId="165"/>
+          <ac:grpSpMkLst>
+            <pc:docMk/>
+            <pc:sldMk cId="2579216300" sldId="263"/>
+            <ac:grpSpMk id="27" creationId="{924D0E9C-FEFE-4A42-A2EB-68A69CFE5992}"/>
+          </ac:grpSpMkLst>
+        </pc:grpChg>
+        <pc:grpChg chg="del">
+          <ac:chgData name="Boon Jun" userId="b9b2384c46af58b4" providerId="LiveId" clId="{07FA4B2E-902A-4B46-B455-FA227D8539BA}" dt="2020-02-12T06:34:16.522" v="491" actId="165"/>
+          <ac:grpSpMkLst>
+            <pc:docMk/>
+            <pc:sldMk cId="2579216300" sldId="263"/>
+            <ac:grpSpMk id="28" creationId="{A677EB62-42CC-4A72-8EA8-702339D0E93B}"/>
+          </ac:grpSpMkLst>
+        </pc:grpChg>
+        <pc:grpChg chg="del">
+          <ac:chgData name="Boon Jun" userId="b9b2384c46af58b4" providerId="LiveId" clId="{07FA4B2E-902A-4B46-B455-FA227D8539BA}" dt="2020-02-12T06:34:22.284" v="492" actId="165"/>
+          <ac:grpSpMkLst>
+            <pc:docMk/>
+            <pc:sldMk cId="2579216300" sldId="263"/>
+            <ac:grpSpMk id="29" creationId="{9DE674D4-9C8D-4555-9806-A27508F856AF}"/>
+          </ac:grpSpMkLst>
+        </pc:grpChg>
+        <pc:picChg chg="mod topLvl">
+          <ac:chgData name="Boon Jun" userId="b9b2384c46af58b4" providerId="LiveId" clId="{07FA4B2E-902A-4B46-B455-FA227D8539BA}" dt="2020-02-12T06:36:03.575" v="524" actId="207"/>
+          <ac:picMkLst>
+            <pc:docMk/>
+            <pc:sldMk cId="2579216300" sldId="263"/>
+            <ac:picMk id="7" creationId="{0F454814-B50C-4698-B6C0-6DE90A930257}"/>
+          </ac:picMkLst>
+        </pc:picChg>
+        <pc:picChg chg="mod topLvl">
+          <ac:chgData name="Boon Jun" userId="b9b2384c46af58b4" providerId="LiveId" clId="{07FA4B2E-902A-4B46-B455-FA227D8539BA}" dt="2020-02-12T06:35:39.122" v="515" actId="1076"/>
+          <ac:picMkLst>
+            <pc:docMk/>
+            <pc:sldMk cId="2579216300" sldId="263"/>
+            <ac:picMk id="9" creationId="{4484A587-4DE2-4E0E-BD31-1E5371FF1617}"/>
+          </ac:picMkLst>
+        </pc:picChg>
+        <pc:picChg chg="mod topLvl">
+          <ac:chgData name="Boon Jun" userId="b9b2384c46af58b4" providerId="LiveId" clId="{07FA4B2E-902A-4B46-B455-FA227D8539BA}" dt="2020-02-12T06:35:39.122" v="515" actId="1076"/>
+          <ac:picMkLst>
+            <pc:docMk/>
+            <pc:sldMk cId="2579216300" sldId="263"/>
+            <ac:picMk id="11" creationId="{787A3D66-E702-4786-9334-AA8574247486}"/>
+          </ac:picMkLst>
+        </pc:picChg>
+        <pc:picChg chg="mod topLvl">
+          <ac:chgData name="Boon Jun" userId="b9b2384c46af58b4" providerId="LiveId" clId="{07FA4B2E-902A-4B46-B455-FA227D8539BA}" dt="2020-02-12T06:35:39.122" v="515" actId="1076"/>
+          <ac:picMkLst>
+            <pc:docMk/>
+            <pc:sldMk cId="2579216300" sldId="263"/>
+            <ac:picMk id="13" creationId="{10818EE9-430A-4CC4-BD02-5BDDEF750326}"/>
+          </ac:picMkLst>
+        </pc:picChg>
+        <pc:picChg chg="mod topLvl">
+          <ac:chgData name="Boon Jun" userId="b9b2384c46af58b4" providerId="LiveId" clId="{07FA4B2E-902A-4B46-B455-FA227D8539BA}" dt="2020-02-12T06:35:39.122" v="515" actId="1076"/>
+          <ac:picMkLst>
+            <pc:docMk/>
+            <pc:sldMk cId="2579216300" sldId="263"/>
+            <ac:picMk id="17" creationId="{2AB76BBD-A7C0-47CD-8857-DAAB96FDAC61}"/>
+          </ac:picMkLst>
+        </pc:picChg>
+        <pc:picChg chg="mod topLvl">
+          <ac:chgData name="Boon Jun" userId="b9b2384c46af58b4" providerId="LiveId" clId="{07FA4B2E-902A-4B46-B455-FA227D8539BA}" dt="2020-02-12T06:35:39.122" v="515" actId="1076"/>
+          <ac:picMkLst>
+            <pc:docMk/>
+            <pc:sldMk cId="2579216300" sldId="263"/>
+            <ac:picMk id="19" creationId="{2C9D18F4-DF60-4C50-9850-912CD1CB918E}"/>
+          </ac:picMkLst>
+        </pc:picChg>
+        <pc:picChg chg="mod topLvl">
+          <ac:chgData name="Boon Jun" userId="b9b2384c46af58b4" providerId="LiveId" clId="{07FA4B2E-902A-4B46-B455-FA227D8539BA}" dt="2020-02-12T06:35:39.122" v="515" actId="1076"/>
+          <ac:picMkLst>
+            <pc:docMk/>
+            <pc:sldMk cId="2579216300" sldId="263"/>
+            <ac:picMk id="21" creationId="{1EAAFDD7-270D-40BB-B235-F2B7DF98EC72}"/>
+          </ac:picMkLst>
+        </pc:picChg>
+        <pc:cxnChg chg="del">
+          <ac:chgData name="Boon Jun" userId="b9b2384c46af58b4" providerId="LiveId" clId="{07FA4B2E-902A-4B46-B455-FA227D8539BA}" dt="2020-02-12T06:33:50.396" v="488" actId="478"/>
+          <ac:cxnSpMkLst>
+            <pc:docMk/>
+            <pc:sldMk cId="2579216300" sldId="263"/>
+            <ac:cxnSpMk id="45" creationId="{DEB82724-4F13-4B3E-A5D9-2549C676F822}"/>
+          </ac:cxnSpMkLst>
+        </pc:cxnChg>
+      </pc:sldChg>
+      <pc:sldChg chg="addSp modSp add">
+        <pc:chgData name="Boon Jun" userId="b9b2384c46af58b4" providerId="LiveId" clId="{07FA4B2E-902A-4B46-B455-FA227D8539BA}" dt="2020-02-12T08:09:27.327" v="707" actId="20577"/>
+        <pc:sldMkLst>
+          <pc:docMk/>
+          <pc:sldMk cId="1800494445" sldId="264"/>
+        </pc:sldMkLst>
+        <pc:spChg chg="add mod">
+          <ac:chgData name="Boon Jun" userId="b9b2384c46af58b4" providerId="LiveId" clId="{07FA4B2E-902A-4B46-B455-FA227D8539BA}" dt="2020-02-12T08:09:27.327" v="707" actId="20577"/>
+          <ac:spMkLst>
+            <pc:docMk/>
+            <pc:sldMk cId="1800494445" sldId="264"/>
+            <ac:spMk id="10" creationId="{E9D6B482-8581-4E1F-80EB-BAF2C7C046BF}"/>
+          </ac:spMkLst>
+        </pc:spChg>
+      </pc:sldChg>
+      <pc:sldChg chg="modSp add">
+        <pc:chgData name="Boon Jun" userId="b9b2384c46af58b4" providerId="LiveId" clId="{07FA4B2E-902A-4B46-B455-FA227D8539BA}" dt="2020-02-12T06:37:05.489" v="531" actId="207"/>
+        <pc:sldMkLst>
+          <pc:docMk/>
+          <pc:sldMk cId="3686962177" sldId="265"/>
+        </pc:sldMkLst>
+        <pc:spChg chg="mod">
+          <ac:chgData name="Boon Jun" userId="b9b2384c46af58b4" providerId="LiveId" clId="{07FA4B2E-902A-4B46-B455-FA227D8539BA}" dt="2020-02-12T06:36:57.104" v="529" actId="20577"/>
+          <ac:spMkLst>
+            <pc:docMk/>
+            <pc:sldMk cId="3686962177" sldId="265"/>
+            <ac:spMk id="2" creationId="{FF21E304-E4E0-438B-AB07-1B8DC03AFC6F}"/>
+          </ac:spMkLst>
+        </pc:spChg>
+        <pc:picChg chg="mod">
+          <ac:chgData name="Boon Jun" userId="b9b2384c46af58b4" providerId="LiveId" clId="{07FA4B2E-902A-4B46-B455-FA227D8539BA}" dt="2020-02-12T06:37:01.917" v="530" actId="207"/>
+          <ac:picMkLst>
+            <pc:docMk/>
+            <pc:sldMk cId="3686962177" sldId="265"/>
+            <ac:picMk id="7" creationId="{0F454814-B50C-4698-B6C0-6DE90A930257}"/>
+          </ac:picMkLst>
+        </pc:picChg>
+        <pc:picChg chg="mod">
+          <ac:chgData name="Boon Jun" userId="b9b2384c46af58b4" providerId="LiveId" clId="{07FA4B2E-902A-4B46-B455-FA227D8539BA}" dt="2020-02-12T06:37:05.489" v="531" actId="207"/>
+          <ac:picMkLst>
+            <pc:docMk/>
+            <pc:sldMk cId="3686962177" sldId="265"/>
+            <ac:picMk id="9" creationId="{4484A587-4DE2-4E0E-BD31-1E5371FF1617}"/>
+          </ac:picMkLst>
+        </pc:picChg>
+      </pc:sldChg>
+      <pc:sldChg chg="add">
+        <pc:chgData name="Boon Jun" userId="b9b2384c46af58b4" providerId="LiveId" clId="{07FA4B2E-902A-4B46-B455-FA227D8539BA}" dt="2020-02-12T06:37:28.133" v="532"/>
+        <pc:sldMkLst>
+          <pc:docMk/>
+          <pc:sldMk cId="636087106" sldId="266"/>
+        </pc:sldMkLst>
+      </pc:sldChg>
+      <pc:sldChg chg="modSp add">
+        <pc:chgData name="Boon Jun" userId="b9b2384c46af58b4" providerId="LiveId" clId="{07FA4B2E-902A-4B46-B455-FA227D8539BA}" dt="2020-02-12T06:37:47.436" v="544" actId="207"/>
+        <pc:sldMkLst>
+          <pc:docMk/>
+          <pc:sldMk cId="2733934548" sldId="267"/>
+        </pc:sldMkLst>
+        <pc:spChg chg="mod">
+          <ac:chgData name="Boon Jun" userId="b9b2384c46af58b4" providerId="LiveId" clId="{07FA4B2E-902A-4B46-B455-FA227D8539BA}" dt="2020-02-12T06:37:36.985" v="542" actId="20577"/>
+          <ac:spMkLst>
+            <pc:docMk/>
+            <pc:sldMk cId="2733934548" sldId="267"/>
+            <ac:spMk id="2" creationId="{FF21E304-E4E0-438B-AB07-1B8DC03AFC6F}"/>
+          </ac:spMkLst>
+        </pc:spChg>
+        <pc:picChg chg="mod">
+          <ac:chgData name="Boon Jun" userId="b9b2384c46af58b4" providerId="LiveId" clId="{07FA4B2E-902A-4B46-B455-FA227D8539BA}" dt="2020-02-12T06:37:41.435" v="543" actId="207"/>
+          <ac:picMkLst>
+            <pc:docMk/>
+            <pc:sldMk cId="2733934548" sldId="267"/>
+            <ac:picMk id="9" creationId="{4484A587-4DE2-4E0E-BD31-1E5371FF1617}"/>
+          </ac:picMkLst>
+        </pc:picChg>
+        <pc:picChg chg="mod">
+          <ac:chgData name="Boon Jun" userId="b9b2384c46af58b4" providerId="LiveId" clId="{07FA4B2E-902A-4B46-B455-FA227D8539BA}" dt="2020-02-12T06:37:47.436" v="544" actId="207"/>
+          <ac:picMkLst>
+            <pc:docMk/>
+            <pc:sldMk cId="2733934548" sldId="267"/>
+            <ac:picMk id="11" creationId="{787A3D66-E702-4786-9334-AA8574247486}"/>
+          </ac:picMkLst>
+        </pc:picChg>
+      </pc:sldChg>
+      <pc:sldChg chg="modSp add">
+        <pc:chgData name="Boon Jun" userId="b9b2384c46af58b4" providerId="LiveId" clId="{07FA4B2E-902A-4B46-B455-FA227D8539BA}" dt="2020-02-12T06:38:07.651" v="582" actId="207"/>
+        <pc:sldMkLst>
+          <pc:docMk/>
+          <pc:sldMk cId="1764059947" sldId="268"/>
+        </pc:sldMkLst>
+        <pc:spChg chg="mod">
+          <ac:chgData name="Boon Jun" userId="b9b2384c46af58b4" providerId="LiveId" clId="{07FA4B2E-902A-4B46-B455-FA227D8539BA}" dt="2020-02-12T06:37:58.271" v="578" actId="20577"/>
+          <ac:spMkLst>
+            <pc:docMk/>
+            <pc:sldMk cId="1764059947" sldId="268"/>
+            <ac:spMk id="2" creationId="{FF21E304-E4E0-438B-AB07-1B8DC03AFC6F}"/>
+          </ac:spMkLst>
+        </pc:spChg>
+        <pc:picChg chg="mod">
+          <ac:chgData name="Boon Jun" userId="b9b2384c46af58b4" providerId="LiveId" clId="{07FA4B2E-902A-4B46-B455-FA227D8539BA}" dt="2020-02-12T06:38:03.647" v="581" actId="207"/>
+          <ac:picMkLst>
+            <pc:docMk/>
+            <pc:sldMk cId="1764059947" sldId="268"/>
+            <ac:picMk id="11" creationId="{787A3D66-E702-4786-9334-AA8574247486}"/>
+          </ac:picMkLst>
+        </pc:picChg>
+        <pc:picChg chg="mod">
+          <ac:chgData name="Boon Jun" userId="b9b2384c46af58b4" providerId="LiveId" clId="{07FA4B2E-902A-4B46-B455-FA227D8539BA}" dt="2020-02-12T06:38:07.651" v="582" actId="207"/>
+          <ac:picMkLst>
+            <pc:docMk/>
+            <pc:sldMk cId="1764059947" sldId="268"/>
+            <ac:picMk id="13" creationId="{10818EE9-430A-4CC4-BD02-5BDDEF750326}"/>
+          </ac:picMkLst>
+        </pc:picChg>
+      </pc:sldChg>
+      <pc:sldChg chg="modSp add">
+        <pc:chgData name="Boon Jun" userId="b9b2384c46af58b4" providerId="LiveId" clId="{07FA4B2E-902A-4B46-B455-FA227D8539BA}" dt="2020-02-12T06:38:32.372" v="594" actId="207"/>
+        <pc:sldMkLst>
+          <pc:docMk/>
+          <pc:sldMk cId="130660112" sldId="269"/>
+        </pc:sldMkLst>
+        <pc:spChg chg="mod">
+          <ac:chgData name="Boon Jun" userId="b9b2384c46af58b4" providerId="LiveId" clId="{07FA4B2E-902A-4B46-B455-FA227D8539BA}" dt="2020-02-12T06:38:23.850" v="592" actId="20577"/>
+          <ac:spMkLst>
+            <pc:docMk/>
+            <pc:sldMk cId="130660112" sldId="269"/>
+            <ac:spMk id="2" creationId="{FF21E304-E4E0-438B-AB07-1B8DC03AFC6F}"/>
+          </ac:spMkLst>
+        </pc:spChg>
+        <pc:picChg chg="mod">
+          <ac:chgData name="Boon Jun" userId="b9b2384c46af58b4" providerId="LiveId" clId="{07FA4B2E-902A-4B46-B455-FA227D8539BA}" dt="2020-02-12T06:38:28.140" v="593" actId="207"/>
+          <ac:picMkLst>
+            <pc:docMk/>
+            <pc:sldMk cId="130660112" sldId="269"/>
+            <ac:picMk id="13" creationId="{10818EE9-430A-4CC4-BD02-5BDDEF750326}"/>
+          </ac:picMkLst>
+        </pc:picChg>
+        <pc:picChg chg="mod">
+          <ac:chgData name="Boon Jun" userId="b9b2384c46af58b4" providerId="LiveId" clId="{07FA4B2E-902A-4B46-B455-FA227D8539BA}" dt="2020-02-12T06:38:32.372" v="594" actId="207"/>
+          <ac:picMkLst>
+            <pc:docMk/>
+            <pc:sldMk cId="130660112" sldId="269"/>
+            <ac:picMk id="17" creationId="{2AB76BBD-A7C0-47CD-8857-DAAB96FDAC61}"/>
+          </ac:picMkLst>
+        </pc:picChg>
+      </pc:sldChg>
+      <pc:sldChg chg="modSp add">
+        <pc:chgData name="Boon Jun" userId="b9b2384c46af58b4" providerId="LiveId" clId="{07FA4B2E-902A-4B46-B455-FA227D8539BA}" dt="2020-02-12T06:38:54.233" v="608" actId="207"/>
+        <pc:sldMkLst>
+          <pc:docMk/>
+          <pc:sldMk cId="1595663936" sldId="270"/>
+        </pc:sldMkLst>
+        <pc:spChg chg="mod">
+          <ac:chgData name="Boon Jun" userId="b9b2384c46af58b4" providerId="LiveId" clId="{07FA4B2E-902A-4B46-B455-FA227D8539BA}" dt="2020-02-12T06:38:43.560" v="605" actId="20577"/>
+          <ac:spMkLst>
+            <pc:docMk/>
+            <pc:sldMk cId="1595663936" sldId="270"/>
+            <ac:spMk id="2" creationId="{FF21E304-E4E0-438B-AB07-1B8DC03AFC6F}"/>
+          </ac:spMkLst>
+        </pc:spChg>
+        <pc:picChg chg="mod">
+          <ac:chgData name="Boon Jun" userId="b9b2384c46af58b4" providerId="LiveId" clId="{07FA4B2E-902A-4B46-B455-FA227D8539BA}" dt="2020-02-12T06:38:48.253" v="606" actId="207"/>
+          <ac:picMkLst>
+            <pc:docMk/>
+            <pc:sldMk cId="1595663936" sldId="270"/>
+            <ac:picMk id="17" creationId="{2AB76BBD-A7C0-47CD-8857-DAAB96FDAC61}"/>
+          </ac:picMkLst>
+        </pc:picChg>
+        <pc:picChg chg="mod">
+          <ac:chgData name="Boon Jun" userId="b9b2384c46af58b4" providerId="LiveId" clId="{07FA4B2E-902A-4B46-B455-FA227D8539BA}" dt="2020-02-12T06:38:54.233" v="608" actId="207"/>
+          <ac:picMkLst>
+            <pc:docMk/>
+            <pc:sldMk cId="1595663936" sldId="270"/>
+            <ac:picMk id="19" creationId="{2C9D18F4-DF60-4C50-9850-912CD1CB918E}"/>
+          </ac:picMkLst>
+        </pc:picChg>
+      </pc:sldChg>
+      <pc:sldChg chg="modSp add">
+        <pc:chgData name="Boon Jun" userId="b9b2384c46af58b4" providerId="LiveId" clId="{07FA4B2E-902A-4B46-B455-FA227D8539BA}" dt="2020-02-12T06:39:16.173" v="636" actId="207"/>
+        <pc:sldMkLst>
+          <pc:docMk/>
+          <pc:sldMk cId="3282349588" sldId="271"/>
+        </pc:sldMkLst>
+        <pc:spChg chg="mod">
+          <ac:chgData name="Boon Jun" userId="b9b2384c46af58b4" providerId="LiveId" clId="{07FA4B2E-902A-4B46-B455-FA227D8539BA}" dt="2020-02-12T06:39:07.643" v="634" actId="20577"/>
+          <ac:spMkLst>
+            <pc:docMk/>
+            <pc:sldMk cId="3282349588" sldId="271"/>
+            <ac:spMk id="2" creationId="{FF21E304-E4E0-438B-AB07-1B8DC03AFC6F}"/>
+          </ac:spMkLst>
+        </pc:spChg>
+        <pc:picChg chg="mod">
+          <ac:chgData name="Boon Jun" userId="b9b2384c46af58b4" providerId="LiveId" clId="{07FA4B2E-902A-4B46-B455-FA227D8539BA}" dt="2020-02-12T06:39:12.811" v="635" actId="207"/>
+          <ac:picMkLst>
+            <pc:docMk/>
+            <pc:sldMk cId="3282349588" sldId="271"/>
+            <ac:picMk id="19" creationId="{2C9D18F4-DF60-4C50-9850-912CD1CB918E}"/>
+          </ac:picMkLst>
+        </pc:picChg>
+        <pc:picChg chg="mod">
+          <ac:chgData name="Boon Jun" userId="b9b2384c46af58b4" providerId="LiveId" clId="{07FA4B2E-902A-4B46-B455-FA227D8539BA}" dt="2020-02-12T06:39:16.173" v="636" actId="207"/>
+          <ac:picMkLst>
+            <pc:docMk/>
+            <pc:sldMk cId="3282349588" sldId="271"/>
+            <ac:picMk id="21" creationId="{1EAAFDD7-270D-40BB-B235-F2B7DF98EC72}"/>
+          </ac:picMkLst>
+        </pc:picChg>
+      </pc:sldChg>
+    </pc:docChg>
+  </pc:docChgLst>
   <pc:docChgLst>
     <pc:chgData name="Boon Jun" userId="b9b2384c46af58b4" providerId="LiveId" clId="{9F148B80-0F84-45C5-8623-19582B4AA918}"/>
     <pc:docChg chg="undo custSel addSld modSld sldOrd">
@@ -907,7 +1815,7 @@
           <a:p>
             <a:fld id="{186960D6-B357-4E61-B05B-B12515D9341B}" type="datetimeFigureOut">
               <a:rPr lang="en-SG" smtClean="0"/>
-              <a:t>10/2/2020</a:t>
+              <a:t>12/2/2020</a:t>
             </a:fld>
             <a:endParaRPr lang="en-SG"/>
           </a:p>
@@ -1107,7 +2015,7 @@
           <a:p>
             <a:fld id="{186960D6-B357-4E61-B05B-B12515D9341B}" type="datetimeFigureOut">
               <a:rPr lang="en-SG" smtClean="0"/>
-              <a:t>10/2/2020</a:t>
+              <a:t>12/2/2020</a:t>
             </a:fld>
             <a:endParaRPr lang="en-SG"/>
           </a:p>
@@ -1317,7 +2225,7 @@
           <a:p>
             <a:fld id="{186960D6-B357-4E61-B05B-B12515D9341B}" type="datetimeFigureOut">
               <a:rPr lang="en-SG" smtClean="0"/>
-              <a:t>10/2/2020</a:t>
+              <a:t>12/2/2020</a:t>
             </a:fld>
             <a:endParaRPr lang="en-SG"/>
           </a:p>
@@ -1517,7 +2425,7 @@
           <a:p>
             <a:fld id="{186960D6-B357-4E61-B05B-B12515D9341B}" type="datetimeFigureOut">
               <a:rPr lang="en-SG" smtClean="0"/>
-              <a:t>10/2/2020</a:t>
+              <a:t>12/2/2020</a:t>
             </a:fld>
             <a:endParaRPr lang="en-SG"/>
           </a:p>
@@ -1793,7 +2701,7 @@
           <a:p>
             <a:fld id="{186960D6-B357-4E61-B05B-B12515D9341B}" type="datetimeFigureOut">
               <a:rPr lang="en-SG" smtClean="0"/>
-              <a:t>10/2/2020</a:t>
+              <a:t>12/2/2020</a:t>
             </a:fld>
             <a:endParaRPr lang="en-SG"/>
           </a:p>
@@ -2061,7 +2969,7 @@
           <a:p>
             <a:fld id="{186960D6-B357-4E61-B05B-B12515D9341B}" type="datetimeFigureOut">
               <a:rPr lang="en-SG" smtClean="0"/>
-              <a:t>10/2/2020</a:t>
+              <a:t>12/2/2020</a:t>
             </a:fld>
             <a:endParaRPr lang="en-SG"/>
           </a:p>
@@ -2476,7 +3384,7 @@
           <a:p>
             <a:fld id="{186960D6-B357-4E61-B05B-B12515D9341B}" type="datetimeFigureOut">
               <a:rPr lang="en-SG" smtClean="0"/>
-              <a:t>10/2/2020</a:t>
+              <a:t>12/2/2020</a:t>
             </a:fld>
             <a:endParaRPr lang="en-SG"/>
           </a:p>
@@ -2618,7 +3526,7 @@
           <a:p>
             <a:fld id="{186960D6-B357-4E61-B05B-B12515D9341B}" type="datetimeFigureOut">
               <a:rPr lang="en-SG" smtClean="0"/>
-              <a:t>10/2/2020</a:t>
+              <a:t>12/2/2020</a:t>
             </a:fld>
             <a:endParaRPr lang="en-SG"/>
           </a:p>
@@ -2731,7 +3639,7 @@
           <a:p>
             <a:fld id="{186960D6-B357-4E61-B05B-B12515D9341B}" type="datetimeFigureOut">
               <a:rPr lang="en-SG" smtClean="0"/>
-              <a:t>10/2/2020</a:t>
+              <a:t>12/2/2020</a:t>
             </a:fld>
             <a:endParaRPr lang="en-SG"/>
           </a:p>
@@ -3044,7 +3952,7 @@
           <a:p>
             <a:fld id="{186960D6-B357-4E61-B05B-B12515D9341B}" type="datetimeFigureOut">
               <a:rPr lang="en-SG" smtClean="0"/>
-              <a:t>10/2/2020</a:t>
+              <a:t>12/2/2020</a:t>
             </a:fld>
             <a:endParaRPr lang="en-SG"/>
           </a:p>
@@ -3333,7 +4241,7 @@
           <a:p>
             <a:fld id="{186960D6-B357-4E61-B05B-B12515D9341B}" type="datetimeFigureOut">
               <a:rPr lang="en-SG" smtClean="0"/>
-              <a:t>10/2/2020</a:t>
+              <a:t>12/2/2020</a:t>
             </a:fld>
             <a:endParaRPr lang="en-SG"/>
           </a:p>
@@ -3576,7 +4484,7 @@
           <a:p>
             <a:fld id="{186960D6-B357-4E61-B05B-B12515D9341B}" type="datetimeFigureOut">
               <a:rPr lang="en-SG" smtClean="0"/>
-              <a:t>10/2/2020</a:t>
+              <a:t>12/2/2020</a:t>
             </a:fld>
             <a:endParaRPr lang="en-SG"/>
           </a:p>
@@ -4150,8 +5058,484 @@
         </p:blipFill>
         <p:spPr>
           <a:xfrm>
-            <a:off x="4743079" y="4222749"/>
+            <a:off x="3755752" y="4357045"/>
             <a:ext cx="2705841" cy="2705841"/>
+          </a:xfrm>
+          <a:prstGeom prst="rect">
+            <a:avLst/>
+          </a:prstGeom>
+        </p:spPr>
+      </p:pic>
+      <p:sp>
+        <p:nvSpPr>
+          <p:cNvPr id="4" name="TextBox 3">
+            <a:extLst>
+              <a:ext uri="{FF2B5EF4-FFF2-40B4-BE49-F238E27FC236}">
+                <a16:creationId xmlns:a16="http://schemas.microsoft.com/office/drawing/2014/main" id="{EAC61BCE-46A7-4383-BB8F-186DABC302F4}"/>
+              </a:ext>
+            </a:extLst>
+          </p:cNvPr>
+          <p:cNvSpPr txBox="1"/>
+          <p:nvPr/>
+        </p:nvSpPr>
+        <p:spPr>
+          <a:xfrm>
+            <a:off x="5770854" y="4705893"/>
+            <a:ext cx="2694348" cy="1693862"/>
+          </a:xfrm>
+          <a:prstGeom prst="rect">
+            <a:avLst/>
+          </a:prstGeom>
+          <a:noFill/>
+        </p:spPr>
+        <p:txBody>
+          <a:bodyPr wrap="square" rtlCol="0">
+            <a:spAutoFit/>
+          </a:bodyPr>
+          <a:lstStyle/>
+          <a:p>
+            <a:pPr algn="ctr">
+              <a:lnSpc>
+                <a:spcPct val="150000"/>
+              </a:lnSpc>
+            </a:pPr>
+            <a:r>
+              <a:rPr lang="en-SG" dirty="0">
+                <a:solidFill>
+                  <a:schemeClr val="bg1"/>
+                </a:solidFill>
+                <a:latin typeface="Gotham Black" panose="02000603040000020004" pitchFamily="2" charset="0"/>
+                <a:cs typeface="Gotham Book" pitchFamily="50" charset="0"/>
+              </a:rPr>
+              <a:t>WESLEY </a:t>
+            </a:r>
+          </a:p>
+          <a:p>
+            <a:pPr algn="ctr">
+              <a:lnSpc>
+                <a:spcPct val="150000"/>
+              </a:lnSpc>
+            </a:pPr>
+            <a:r>
+              <a:rPr lang="en-SG" dirty="0">
+                <a:solidFill>
+                  <a:schemeClr val="bg1"/>
+                </a:solidFill>
+                <a:latin typeface="Gotham Black" panose="02000603040000020004" pitchFamily="2" charset="0"/>
+                <a:cs typeface="Gotham Book" pitchFamily="50" charset="0"/>
+              </a:rPr>
+              <a:t>RUSSELL </a:t>
+            </a:r>
+          </a:p>
+          <a:p>
+            <a:pPr algn="ctr">
+              <a:lnSpc>
+                <a:spcPct val="150000"/>
+              </a:lnSpc>
+            </a:pPr>
+            <a:r>
+              <a:rPr lang="en-SG" dirty="0">
+                <a:solidFill>
+                  <a:schemeClr val="bg1"/>
+                </a:solidFill>
+                <a:latin typeface="Gotham Black" panose="02000603040000020004" pitchFamily="2" charset="0"/>
+                <a:cs typeface="Gotham Book" pitchFamily="50" charset="0"/>
+              </a:rPr>
+              <a:t>SATHYA</a:t>
+            </a:r>
+          </a:p>
+          <a:p>
+            <a:pPr algn="ctr">
+              <a:lnSpc>
+                <a:spcPct val="150000"/>
+              </a:lnSpc>
+            </a:pPr>
+            <a:r>
+              <a:rPr lang="en-SG" dirty="0">
+                <a:solidFill>
+                  <a:schemeClr val="bg1"/>
+                </a:solidFill>
+                <a:latin typeface="Gotham Black" panose="02000603040000020004" pitchFamily="2" charset="0"/>
+                <a:cs typeface="Gotham Book" pitchFamily="50" charset="0"/>
+              </a:rPr>
+              <a:t>BOON JUN</a:t>
+            </a:r>
+          </a:p>
+        </p:txBody>
+      </p:sp>
+    </p:spTree>
+    <p:extLst>
+      <p:ext uri="{BB962C8B-B14F-4D97-AF65-F5344CB8AC3E}">
+        <p14:creationId xmlns:p14="http://schemas.microsoft.com/office/powerpoint/2010/main" val="2773114662"/>
+      </p:ext>
+    </p:extLst>
+  </p:cSld>
+  <p:clrMapOvr>
+    <a:masterClrMapping/>
+  </p:clrMapOvr>
+</p:sld>
+</file>
+
+<file path=ppt/slides/slide10.xml><?xml version="1.0" encoding="utf-8"?>
+<p:sld xmlns:a="http://schemas.openxmlformats.org/drawingml/2006/main" xmlns:r="http://schemas.openxmlformats.org/officeDocument/2006/relationships" xmlns:p="http://schemas.openxmlformats.org/presentationml/2006/main">
+  <p:cSld>
+    <p:bg>
+      <p:bgPr>
+        <a:solidFill>
+          <a:srgbClr val="2F3742"/>
+        </a:solidFill>
+        <a:effectLst/>
+      </p:bgPr>
+    </p:bg>
+    <p:spTree>
+      <p:nvGrpSpPr>
+        <p:cNvPr id="1" name=""/>
+        <p:cNvGrpSpPr/>
+        <p:nvPr/>
+      </p:nvGrpSpPr>
+      <p:grpSpPr>
+        <a:xfrm>
+          <a:off x="0" y="0"/>
+          <a:ext cx="0" cy="0"/>
+          <a:chOff x="0" y="0"/>
+          <a:chExt cx="0" cy="0"/>
+        </a:xfrm>
+      </p:grpSpPr>
+      <p:sp>
+        <p:nvSpPr>
+          <p:cNvPr id="2" name="Title 1">
+            <a:extLst>
+              <a:ext uri="{FF2B5EF4-FFF2-40B4-BE49-F238E27FC236}">
+                <a16:creationId xmlns:a16="http://schemas.microsoft.com/office/drawing/2014/main" id="{FF21E304-E4E0-438B-AB07-1B8DC03AFC6F}"/>
+              </a:ext>
+            </a:extLst>
+          </p:cNvPr>
+          <p:cNvSpPr>
+            <a:spLocks noGrp="1"/>
+          </p:cNvSpPr>
+          <p:nvPr>
+            <p:ph type="ctrTitle"/>
+          </p:nvPr>
+        </p:nvSpPr>
+        <p:spPr>
+          <a:xfrm>
+            <a:off x="436202" y="5632449"/>
+            <a:ext cx="6136048" cy="928045"/>
+          </a:xfrm>
+        </p:spPr>
+        <p:txBody>
+          <a:bodyPr>
+            <a:normAutofit fontScale="90000"/>
+          </a:bodyPr>
+          <a:lstStyle/>
+          <a:p>
+            <a:pPr algn="l">
+              <a:lnSpc>
+                <a:spcPct val="150000"/>
+              </a:lnSpc>
+            </a:pPr>
+            <a:r>
+              <a:rPr lang="en-SG" dirty="0">
+                <a:gradFill flip="none" rotWithShape="1">
+                  <a:gsLst>
+                    <a:gs pos="0">
+                      <a:srgbClr val="35609A"/>
+                    </a:gs>
+                    <a:gs pos="100000">
+                      <a:srgbClr val="EC343F"/>
+                    </a:gs>
+                  </a:gsLst>
+                  <a:lin ang="0" scaled="1"/>
+                  <a:tileRect/>
+                </a:gradFill>
+                <a:latin typeface="Gotham Black" panose="02000603040000020004" pitchFamily="2" charset="0"/>
+              </a:rPr>
+              <a:t>EDA</a:t>
+            </a:r>
+            <a:endParaRPr lang="en-SG" dirty="0">
+              <a:gradFill>
+                <a:gsLst>
+                  <a:gs pos="0">
+                    <a:srgbClr val="35609A"/>
+                  </a:gs>
+                  <a:gs pos="100000">
+                    <a:srgbClr val="EC343F"/>
+                  </a:gs>
+                </a:gsLst>
+                <a:lin ang="0" scaled="1"/>
+              </a:gradFill>
+              <a:latin typeface="Gotham Black" panose="02000603040000020004" pitchFamily="2" charset="0"/>
+            </a:endParaRPr>
+          </a:p>
+        </p:txBody>
+      </p:sp>
+      <p:pic>
+        <p:nvPicPr>
+          <p:cNvPr id="7" name="Graphic 6" descr="Mop and bucket">
+            <a:extLst>
+              <a:ext uri="{FF2B5EF4-FFF2-40B4-BE49-F238E27FC236}">
+                <a16:creationId xmlns:a16="http://schemas.microsoft.com/office/drawing/2014/main" id="{0F454814-B50C-4698-B6C0-6DE90A930257}"/>
+              </a:ext>
+            </a:extLst>
+          </p:cNvPr>
+          <p:cNvPicPr>
+            <a:picLocks noChangeAspect="1"/>
+          </p:cNvPicPr>
+          <p:nvPr/>
+        </p:nvPicPr>
+        <p:blipFill>
+          <a:blip r:embed="rId2">
+            <a:extLst>
+              <a:ext uri="{28A0092B-C50C-407E-A947-70E740481C1C}">
+                <a14:useLocalDpi xmlns:a14="http://schemas.microsoft.com/office/drawing/2010/main" val="0"/>
+              </a:ext>
+              <a:ext uri="{96DAC541-7B7A-43D3-8B79-37D633B846F1}">
+                <asvg:svgBlip xmlns:asvg="http://schemas.microsoft.com/office/drawing/2016/SVG/main" r:embed="rId3"/>
+              </a:ext>
+            </a:extLst>
+          </a:blip>
+          <a:stretch>
+            <a:fillRect/>
+          </a:stretch>
+        </p:blipFill>
+        <p:spPr>
+          <a:xfrm>
+            <a:off x="6762349" y="5966194"/>
+            <a:ext cx="360000" cy="360000"/>
+          </a:xfrm>
+          <a:prstGeom prst="rect">
+            <a:avLst/>
+          </a:prstGeom>
+        </p:spPr>
+      </p:pic>
+      <p:pic>
+        <p:nvPicPr>
+          <p:cNvPr id="9" name="Graphic 8" descr="Research">
+            <a:extLst>
+              <a:ext uri="{FF2B5EF4-FFF2-40B4-BE49-F238E27FC236}">
+                <a16:creationId xmlns:a16="http://schemas.microsoft.com/office/drawing/2014/main" id="{4484A587-4DE2-4E0E-BD31-1E5371FF1617}"/>
+              </a:ext>
+            </a:extLst>
+          </p:cNvPr>
+          <p:cNvPicPr>
+            <a:picLocks noChangeAspect="1"/>
+          </p:cNvPicPr>
+          <p:nvPr/>
+        </p:nvPicPr>
+        <p:blipFill>
+          <a:blip r:embed="rId4">
+            <a:extLst>
+              <a:ext uri="{28A0092B-C50C-407E-A947-70E740481C1C}">
+                <a14:useLocalDpi xmlns:a14="http://schemas.microsoft.com/office/drawing/2010/main" val="0"/>
+              </a:ext>
+              <a:ext uri="{96DAC541-7B7A-43D3-8B79-37D633B846F1}">
+                <asvg:svgBlip xmlns:asvg="http://schemas.microsoft.com/office/drawing/2016/SVG/main" r:embed="rId5"/>
+              </a:ext>
+            </a:extLst>
+          </a:blip>
+          <a:stretch>
+            <a:fillRect/>
+          </a:stretch>
+        </p:blipFill>
+        <p:spPr>
+          <a:xfrm>
+            <a:off x="7392104" y="5966194"/>
+            <a:ext cx="360000" cy="360000"/>
+          </a:xfrm>
+          <a:prstGeom prst="rect">
+            <a:avLst/>
+          </a:prstGeom>
+        </p:spPr>
+      </p:pic>
+      <p:pic>
+        <p:nvPicPr>
+          <p:cNvPr id="11" name="Graphic 10" descr="Minimize">
+            <a:extLst>
+              <a:ext uri="{FF2B5EF4-FFF2-40B4-BE49-F238E27FC236}">
+                <a16:creationId xmlns:a16="http://schemas.microsoft.com/office/drawing/2014/main" id="{787A3D66-E702-4786-9334-AA8574247486}"/>
+              </a:ext>
+            </a:extLst>
+          </p:cNvPr>
+          <p:cNvPicPr>
+            <a:picLocks noChangeAspect="1"/>
+          </p:cNvPicPr>
+          <p:nvPr/>
+        </p:nvPicPr>
+        <p:blipFill>
+          <a:blip r:embed="rId6">
+            <a:extLst>
+              <a:ext uri="{28A0092B-C50C-407E-A947-70E740481C1C}">
+                <a14:useLocalDpi xmlns:a14="http://schemas.microsoft.com/office/drawing/2010/main" val="0"/>
+              </a:ext>
+              <a:ext uri="{96DAC541-7B7A-43D3-8B79-37D633B846F1}">
+                <asvg:svgBlip xmlns:asvg="http://schemas.microsoft.com/office/drawing/2016/SVG/main" r:embed="rId7"/>
+              </a:ext>
+            </a:extLst>
+          </a:blip>
+          <a:stretch>
+            <a:fillRect/>
+          </a:stretch>
+        </p:blipFill>
+        <p:spPr>
+          <a:xfrm>
+            <a:off x="8021859" y="5966194"/>
+            <a:ext cx="360000" cy="360000"/>
+          </a:xfrm>
+          <a:prstGeom prst="rect">
+            <a:avLst/>
+          </a:prstGeom>
+        </p:spPr>
+      </p:pic>
+      <p:pic>
+        <p:nvPicPr>
+          <p:cNvPr id="13" name="Graphic 12" descr="Tools">
+            <a:extLst>
+              <a:ext uri="{FF2B5EF4-FFF2-40B4-BE49-F238E27FC236}">
+                <a16:creationId xmlns:a16="http://schemas.microsoft.com/office/drawing/2014/main" id="{10818EE9-430A-4CC4-BD02-5BDDEF750326}"/>
+              </a:ext>
+            </a:extLst>
+          </p:cNvPr>
+          <p:cNvPicPr>
+            <a:picLocks noChangeAspect="1"/>
+          </p:cNvPicPr>
+          <p:nvPr/>
+        </p:nvPicPr>
+        <p:blipFill>
+          <a:blip r:embed="rId8">
+            <a:extLst>
+              <a:ext uri="{28A0092B-C50C-407E-A947-70E740481C1C}">
+                <a14:useLocalDpi xmlns:a14="http://schemas.microsoft.com/office/drawing/2010/main" val="0"/>
+              </a:ext>
+              <a:ext uri="{96DAC541-7B7A-43D3-8B79-37D633B846F1}">
+                <asvg:svgBlip xmlns:asvg="http://schemas.microsoft.com/office/drawing/2016/SVG/main" r:embed="rId9"/>
+              </a:ext>
+            </a:extLst>
+          </a:blip>
+          <a:stretch>
+            <a:fillRect/>
+          </a:stretch>
+        </p:blipFill>
+        <p:spPr>
+          <a:xfrm>
+            <a:off x="8651614" y="5966194"/>
+            <a:ext cx="360000" cy="360000"/>
+          </a:xfrm>
+          <a:prstGeom prst="rect">
+            <a:avLst/>
+          </a:prstGeom>
+        </p:spPr>
+      </p:pic>
+      <p:pic>
+        <p:nvPicPr>
+          <p:cNvPr id="17" name="Graphic 16" descr="Hourglass">
+            <a:extLst>
+              <a:ext uri="{FF2B5EF4-FFF2-40B4-BE49-F238E27FC236}">
+                <a16:creationId xmlns:a16="http://schemas.microsoft.com/office/drawing/2014/main" id="{2AB76BBD-A7C0-47CD-8857-DAAB96FDAC61}"/>
+              </a:ext>
+            </a:extLst>
+          </p:cNvPr>
+          <p:cNvPicPr>
+            <a:picLocks noChangeAspect="1"/>
+          </p:cNvPicPr>
+          <p:nvPr/>
+        </p:nvPicPr>
+        <p:blipFill>
+          <a:blip r:embed="rId10">
+            <a:extLst>
+              <a:ext uri="{28A0092B-C50C-407E-A947-70E740481C1C}">
+                <a14:useLocalDpi xmlns:a14="http://schemas.microsoft.com/office/drawing/2010/main" val="0"/>
+              </a:ext>
+              <a:ext uri="{96DAC541-7B7A-43D3-8B79-37D633B846F1}">
+                <asvg:svgBlip xmlns:asvg="http://schemas.microsoft.com/office/drawing/2016/SVG/main" r:embed="rId11"/>
+              </a:ext>
+            </a:extLst>
+          </a:blip>
+          <a:stretch>
+            <a:fillRect/>
+          </a:stretch>
+        </p:blipFill>
+        <p:spPr>
+          <a:xfrm>
+            <a:off x="9281369" y="5966194"/>
+            <a:ext cx="360000" cy="360000"/>
+          </a:xfrm>
+          <a:prstGeom prst="rect">
+            <a:avLst/>
+          </a:prstGeom>
+        </p:spPr>
+      </p:pic>
+      <p:pic>
+        <p:nvPicPr>
+          <p:cNvPr id="19" name="Graphic 18" descr="Eye">
+            <a:extLst>
+              <a:ext uri="{FF2B5EF4-FFF2-40B4-BE49-F238E27FC236}">
+                <a16:creationId xmlns:a16="http://schemas.microsoft.com/office/drawing/2014/main" id="{2C9D18F4-DF60-4C50-9850-912CD1CB918E}"/>
+              </a:ext>
+            </a:extLst>
+          </p:cNvPr>
+          <p:cNvPicPr>
+            <a:picLocks noChangeAspect="1"/>
+          </p:cNvPicPr>
+          <p:nvPr/>
+        </p:nvPicPr>
+        <p:blipFill>
+          <a:blip r:embed="rId12">
+            <a:extLst>
+              <a:ext uri="{28A0092B-C50C-407E-A947-70E740481C1C}">
+                <a14:useLocalDpi xmlns:a14="http://schemas.microsoft.com/office/drawing/2010/main" val="0"/>
+              </a:ext>
+              <a:ext uri="{96DAC541-7B7A-43D3-8B79-37D633B846F1}">
+                <asvg:svgBlip xmlns:asvg="http://schemas.microsoft.com/office/drawing/2016/SVG/main" r:embed="rId13"/>
+              </a:ext>
+            </a:extLst>
+          </a:blip>
+          <a:stretch>
+            <a:fillRect/>
+          </a:stretch>
+        </p:blipFill>
+        <p:spPr>
+          <a:xfrm>
+            <a:off x="9911124" y="5966194"/>
+            <a:ext cx="360000" cy="360000"/>
+          </a:xfrm>
+          <a:prstGeom prst="rect">
+            <a:avLst/>
+          </a:prstGeom>
+        </p:spPr>
+      </p:pic>
+      <p:pic>
+        <p:nvPicPr>
+          <p:cNvPr id="21" name="Graphic 20" descr="Piggy Bank">
+            <a:extLst>
+              <a:ext uri="{FF2B5EF4-FFF2-40B4-BE49-F238E27FC236}">
+                <a16:creationId xmlns:a16="http://schemas.microsoft.com/office/drawing/2014/main" id="{1EAAFDD7-270D-40BB-B235-F2B7DF98EC72}"/>
+              </a:ext>
+            </a:extLst>
+          </p:cNvPr>
+          <p:cNvPicPr>
+            <a:picLocks noChangeAspect="1"/>
+          </p:cNvPicPr>
+          <p:nvPr/>
+        </p:nvPicPr>
+        <p:blipFill>
+          <a:blip r:embed="rId14">
+            <a:extLst>
+              <a:ext uri="{28A0092B-C50C-407E-A947-70E740481C1C}">
+                <a14:useLocalDpi xmlns:a14="http://schemas.microsoft.com/office/drawing/2010/main" val="0"/>
+              </a:ext>
+              <a:ext uri="{96DAC541-7B7A-43D3-8B79-37D633B846F1}">
+                <asvg:svgBlip xmlns:asvg="http://schemas.microsoft.com/office/drawing/2016/SVG/main" r:embed="rId15"/>
+              </a:ext>
+            </a:extLst>
+          </a:blip>
+          <a:stretch>
+            <a:fillRect/>
+          </a:stretch>
+        </p:blipFill>
+        <p:spPr>
+          <a:xfrm>
+            <a:off x="10540878" y="5966194"/>
+            <a:ext cx="360000" cy="360000"/>
           </a:xfrm>
           <a:prstGeom prst="rect">
             <a:avLst/>
@@ -4161,7 +5545,2281 @@
     </p:spTree>
     <p:extLst>
       <p:ext uri="{BB962C8B-B14F-4D97-AF65-F5344CB8AC3E}">
-        <p14:creationId xmlns:p14="http://schemas.microsoft.com/office/powerpoint/2010/main" val="2773114662"/>
+        <p14:creationId xmlns:p14="http://schemas.microsoft.com/office/powerpoint/2010/main" val="3686962177"/>
+      </p:ext>
+    </p:extLst>
+  </p:cSld>
+  <p:clrMapOvr>
+    <a:masterClrMapping/>
+  </p:clrMapOvr>
+</p:sld>
+</file>
+
+<file path=ppt/slides/slide11.xml><?xml version="1.0" encoding="utf-8"?>
+<p:sld xmlns:a="http://schemas.openxmlformats.org/drawingml/2006/main" xmlns:r="http://schemas.openxmlformats.org/officeDocument/2006/relationships" xmlns:p="http://schemas.openxmlformats.org/presentationml/2006/main">
+  <p:cSld>
+    <p:bg>
+      <p:bgPr>
+        <a:solidFill>
+          <a:srgbClr val="2F3742"/>
+        </a:solidFill>
+        <a:effectLst/>
+      </p:bgPr>
+    </p:bg>
+    <p:spTree>
+      <p:nvGrpSpPr>
+        <p:cNvPr id="1" name=""/>
+        <p:cNvGrpSpPr/>
+        <p:nvPr/>
+      </p:nvGrpSpPr>
+      <p:grpSpPr>
+        <a:xfrm>
+          <a:off x="0" y="0"/>
+          <a:ext cx="0" cy="0"/>
+          <a:chOff x="0" y="0"/>
+          <a:chExt cx="0" cy="0"/>
+        </a:xfrm>
+      </p:grpSpPr>
+      <p:sp>
+        <p:nvSpPr>
+          <p:cNvPr id="2" name="Title 1">
+            <a:extLst>
+              <a:ext uri="{FF2B5EF4-FFF2-40B4-BE49-F238E27FC236}">
+                <a16:creationId xmlns:a16="http://schemas.microsoft.com/office/drawing/2014/main" id="{FF21E304-E4E0-438B-AB07-1B8DC03AFC6F}"/>
+              </a:ext>
+            </a:extLst>
+          </p:cNvPr>
+          <p:cNvSpPr>
+            <a:spLocks noGrp="1"/>
+          </p:cNvSpPr>
+          <p:nvPr>
+            <p:ph type="ctrTitle"/>
+          </p:nvPr>
+        </p:nvSpPr>
+        <p:spPr>
+          <a:xfrm>
+            <a:off x="436202" y="5632449"/>
+            <a:ext cx="6136048" cy="928045"/>
+          </a:xfrm>
+        </p:spPr>
+        <p:txBody>
+          <a:bodyPr>
+            <a:normAutofit fontScale="90000"/>
+          </a:bodyPr>
+          <a:lstStyle/>
+          <a:p>
+            <a:pPr algn="l">
+              <a:lnSpc>
+                <a:spcPct val="150000"/>
+              </a:lnSpc>
+            </a:pPr>
+            <a:r>
+              <a:rPr lang="en-SG" dirty="0">
+                <a:gradFill flip="none" rotWithShape="1">
+                  <a:gsLst>
+                    <a:gs pos="0">
+                      <a:srgbClr val="35609A"/>
+                    </a:gs>
+                    <a:gs pos="100000">
+                      <a:srgbClr val="EC343F"/>
+                    </a:gs>
+                  </a:gsLst>
+                  <a:lin ang="0" scaled="1"/>
+                  <a:tileRect/>
+                </a:gradFill>
+                <a:latin typeface="Gotham Black" panose="02000603040000020004" pitchFamily="2" charset="0"/>
+              </a:rPr>
+              <a:t>EDA</a:t>
+            </a:r>
+            <a:endParaRPr lang="en-SG" dirty="0">
+              <a:gradFill>
+                <a:gsLst>
+                  <a:gs pos="0">
+                    <a:srgbClr val="35609A"/>
+                  </a:gs>
+                  <a:gs pos="100000">
+                    <a:srgbClr val="EC343F"/>
+                  </a:gs>
+                </a:gsLst>
+                <a:lin ang="0" scaled="1"/>
+              </a:gradFill>
+              <a:latin typeface="Gotham Black" panose="02000603040000020004" pitchFamily="2" charset="0"/>
+            </a:endParaRPr>
+          </a:p>
+        </p:txBody>
+      </p:sp>
+      <p:pic>
+        <p:nvPicPr>
+          <p:cNvPr id="7" name="Graphic 6" descr="Mop and bucket">
+            <a:extLst>
+              <a:ext uri="{FF2B5EF4-FFF2-40B4-BE49-F238E27FC236}">
+                <a16:creationId xmlns:a16="http://schemas.microsoft.com/office/drawing/2014/main" id="{0F454814-B50C-4698-B6C0-6DE90A930257}"/>
+              </a:ext>
+            </a:extLst>
+          </p:cNvPr>
+          <p:cNvPicPr>
+            <a:picLocks noChangeAspect="1"/>
+          </p:cNvPicPr>
+          <p:nvPr/>
+        </p:nvPicPr>
+        <p:blipFill>
+          <a:blip r:embed="rId2">
+            <a:extLst>
+              <a:ext uri="{28A0092B-C50C-407E-A947-70E740481C1C}">
+                <a14:useLocalDpi xmlns:a14="http://schemas.microsoft.com/office/drawing/2010/main" val="0"/>
+              </a:ext>
+              <a:ext uri="{96DAC541-7B7A-43D3-8B79-37D633B846F1}">
+                <asvg:svgBlip xmlns:asvg="http://schemas.microsoft.com/office/drawing/2016/SVG/main" r:embed="rId3"/>
+              </a:ext>
+            </a:extLst>
+          </a:blip>
+          <a:stretch>
+            <a:fillRect/>
+          </a:stretch>
+        </p:blipFill>
+        <p:spPr>
+          <a:xfrm>
+            <a:off x="6762349" y="5966194"/>
+            <a:ext cx="360000" cy="360000"/>
+          </a:xfrm>
+          <a:prstGeom prst="rect">
+            <a:avLst/>
+          </a:prstGeom>
+        </p:spPr>
+      </p:pic>
+      <p:pic>
+        <p:nvPicPr>
+          <p:cNvPr id="9" name="Graphic 8" descr="Research">
+            <a:extLst>
+              <a:ext uri="{FF2B5EF4-FFF2-40B4-BE49-F238E27FC236}">
+                <a16:creationId xmlns:a16="http://schemas.microsoft.com/office/drawing/2014/main" id="{4484A587-4DE2-4E0E-BD31-1E5371FF1617}"/>
+              </a:ext>
+            </a:extLst>
+          </p:cNvPr>
+          <p:cNvPicPr>
+            <a:picLocks noChangeAspect="1"/>
+          </p:cNvPicPr>
+          <p:nvPr/>
+        </p:nvPicPr>
+        <p:blipFill>
+          <a:blip r:embed="rId4">
+            <a:extLst>
+              <a:ext uri="{28A0092B-C50C-407E-A947-70E740481C1C}">
+                <a14:useLocalDpi xmlns:a14="http://schemas.microsoft.com/office/drawing/2010/main" val="0"/>
+              </a:ext>
+              <a:ext uri="{96DAC541-7B7A-43D3-8B79-37D633B846F1}">
+                <asvg:svgBlip xmlns:asvg="http://schemas.microsoft.com/office/drawing/2016/SVG/main" r:embed="rId5"/>
+              </a:ext>
+            </a:extLst>
+          </a:blip>
+          <a:stretch>
+            <a:fillRect/>
+          </a:stretch>
+        </p:blipFill>
+        <p:spPr>
+          <a:xfrm>
+            <a:off x="7392104" y="5966194"/>
+            <a:ext cx="360000" cy="360000"/>
+          </a:xfrm>
+          <a:prstGeom prst="rect">
+            <a:avLst/>
+          </a:prstGeom>
+        </p:spPr>
+      </p:pic>
+      <p:pic>
+        <p:nvPicPr>
+          <p:cNvPr id="11" name="Graphic 10" descr="Minimize">
+            <a:extLst>
+              <a:ext uri="{FF2B5EF4-FFF2-40B4-BE49-F238E27FC236}">
+                <a16:creationId xmlns:a16="http://schemas.microsoft.com/office/drawing/2014/main" id="{787A3D66-E702-4786-9334-AA8574247486}"/>
+              </a:ext>
+            </a:extLst>
+          </p:cNvPr>
+          <p:cNvPicPr>
+            <a:picLocks noChangeAspect="1"/>
+          </p:cNvPicPr>
+          <p:nvPr/>
+        </p:nvPicPr>
+        <p:blipFill>
+          <a:blip r:embed="rId6">
+            <a:extLst>
+              <a:ext uri="{28A0092B-C50C-407E-A947-70E740481C1C}">
+                <a14:useLocalDpi xmlns:a14="http://schemas.microsoft.com/office/drawing/2010/main" val="0"/>
+              </a:ext>
+              <a:ext uri="{96DAC541-7B7A-43D3-8B79-37D633B846F1}">
+                <asvg:svgBlip xmlns:asvg="http://schemas.microsoft.com/office/drawing/2016/SVG/main" r:embed="rId7"/>
+              </a:ext>
+            </a:extLst>
+          </a:blip>
+          <a:stretch>
+            <a:fillRect/>
+          </a:stretch>
+        </p:blipFill>
+        <p:spPr>
+          <a:xfrm>
+            <a:off x="8021859" y="5966194"/>
+            <a:ext cx="360000" cy="360000"/>
+          </a:xfrm>
+          <a:prstGeom prst="rect">
+            <a:avLst/>
+          </a:prstGeom>
+        </p:spPr>
+      </p:pic>
+      <p:pic>
+        <p:nvPicPr>
+          <p:cNvPr id="13" name="Graphic 12" descr="Tools">
+            <a:extLst>
+              <a:ext uri="{FF2B5EF4-FFF2-40B4-BE49-F238E27FC236}">
+                <a16:creationId xmlns:a16="http://schemas.microsoft.com/office/drawing/2014/main" id="{10818EE9-430A-4CC4-BD02-5BDDEF750326}"/>
+              </a:ext>
+            </a:extLst>
+          </p:cNvPr>
+          <p:cNvPicPr>
+            <a:picLocks noChangeAspect="1"/>
+          </p:cNvPicPr>
+          <p:nvPr/>
+        </p:nvPicPr>
+        <p:blipFill>
+          <a:blip r:embed="rId8">
+            <a:extLst>
+              <a:ext uri="{28A0092B-C50C-407E-A947-70E740481C1C}">
+                <a14:useLocalDpi xmlns:a14="http://schemas.microsoft.com/office/drawing/2010/main" val="0"/>
+              </a:ext>
+              <a:ext uri="{96DAC541-7B7A-43D3-8B79-37D633B846F1}">
+                <asvg:svgBlip xmlns:asvg="http://schemas.microsoft.com/office/drawing/2016/SVG/main" r:embed="rId9"/>
+              </a:ext>
+            </a:extLst>
+          </a:blip>
+          <a:stretch>
+            <a:fillRect/>
+          </a:stretch>
+        </p:blipFill>
+        <p:spPr>
+          <a:xfrm>
+            <a:off x="8651614" y="5966194"/>
+            <a:ext cx="360000" cy="360000"/>
+          </a:xfrm>
+          <a:prstGeom prst="rect">
+            <a:avLst/>
+          </a:prstGeom>
+        </p:spPr>
+      </p:pic>
+      <p:pic>
+        <p:nvPicPr>
+          <p:cNvPr id="17" name="Graphic 16" descr="Hourglass">
+            <a:extLst>
+              <a:ext uri="{FF2B5EF4-FFF2-40B4-BE49-F238E27FC236}">
+                <a16:creationId xmlns:a16="http://schemas.microsoft.com/office/drawing/2014/main" id="{2AB76BBD-A7C0-47CD-8857-DAAB96FDAC61}"/>
+              </a:ext>
+            </a:extLst>
+          </p:cNvPr>
+          <p:cNvPicPr>
+            <a:picLocks noChangeAspect="1"/>
+          </p:cNvPicPr>
+          <p:nvPr/>
+        </p:nvPicPr>
+        <p:blipFill>
+          <a:blip r:embed="rId10">
+            <a:extLst>
+              <a:ext uri="{28A0092B-C50C-407E-A947-70E740481C1C}">
+                <a14:useLocalDpi xmlns:a14="http://schemas.microsoft.com/office/drawing/2010/main" val="0"/>
+              </a:ext>
+              <a:ext uri="{96DAC541-7B7A-43D3-8B79-37D633B846F1}">
+                <asvg:svgBlip xmlns:asvg="http://schemas.microsoft.com/office/drawing/2016/SVG/main" r:embed="rId11"/>
+              </a:ext>
+            </a:extLst>
+          </a:blip>
+          <a:stretch>
+            <a:fillRect/>
+          </a:stretch>
+        </p:blipFill>
+        <p:spPr>
+          <a:xfrm>
+            <a:off x="9281369" y="5966194"/>
+            <a:ext cx="360000" cy="360000"/>
+          </a:xfrm>
+          <a:prstGeom prst="rect">
+            <a:avLst/>
+          </a:prstGeom>
+        </p:spPr>
+      </p:pic>
+      <p:pic>
+        <p:nvPicPr>
+          <p:cNvPr id="19" name="Graphic 18" descr="Eye">
+            <a:extLst>
+              <a:ext uri="{FF2B5EF4-FFF2-40B4-BE49-F238E27FC236}">
+                <a16:creationId xmlns:a16="http://schemas.microsoft.com/office/drawing/2014/main" id="{2C9D18F4-DF60-4C50-9850-912CD1CB918E}"/>
+              </a:ext>
+            </a:extLst>
+          </p:cNvPr>
+          <p:cNvPicPr>
+            <a:picLocks noChangeAspect="1"/>
+          </p:cNvPicPr>
+          <p:nvPr/>
+        </p:nvPicPr>
+        <p:blipFill>
+          <a:blip r:embed="rId12">
+            <a:extLst>
+              <a:ext uri="{28A0092B-C50C-407E-A947-70E740481C1C}">
+                <a14:useLocalDpi xmlns:a14="http://schemas.microsoft.com/office/drawing/2010/main" val="0"/>
+              </a:ext>
+              <a:ext uri="{96DAC541-7B7A-43D3-8B79-37D633B846F1}">
+                <asvg:svgBlip xmlns:asvg="http://schemas.microsoft.com/office/drawing/2016/SVG/main" r:embed="rId13"/>
+              </a:ext>
+            </a:extLst>
+          </a:blip>
+          <a:stretch>
+            <a:fillRect/>
+          </a:stretch>
+        </p:blipFill>
+        <p:spPr>
+          <a:xfrm>
+            <a:off x="9911124" y="5966194"/>
+            <a:ext cx="360000" cy="360000"/>
+          </a:xfrm>
+          <a:prstGeom prst="rect">
+            <a:avLst/>
+          </a:prstGeom>
+        </p:spPr>
+      </p:pic>
+      <p:pic>
+        <p:nvPicPr>
+          <p:cNvPr id="21" name="Graphic 20" descr="Piggy Bank">
+            <a:extLst>
+              <a:ext uri="{FF2B5EF4-FFF2-40B4-BE49-F238E27FC236}">
+                <a16:creationId xmlns:a16="http://schemas.microsoft.com/office/drawing/2014/main" id="{1EAAFDD7-270D-40BB-B235-F2B7DF98EC72}"/>
+              </a:ext>
+            </a:extLst>
+          </p:cNvPr>
+          <p:cNvPicPr>
+            <a:picLocks noChangeAspect="1"/>
+          </p:cNvPicPr>
+          <p:nvPr/>
+        </p:nvPicPr>
+        <p:blipFill>
+          <a:blip r:embed="rId14">
+            <a:extLst>
+              <a:ext uri="{28A0092B-C50C-407E-A947-70E740481C1C}">
+                <a14:useLocalDpi xmlns:a14="http://schemas.microsoft.com/office/drawing/2010/main" val="0"/>
+              </a:ext>
+              <a:ext uri="{96DAC541-7B7A-43D3-8B79-37D633B846F1}">
+                <asvg:svgBlip xmlns:asvg="http://schemas.microsoft.com/office/drawing/2016/SVG/main" r:embed="rId15"/>
+              </a:ext>
+            </a:extLst>
+          </a:blip>
+          <a:stretch>
+            <a:fillRect/>
+          </a:stretch>
+        </p:blipFill>
+        <p:spPr>
+          <a:xfrm>
+            <a:off x="10540878" y="5966194"/>
+            <a:ext cx="360000" cy="360000"/>
+          </a:xfrm>
+          <a:prstGeom prst="rect">
+            <a:avLst/>
+          </a:prstGeom>
+        </p:spPr>
+      </p:pic>
+    </p:spTree>
+    <p:extLst>
+      <p:ext uri="{BB962C8B-B14F-4D97-AF65-F5344CB8AC3E}">
+        <p14:creationId xmlns:p14="http://schemas.microsoft.com/office/powerpoint/2010/main" val="636087106"/>
+      </p:ext>
+    </p:extLst>
+  </p:cSld>
+  <p:clrMapOvr>
+    <a:masterClrMapping/>
+  </p:clrMapOvr>
+</p:sld>
+</file>
+
+<file path=ppt/slides/slide12.xml><?xml version="1.0" encoding="utf-8"?>
+<p:sld xmlns:a="http://schemas.openxmlformats.org/drawingml/2006/main" xmlns:r="http://schemas.openxmlformats.org/officeDocument/2006/relationships" xmlns:p="http://schemas.openxmlformats.org/presentationml/2006/main">
+  <p:cSld>
+    <p:bg>
+      <p:bgPr>
+        <a:solidFill>
+          <a:srgbClr val="2F3742"/>
+        </a:solidFill>
+        <a:effectLst/>
+      </p:bgPr>
+    </p:bg>
+    <p:spTree>
+      <p:nvGrpSpPr>
+        <p:cNvPr id="1" name=""/>
+        <p:cNvGrpSpPr/>
+        <p:nvPr/>
+      </p:nvGrpSpPr>
+      <p:grpSpPr>
+        <a:xfrm>
+          <a:off x="0" y="0"/>
+          <a:ext cx="0" cy="0"/>
+          <a:chOff x="0" y="0"/>
+          <a:chExt cx="0" cy="0"/>
+        </a:xfrm>
+      </p:grpSpPr>
+      <p:sp>
+        <p:nvSpPr>
+          <p:cNvPr id="2" name="Title 1">
+            <a:extLst>
+              <a:ext uri="{FF2B5EF4-FFF2-40B4-BE49-F238E27FC236}">
+                <a16:creationId xmlns:a16="http://schemas.microsoft.com/office/drawing/2014/main" id="{FF21E304-E4E0-438B-AB07-1B8DC03AFC6F}"/>
+              </a:ext>
+            </a:extLst>
+          </p:cNvPr>
+          <p:cNvSpPr>
+            <a:spLocks noGrp="1"/>
+          </p:cNvSpPr>
+          <p:nvPr>
+            <p:ph type="ctrTitle"/>
+          </p:nvPr>
+        </p:nvSpPr>
+        <p:spPr>
+          <a:xfrm>
+            <a:off x="436202" y="5632449"/>
+            <a:ext cx="6136048" cy="928045"/>
+          </a:xfrm>
+        </p:spPr>
+        <p:txBody>
+          <a:bodyPr>
+            <a:normAutofit fontScale="90000"/>
+          </a:bodyPr>
+          <a:lstStyle/>
+          <a:p>
+            <a:pPr algn="l">
+              <a:lnSpc>
+                <a:spcPct val="150000"/>
+              </a:lnSpc>
+            </a:pPr>
+            <a:r>
+              <a:rPr lang="en-SG" dirty="0">
+                <a:gradFill flip="none" rotWithShape="1">
+                  <a:gsLst>
+                    <a:gs pos="0">
+                      <a:srgbClr val="35609A"/>
+                    </a:gs>
+                    <a:gs pos="100000">
+                      <a:srgbClr val="EC343F"/>
+                    </a:gs>
+                  </a:gsLst>
+                  <a:lin ang="0" scaled="1"/>
+                  <a:tileRect/>
+                </a:gradFill>
+                <a:latin typeface="Gotham Black" panose="02000603040000020004" pitchFamily="2" charset="0"/>
+              </a:rPr>
+              <a:t>MERGING</a:t>
+            </a:r>
+            <a:endParaRPr lang="en-SG" dirty="0">
+              <a:gradFill>
+                <a:gsLst>
+                  <a:gs pos="0">
+                    <a:srgbClr val="35609A"/>
+                  </a:gs>
+                  <a:gs pos="100000">
+                    <a:srgbClr val="EC343F"/>
+                  </a:gs>
+                </a:gsLst>
+                <a:lin ang="0" scaled="1"/>
+              </a:gradFill>
+              <a:latin typeface="Gotham Black" panose="02000603040000020004" pitchFamily="2" charset="0"/>
+            </a:endParaRPr>
+          </a:p>
+        </p:txBody>
+      </p:sp>
+      <p:pic>
+        <p:nvPicPr>
+          <p:cNvPr id="7" name="Graphic 6" descr="Mop and bucket">
+            <a:extLst>
+              <a:ext uri="{FF2B5EF4-FFF2-40B4-BE49-F238E27FC236}">
+                <a16:creationId xmlns:a16="http://schemas.microsoft.com/office/drawing/2014/main" id="{0F454814-B50C-4698-B6C0-6DE90A930257}"/>
+              </a:ext>
+            </a:extLst>
+          </p:cNvPr>
+          <p:cNvPicPr>
+            <a:picLocks noChangeAspect="1"/>
+          </p:cNvPicPr>
+          <p:nvPr/>
+        </p:nvPicPr>
+        <p:blipFill>
+          <a:blip r:embed="rId2">
+            <a:extLst>
+              <a:ext uri="{28A0092B-C50C-407E-A947-70E740481C1C}">
+                <a14:useLocalDpi xmlns:a14="http://schemas.microsoft.com/office/drawing/2010/main" val="0"/>
+              </a:ext>
+              <a:ext uri="{96DAC541-7B7A-43D3-8B79-37D633B846F1}">
+                <asvg:svgBlip xmlns:asvg="http://schemas.microsoft.com/office/drawing/2016/SVG/main" r:embed="rId3"/>
+              </a:ext>
+            </a:extLst>
+          </a:blip>
+          <a:stretch>
+            <a:fillRect/>
+          </a:stretch>
+        </p:blipFill>
+        <p:spPr>
+          <a:xfrm>
+            <a:off x="6762349" y="5966194"/>
+            <a:ext cx="360000" cy="360000"/>
+          </a:xfrm>
+          <a:prstGeom prst="rect">
+            <a:avLst/>
+          </a:prstGeom>
+        </p:spPr>
+      </p:pic>
+      <p:pic>
+        <p:nvPicPr>
+          <p:cNvPr id="9" name="Graphic 8" descr="Research">
+            <a:extLst>
+              <a:ext uri="{FF2B5EF4-FFF2-40B4-BE49-F238E27FC236}">
+                <a16:creationId xmlns:a16="http://schemas.microsoft.com/office/drawing/2014/main" id="{4484A587-4DE2-4E0E-BD31-1E5371FF1617}"/>
+              </a:ext>
+            </a:extLst>
+          </p:cNvPr>
+          <p:cNvPicPr>
+            <a:picLocks noChangeAspect="1"/>
+          </p:cNvPicPr>
+          <p:nvPr/>
+        </p:nvPicPr>
+        <p:blipFill>
+          <a:blip r:embed="rId4">
+            <a:extLst>
+              <a:ext uri="{28A0092B-C50C-407E-A947-70E740481C1C}">
+                <a14:useLocalDpi xmlns:a14="http://schemas.microsoft.com/office/drawing/2010/main" val="0"/>
+              </a:ext>
+              <a:ext uri="{96DAC541-7B7A-43D3-8B79-37D633B846F1}">
+                <asvg:svgBlip xmlns:asvg="http://schemas.microsoft.com/office/drawing/2016/SVG/main" r:embed="rId5"/>
+              </a:ext>
+            </a:extLst>
+          </a:blip>
+          <a:stretch>
+            <a:fillRect/>
+          </a:stretch>
+        </p:blipFill>
+        <p:spPr>
+          <a:xfrm>
+            <a:off x="7392104" y="5966194"/>
+            <a:ext cx="360000" cy="360000"/>
+          </a:xfrm>
+          <a:prstGeom prst="rect">
+            <a:avLst/>
+          </a:prstGeom>
+        </p:spPr>
+      </p:pic>
+      <p:pic>
+        <p:nvPicPr>
+          <p:cNvPr id="11" name="Graphic 10" descr="Minimize">
+            <a:extLst>
+              <a:ext uri="{FF2B5EF4-FFF2-40B4-BE49-F238E27FC236}">
+                <a16:creationId xmlns:a16="http://schemas.microsoft.com/office/drawing/2014/main" id="{787A3D66-E702-4786-9334-AA8574247486}"/>
+              </a:ext>
+            </a:extLst>
+          </p:cNvPr>
+          <p:cNvPicPr>
+            <a:picLocks noChangeAspect="1"/>
+          </p:cNvPicPr>
+          <p:nvPr/>
+        </p:nvPicPr>
+        <p:blipFill>
+          <a:blip r:embed="rId6">
+            <a:extLst>
+              <a:ext uri="{28A0092B-C50C-407E-A947-70E740481C1C}">
+                <a14:useLocalDpi xmlns:a14="http://schemas.microsoft.com/office/drawing/2010/main" val="0"/>
+              </a:ext>
+              <a:ext uri="{96DAC541-7B7A-43D3-8B79-37D633B846F1}">
+                <asvg:svgBlip xmlns:asvg="http://schemas.microsoft.com/office/drawing/2016/SVG/main" r:embed="rId7"/>
+              </a:ext>
+            </a:extLst>
+          </a:blip>
+          <a:stretch>
+            <a:fillRect/>
+          </a:stretch>
+        </p:blipFill>
+        <p:spPr>
+          <a:xfrm>
+            <a:off x="8021859" y="5966194"/>
+            <a:ext cx="360000" cy="360000"/>
+          </a:xfrm>
+          <a:prstGeom prst="rect">
+            <a:avLst/>
+          </a:prstGeom>
+        </p:spPr>
+      </p:pic>
+      <p:pic>
+        <p:nvPicPr>
+          <p:cNvPr id="13" name="Graphic 12" descr="Tools">
+            <a:extLst>
+              <a:ext uri="{FF2B5EF4-FFF2-40B4-BE49-F238E27FC236}">
+                <a16:creationId xmlns:a16="http://schemas.microsoft.com/office/drawing/2014/main" id="{10818EE9-430A-4CC4-BD02-5BDDEF750326}"/>
+              </a:ext>
+            </a:extLst>
+          </p:cNvPr>
+          <p:cNvPicPr>
+            <a:picLocks noChangeAspect="1"/>
+          </p:cNvPicPr>
+          <p:nvPr/>
+        </p:nvPicPr>
+        <p:blipFill>
+          <a:blip r:embed="rId8">
+            <a:extLst>
+              <a:ext uri="{28A0092B-C50C-407E-A947-70E740481C1C}">
+                <a14:useLocalDpi xmlns:a14="http://schemas.microsoft.com/office/drawing/2010/main" val="0"/>
+              </a:ext>
+              <a:ext uri="{96DAC541-7B7A-43D3-8B79-37D633B846F1}">
+                <asvg:svgBlip xmlns:asvg="http://schemas.microsoft.com/office/drawing/2016/SVG/main" r:embed="rId9"/>
+              </a:ext>
+            </a:extLst>
+          </a:blip>
+          <a:stretch>
+            <a:fillRect/>
+          </a:stretch>
+        </p:blipFill>
+        <p:spPr>
+          <a:xfrm>
+            <a:off x="8651614" y="5966194"/>
+            <a:ext cx="360000" cy="360000"/>
+          </a:xfrm>
+          <a:prstGeom prst="rect">
+            <a:avLst/>
+          </a:prstGeom>
+        </p:spPr>
+      </p:pic>
+      <p:pic>
+        <p:nvPicPr>
+          <p:cNvPr id="17" name="Graphic 16" descr="Hourglass">
+            <a:extLst>
+              <a:ext uri="{FF2B5EF4-FFF2-40B4-BE49-F238E27FC236}">
+                <a16:creationId xmlns:a16="http://schemas.microsoft.com/office/drawing/2014/main" id="{2AB76BBD-A7C0-47CD-8857-DAAB96FDAC61}"/>
+              </a:ext>
+            </a:extLst>
+          </p:cNvPr>
+          <p:cNvPicPr>
+            <a:picLocks noChangeAspect="1"/>
+          </p:cNvPicPr>
+          <p:nvPr/>
+        </p:nvPicPr>
+        <p:blipFill>
+          <a:blip r:embed="rId10">
+            <a:extLst>
+              <a:ext uri="{28A0092B-C50C-407E-A947-70E740481C1C}">
+                <a14:useLocalDpi xmlns:a14="http://schemas.microsoft.com/office/drawing/2010/main" val="0"/>
+              </a:ext>
+              <a:ext uri="{96DAC541-7B7A-43D3-8B79-37D633B846F1}">
+                <asvg:svgBlip xmlns:asvg="http://schemas.microsoft.com/office/drawing/2016/SVG/main" r:embed="rId11"/>
+              </a:ext>
+            </a:extLst>
+          </a:blip>
+          <a:stretch>
+            <a:fillRect/>
+          </a:stretch>
+        </p:blipFill>
+        <p:spPr>
+          <a:xfrm>
+            <a:off x="9281369" y="5966194"/>
+            <a:ext cx="360000" cy="360000"/>
+          </a:xfrm>
+          <a:prstGeom prst="rect">
+            <a:avLst/>
+          </a:prstGeom>
+        </p:spPr>
+      </p:pic>
+      <p:pic>
+        <p:nvPicPr>
+          <p:cNvPr id="19" name="Graphic 18" descr="Eye">
+            <a:extLst>
+              <a:ext uri="{FF2B5EF4-FFF2-40B4-BE49-F238E27FC236}">
+                <a16:creationId xmlns:a16="http://schemas.microsoft.com/office/drawing/2014/main" id="{2C9D18F4-DF60-4C50-9850-912CD1CB918E}"/>
+              </a:ext>
+            </a:extLst>
+          </p:cNvPr>
+          <p:cNvPicPr>
+            <a:picLocks noChangeAspect="1"/>
+          </p:cNvPicPr>
+          <p:nvPr/>
+        </p:nvPicPr>
+        <p:blipFill>
+          <a:blip r:embed="rId12">
+            <a:extLst>
+              <a:ext uri="{28A0092B-C50C-407E-A947-70E740481C1C}">
+                <a14:useLocalDpi xmlns:a14="http://schemas.microsoft.com/office/drawing/2010/main" val="0"/>
+              </a:ext>
+              <a:ext uri="{96DAC541-7B7A-43D3-8B79-37D633B846F1}">
+                <asvg:svgBlip xmlns:asvg="http://schemas.microsoft.com/office/drawing/2016/SVG/main" r:embed="rId13"/>
+              </a:ext>
+            </a:extLst>
+          </a:blip>
+          <a:stretch>
+            <a:fillRect/>
+          </a:stretch>
+        </p:blipFill>
+        <p:spPr>
+          <a:xfrm>
+            <a:off x="9911124" y="5966194"/>
+            <a:ext cx="360000" cy="360000"/>
+          </a:xfrm>
+          <a:prstGeom prst="rect">
+            <a:avLst/>
+          </a:prstGeom>
+        </p:spPr>
+      </p:pic>
+      <p:pic>
+        <p:nvPicPr>
+          <p:cNvPr id="21" name="Graphic 20" descr="Piggy Bank">
+            <a:extLst>
+              <a:ext uri="{FF2B5EF4-FFF2-40B4-BE49-F238E27FC236}">
+                <a16:creationId xmlns:a16="http://schemas.microsoft.com/office/drawing/2014/main" id="{1EAAFDD7-270D-40BB-B235-F2B7DF98EC72}"/>
+              </a:ext>
+            </a:extLst>
+          </p:cNvPr>
+          <p:cNvPicPr>
+            <a:picLocks noChangeAspect="1"/>
+          </p:cNvPicPr>
+          <p:nvPr/>
+        </p:nvPicPr>
+        <p:blipFill>
+          <a:blip r:embed="rId14">
+            <a:extLst>
+              <a:ext uri="{28A0092B-C50C-407E-A947-70E740481C1C}">
+                <a14:useLocalDpi xmlns:a14="http://schemas.microsoft.com/office/drawing/2010/main" val="0"/>
+              </a:ext>
+              <a:ext uri="{96DAC541-7B7A-43D3-8B79-37D633B846F1}">
+                <asvg:svgBlip xmlns:asvg="http://schemas.microsoft.com/office/drawing/2016/SVG/main" r:embed="rId15"/>
+              </a:ext>
+            </a:extLst>
+          </a:blip>
+          <a:stretch>
+            <a:fillRect/>
+          </a:stretch>
+        </p:blipFill>
+        <p:spPr>
+          <a:xfrm>
+            <a:off x="10540878" y="5966194"/>
+            <a:ext cx="360000" cy="360000"/>
+          </a:xfrm>
+          <a:prstGeom prst="rect">
+            <a:avLst/>
+          </a:prstGeom>
+        </p:spPr>
+      </p:pic>
+    </p:spTree>
+    <p:extLst>
+      <p:ext uri="{BB962C8B-B14F-4D97-AF65-F5344CB8AC3E}">
+        <p14:creationId xmlns:p14="http://schemas.microsoft.com/office/powerpoint/2010/main" val="2733934548"/>
+      </p:ext>
+    </p:extLst>
+  </p:cSld>
+  <p:clrMapOvr>
+    <a:masterClrMapping/>
+  </p:clrMapOvr>
+</p:sld>
+</file>
+
+<file path=ppt/slides/slide13.xml><?xml version="1.0" encoding="utf-8"?>
+<p:sld xmlns:a="http://schemas.openxmlformats.org/drawingml/2006/main" xmlns:r="http://schemas.openxmlformats.org/officeDocument/2006/relationships" xmlns:p="http://schemas.openxmlformats.org/presentationml/2006/main">
+  <p:cSld>
+    <p:bg>
+      <p:bgPr>
+        <a:solidFill>
+          <a:srgbClr val="2F3742"/>
+        </a:solidFill>
+        <a:effectLst/>
+      </p:bgPr>
+    </p:bg>
+    <p:spTree>
+      <p:nvGrpSpPr>
+        <p:cNvPr id="1" name=""/>
+        <p:cNvGrpSpPr/>
+        <p:nvPr/>
+      </p:nvGrpSpPr>
+      <p:grpSpPr>
+        <a:xfrm>
+          <a:off x="0" y="0"/>
+          <a:ext cx="0" cy="0"/>
+          <a:chOff x="0" y="0"/>
+          <a:chExt cx="0" cy="0"/>
+        </a:xfrm>
+      </p:grpSpPr>
+      <p:sp>
+        <p:nvSpPr>
+          <p:cNvPr id="2" name="Title 1">
+            <a:extLst>
+              <a:ext uri="{FF2B5EF4-FFF2-40B4-BE49-F238E27FC236}">
+                <a16:creationId xmlns:a16="http://schemas.microsoft.com/office/drawing/2014/main" id="{FF21E304-E4E0-438B-AB07-1B8DC03AFC6F}"/>
+              </a:ext>
+            </a:extLst>
+          </p:cNvPr>
+          <p:cNvSpPr>
+            <a:spLocks noGrp="1"/>
+          </p:cNvSpPr>
+          <p:nvPr>
+            <p:ph type="ctrTitle"/>
+          </p:nvPr>
+        </p:nvSpPr>
+        <p:spPr>
+          <a:xfrm>
+            <a:off x="436202" y="5632449"/>
+            <a:ext cx="6136048" cy="928045"/>
+          </a:xfrm>
+        </p:spPr>
+        <p:txBody>
+          <a:bodyPr>
+            <a:normAutofit fontScale="90000"/>
+          </a:bodyPr>
+          <a:lstStyle/>
+          <a:p>
+            <a:pPr algn="l">
+              <a:lnSpc>
+                <a:spcPct val="150000"/>
+              </a:lnSpc>
+            </a:pPr>
+            <a:r>
+              <a:rPr lang="en-SG" dirty="0">
+                <a:gradFill flip="none" rotWithShape="1">
+                  <a:gsLst>
+                    <a:gs pos="0">
+                      <a:srgbClr val="35609A"/>
+                    </a:gs>
+                    <a:gs pos="100000">
+                      <a:srgbClr val="EC343F"/>
+                    </a:gs>
+                  </a:gsLst>
+                  <a:lin ang="0" scaled="1"/>
+                  <a:tileRect/>
+                </a:gradFill>
+                <a:latin typeface="Gotham Black" panose="02000603040000020004" pitchFamily="2" charset="0"/>
+              </a:rPr>
+              <a:t>ENGINEERING</a:t>
+            </a:r>
+            <a:endParaRPr lang="en-SG" dirty="0">
+              <a:gradFill>
+                <a:gsLst>
+                  <a:gs pos="0">
+                    <a:srgbClr val="35609A"/>
+                  </a:gs>
+                  <a:gs pos="100000">
+                    <a:srgbClr val="EC343F"/>
+                  </a:gs>
+                </a:gsLst>
+                <a:lin ang="0" scaled="1"/>
+              </a:gradFill>
+              <a:latin typeface="Gotham Black" panose="02000603040000020004" pitchFamily="2" charset="0"/>
+            </a:endParaRPr>
+          </a:p>
+        </p:txBody>
+      </p:sp>
+      <p:pic>
+        <p:nvPicPr>
+          <p:cNvPr id="7" name="Graphic 6" descr="Mop and bucket">
+            <a:extLst>
+              <a:ext uri="{FF2B5EF4-FFF2-40B4-BE49-F238E27FC236}">
+                <a16:creationId xmlns:a16="http://schemas.microsoft.com/office/drawing/2014/main" id="{0F454814-B50C-4698-B6C0-6DE90A930257}"/>
+              </a:ext>
+            </a:extLst>
+          </p:cNvPr>
+          <p:cNvPicPr>
+            <a:picLocks noChangeAspect="1"/>
+          </p:cNvPicPr>
+          <p:nvPr/>
+        </p:nvPicPr>
+        <p:blipFill>
+          <a:blip r:embed="rId2">
+            <a:extLst>
+              <a:ext uri="{28A0092B-C50C-407E-A947-70E740481C1C}">
+                <a14:useLocalDpi xmlns:a14="http://schemas.microsoft.com/office/drawing/2010/main" val="0"/>
+              </a:ext>
+              <a:ext uri="{96DAC541-7B7A-43D3-8B79-37D633B846F1}">
+                <asvg:svgBlip xmlns:asvg="http://schemas.microsoft.com/office/drawing/2016/SVG/main" r:embed="rId3"/>
+              </a:ext>
+            </a:extLst>
+          </a:blip>
+          <a:stretch>
+            <a:fillRect/>
+          </a:stretch>
+        </p:blipFill>
+        <p:spPr>
+          <a:xfrm>
+            <a:off x="6762349" y="5966194"/>
+            <a:ext cx="360000" cy="360000"/>
+          </a:xfrm>
+          <a:prstGeom prst="rect">
+            <a:avLst/>
+          </a:prstGeom>
+        </p:spPr>
+      </p:pic>
+      <p:pic>
+        <p:nvPicPr>
+          <p:cNvPr id="9" name="Graphic 8" descr="Research">
+            <a:extLst>
+              <a:ext uri="{FF2B5EF4-FFF2-40B4-BE49-F238E27FC236}">
+                <a16:creationId xmlns:a16="http://schemas.microsoft.com/office/drawing/2014/main" id="{4484A587-4DE2-4E0E-BD31-1E5371FF1617}"/>
+              </a:ext>
+            </a:extLst>
+          </p:cNvPr>
+          <p:cNvPicPr>
+            <a:picLocks noChangeAspect="1"/>
+          </p:cNvPicPr>
+          <p:nvPr/>
+        </p:nvPicPr>
+        <p:blipFill>
+          <a:blip r:embed="rId4">
+            <a:extLst>
+              <a:ext uri="{28A0092B-C50C-407E-A947-70E740481C1C}">
+                <a14:useLocalDpi xmlns:a14="http://schemas.microsoft.com/office/drawing/2010/main" val="0"/>
+              </a:ext>
+              <a:ext uri="{96DAC541-7B7A-43D3-8B79-37D633B846F1}">
+                <asvg:svgBlip xmlns:asvg="http://schemas.microsoft.com/office/drawing/2016/SVG/main" r:embed="rId5"/>
+              </a:ext>
+            </a:extLst>
+          </a:blip>
+          <a:stretch>
+            <a:fillRect/>
+          </a:stretch>
+        </p:blipFill>
+        <p:spPr>
+          <a:xfrm>
+            <a:off x="7392104" y="5966194"/>
+            <a:ext cx="360000" cy="360000"/>
+          </a:xfrm>
+          <a:prstGeom prst="rect">
+            <a:avLst/>
+          </a:prstGeom>
+        </p:spPr>
+      </p:pic>
+      <p:pic>
+        <p:nvPicPr>
+          <p:cNvPr id="11" name="Graphic 10" descr="Minimize">
+            <a:extLst>
+              <a:ext uri="{FF2B5EF4-FFF2-40B4-BE49-F238E27FC236}">
+                <a16:creationId xmlns:a16="http://schemas.microsoft.com/office/drawing/2014/main" id="{787A3D66-E702-4786-9334-AA8574247486}"/>
+              </a:ext>
+            </a:extLst>
+          </p:cNvPr>
+          <p:cNvPicPr>
+            <a:picLocks noChangeAspect="1"/>
+          </p:cNvPicPr>
+          <p:nvPr/>
+        </p:nvPicPr>
+        <p:blipFill>
+          <a:blip r:embed="rId6">
+            <a:extLst>
+              <a:ext uri="{28A0092B-C50C-407E-A947-70E740481C1C}">
+                <a14:useLocalDpi xmlns:a14="http://schemas.microsoft.com/office/drawing/2010/main" val="0"/>
+              </a:ext>
+              <a:ext uri="{96DAC541-7B7A-43D3-8B79-37D633B846F1}">
+                <asvg:svgBlip xmlns:asvg="http://schemas.microsoft.com/office/drawing/2016/SVG/main" r:embed="rId7"/>
+              </a:ext>
+            </a:extLst>
+          </a:blip>
+          <a:stretch>
+            <a:fillRect/>
+          </a:stretch>
+        </p:blipFill>
+        <p:spPr>
+          <a:xfrm>
+            <a:off x="8021859" y="5966194"/>
+            <a:ext cx="360000" cy="360000"/>
+          </a:xfrm>
+          <a:prstGeom prst="rect">
+            <a:avLst/>
+          </a:prstGeom>
+        </p:spPr>
+      </p:pic>
+      <p:pic>
+        <p:nvPicPr>
+          <p:cNvPr id="13" name="Graphic 12" descr="Tools">
+            <a:extLst>
+              <a:ext uri="{FF2B5EF4-FFF2-40B4-BE49-F238E27FC236}">
+                <a16:creationId xmlns:a16="http://schemas.microsoft.com/office/drawing/2014/main" id="{10818EE9-430A-4CC4-BD02-5BDDEF750326}"/>
+              </a:ext>
+            </a:extLst>
+          </p:cNvPr>
+          <p:cNvPicPr>
+            <a:picLocks noChangeAspect="1"/>
+          </p:cNvPicPr>
+          <p:nvPr/>
+        </p:nvPicPr>
+        <p:blipFill>
+          <a:blip r:embed="rId8">
+            <a:extLst>
+              <a:ext uri="{28A0092B-C50C-407E-A947-70E740481C1C}">
+                <a14:useLocalDpi xmlns:a14="http://schemas.microsoft.com/office/drawing/2010/main" val="0"/>
+              </a:ext>
+              <a:ext uri="{96DAC541-7B7A-43D3-8B79-37D633B846F1}">
+                <asvg:svgBlip xmlns:asvg="http://schemas.microsoft.com/office/drawing/2016/SVG/main" r:embed="rId9"/>
+              </a:ext>
+            </a:extLst>
+          </a:blip>
+          <a:stretch>
+            <a:fillRect/>
+          </a:stretch>
+        </p:blipFill>
+        <p:spPr>
+          <a:xfrm>
+            <a:off x="8651614" y="5966194"/>
+            <a:ext cx="360000" cy="360000"/>
+          </a:xfrm>
+          <a:prstGeom prst="rect">
+            <a:avLst/>
+          </a:prstGeom>
+        </p:spPr>
+      </p:pic>
+      <p:pic>
+        <p:nvPicPr>
+          <p:cNvPr id="17" name="Graphic 16" descr="Hourglass">
+            <a:extLst>
+              <a:ext uri="{FF2B5EF4-FFF2-40B4-BE49-F238E27FC236}">
+                <a16:creationId xmlns:a16="http://schemas.microsoft.com/office/drawing/2014/main" id="{2AB76BBD-A7C0-47CD-8857-DAAB96FDAC61}"/>
+              </a:ext>
+            </a:extLst>
+          </p:cNvPr>
+          <p:cNvPicPr>
+            <a:picLocks noChangeAspect="1"/>
+          </p:cNvPicPr>
+          <p:nvPr/>
+        </p:nvPicPr>
+        <p:blipFill>
+          <a:blip r:embed="rId10">
+            <a:extLst>
+              <a:ext uri="{28A0092B-C50C-407E-A947-70E740481C1C}">
+                <a14:useLocalDpi xmlns:a14="http://schemas.microsoft.com/office/drawing/2010/main" val="0"/>
+              </a:ext>
+              <a:ext uri="{96DAC541-7B7A-43D3-8B79-37D633B846F1}">
+                <asvg:svgBlip xmlns:asvg="http://schemas.microsoft.com/office/drawing/2016/SVG/main" r:embed="rId11"/>
+              </a:ext>
+            </a:extLst>
+          </a:blip>
+          <a:stretch>
+            <a:fillRect/>
+          </a:stretch>
+        </p:blipFill>
+        <p:spPr>
+          <a:xfrm>
+            <a:off x="9281369" y="5966194"/>
+            <a:ext cx="360000" cy="360000"/>
+          </a:xfrm>
+          <a:prstGeom prst="rect">
+            <a:avLst/>
+          </a:prstGeom>
+        </p:spPr>
+      </p:pic>
+      <p:pic>
+        <p:nvPicPr>
+          <p:cNvPr id="19" name="Graphic 18" descr="Eye">
+            <a:extLst>
+              <a:ext uri="{FF2B5EF4-FFF2-40B4-BE49-F238E27FC236}">
+                <a16:creationId xmlns:a16="http://schemas.microsoft.com/office/drawing/2014/main" id="{2C9D18F4-DF60-4C50-9850-912CD1CB918E}"/>
+              </a:ext>
+            </a:extLst>
+          </p:cNvPr>
+          <p:cNvPicPr>
+            <a:picLocks noChangeAspect="1"/>
+          </p:cNvPicPr>
+          <p:nvPr/>
+        </p:nvPicPr>
+        <p:blipFill>
+          <a:blip r:embed="rId12">
+            <a:extLst>
+              <a:ext uri="{28A0092B-C50C-407E-A947-70E740481C1C}">
+                <a14:useLocalDpi xmlns:a14="http://schemas.microsoft.com/office/drawing/2010/main" val="0"/>
+              </a:ext>
+              <a:ext uri="{96DAC541-7B7A-43D3-8B79-37D633B846F1}">
+                <asvg:svgBlip xmlns:asvg="http://schemas.microsoft.com/office/drawing/2016/SVG/main" r:embed="rId13"/>
+              </a:ext>
+            </a:extLst>
+          </a:blip>
+          <a:stretch>
+            <a:fillRect/>
+          </a:stretch>
+        </p:blipFill>
+        <p:spPr>
+          <a:xfrm>
+            <a:off x="9911124" y="5966194"/>
+            <a:ext cx="360000" cy="360000"/>
+          </a:xfrm>
+          <a:prstGeom prst="rect">
+            <a:avLst/>
+          </a:prstGeom>
+        </p:spPr>
+      </p:pic>
+      <p:pic>
+        <p:nvPicPr>
+          <p:cNvPr id="21" name="Graphic 20" descr="Piggy Bank">
+            <a:extLst>
+              <a:ext uri="{FF2B5EF4-FFF2-40B4-BE49-F238E27FC236}">
+                <a16:creationId xmlns:a16="http://schemas.microsoft.com/office/drawing/2014/main" id="{1EAAFDD7-270D-40BB-B235-F2B7DF98EC72}"/>
+              </a:ext>
+            </a:extLst>
+          </p:cNvPr>
+          <p:cNvPicPr>
+            <a:picLocks noChangeAspect="1"/>
+          </p:cNvPicPr>
+          <p:nvPr/>
+        </p:nvPicPr>
+        <p:blipFill>
+          <a:blip r:embed="rId14">
+            <a:extLst>
+              <a:ext uri="{28A0092B-C50C-407E-A947-70E740481C1C}">
+                <a14:useLocalDpi xmlns:a14="http://schemas.microsoft.com/office/drawing/2010/main" val="0"/>
+              </a:ext>
+              <a:ext uri="{96DAC541-7B7A-43D3-8B79-37D633B846F1}">
+                <asvg:svgBlip xmlns:asvg="http://schemas.microsoft.com/office/drawing/2016/SVG/main" r:embed="rId15"/>
+              </a:ext>
+            </a:extLst>
+          </a:blip>
+          <a:stretch>
+            <a:fillRect/>
+          </a:stretch>
+        </p:blipFill>
+        <p:spPr>
+          <a:xfrm>
+            <a:off x="10540878" y="5966194"/>
+            <a:ext cx="360000" cy="360000"/>
+          </a:xfrm>
+          <a:prstGeom prst="rect">
+            <a:avLst/>
+          </a:prstGeom>
+        </p:spPr>
+      </p:pic>
+    </p:spTree>
+    <p:extLst>
+      <p:ext uri="{BB962C8B-B14F-4D97-AF65-F5344CB8AC3E}">
+        <p14:creationId xmlns:p14="http://schemas.microsoft.com/office/powerpoint/2010/main" val="1764059947"/>
+      </p:ext>
+    </p:extLst>
+  </p:cSld>
+  <p:clrMapOvr>
+    <a:masterClrMapping/>
+  </p:clrMapOvr>
+</p:sld>
+</file>
+
+<file path=ppt/slides/slide14.xml><?xml version="1.0" encoding="utf-8"?>
+<p:sld xmlns:a="http://schemas.openxmlformats.org/drawingml/2006/main" xmlns:r="http://schemas.openxmlformats.org/officeDocument/2006/relationships" xmlns:p="http://schemas.openxmlformats.org/presentationml/2006/main">
+  <p:cSld>
+    <p:bg>
+      <p:bgPr>
+        <a:solidFill>
+          <a:srgbClr val="2F3742"/>
+        </a:solidFill>
+        <a:effectLst/>
+      </p:bgPr>
+    </p:bg>
+    <p:spTree>
+      <p:nvGrpSpPr>
+        <p:cNvPr id="1" name=""/>
+        <p:cNvGrpSpPr/>
+        <p:nvPr/>
+      </p:nvGrpSpPr>
+      <p:grpSpPr>
+        <a:xfrm>
+          <a:off x="0" y="0"/>
+          <a:ext cx="0" cy="0"/>
+          <a:chOff x="0" y="0"/>
+          <a:chExt cx="0" cy="0"/>
+        </a:xfrm>
+      </p:grpSpPr>
+      <p:sp>
+        <p:nvSpPr>
+          <p:cNvPr id="2" name="Title 1">
+            <a:extLst>
+              <a:ext uri="{FF2B5EF4-FFF2-40B4-BE49-F238E27FC236}">
+                <a16:creationId xmlns:a16="http://schemas.microsoft.com/office/drawing/2014/main" id="{FF21E304-E4E0-438B-AB07-1B8DC03AFC6F}"/>
+              </a:ext>
+            </a:extLst>
+          </p:cNvPr>
+          <p:cNvSpPr>
+            <a:spLocks noGrp="1"/>
+          </p:cNvSpPr>
+          <p:nvPr>
+            <p:ph type="ctrTitle"/>
+          </p:nvPr>
+        </p:nvSpPr>
+        <p:spPr>
+          <a:xfrm>
+            <a:off x="436202" y="5632449"/>
+            <a:ext cx="6136048" cy="928045"/>
+          </a:xfrm>
+        </p:spPr>
+        <p:txBody>
+          <a:bodyPr>
+            <a:normAutofit fontScale="90000"/>
+          </a:bodyPr>
+          <a:lstStyle/>
+          <a:p>
+            <a:pPr algn="l">
+              <a:lnSpc>
+                <a:spcPct val="150000"/>
+              </a:lnSpc>
+            </a:pPr>
+            <a:r>
+              <a:rPr lang="en-SG" dirty="0">
+                <a:gradFill flip="none" rotWithShape="1">
+                  <a:gsLst>
+                    <a:gs pos="0">
+                      <a:srgbClr val="35609A"/>
+                    </a:gs>
+                    <a:gs pos="100000">
+                      <a:srgbClr val="EC343F"/>
+                    </a:gs>
+                  </a:gsLst>
+                  <a:lin ang="0" scaled="1"/>
+                  <a:tileRect/>
+                </a:gradFill>
+                <a:latin typeface="Gotham Black" panose="02000603040000020004" pitchFamily="2" charset="0"/>
+              </a:rPr>
+              <a:t>MODELLING</a:t>
+            </a:r>
+            <a:endParaRPr lang="en-SG" dirty="0">
+              <a:gradFill>
+                <a:gsLst>
+                  <a:gs pos="0">
+                    <a:srgbClr val="35609A"/>
+                  </a:gs>
+                  <a:gs pos="100000">
+                    <a:srgbClr val="EC343F"/>
+                  </a:gs>
+                </a:gsLst>
+                <a:lin ang="0" scaled="1"/>
+              </a:gradFill>
+              <a:latin typeface="Gotham Black" panose="02000603040000020004" pitchFamily="2" charset="0"/>
+            </a:endParaRPr>
+          </a:p>
+        </p:txBody>
+      </p:sp>
+      <p:pic>
+        <p:nvPicPr>
+          <p:cNvPr id="7" name="Graphic 6" descr="Mop and bucket">
+            <a:extLst>
+              <a:ext uri="{FF2B5EF4-FFF2-40B4-BE49-F238E27FC236}">
+                <a16:creationId xmlns:a16="http://schemas.microsoft.com/office/drawing/2014/main" id="{0F454814-B50C-4698-B6C0-6DE90A930257}"/>
+              </a:ext>
+            </a:extLst>
+          </p:cNvPr>
+          <p:cNvPicPr>
+            <a:picLocks noChangeAspect="1"/>
+          </p:cNvPicPr>
+          <p:nvPr/>
+        </p:nvPicPr>
+        <p:blipFill>
+          <a:blip r:embed="rId2">
+            <a:extLst>
+              <a:ext uri="{28A0092B-C50C-407E-A947-70E740481C1C}">
+                <a14:useLocalDpi xmlns:a14="http://schemas.microsoft.com/office/drawing/2010/main" val="0"/>
+              </a:ext>
+              <a:ext uri="{96DAC541-7B7A-43D3-8B79-37D633B846F1}">
+                <asvg:svgBlip xmlns:asvg="http://schemas.microsoft.com/office/drawing/2016/SVG/main" r:embed="rId3"/>
+              </a:ext>
+            </a:extLst>
+          </a:blip>
+          <a:stretch>
+            <a:fillRect/>
+          </a:stretch>
+        </p:blipFill>
+        <p:spPr>
+          <a:xfrm>
+            <a:off x="6762349" y="5966194"/>
+            <a:ext cx="360000" cy="360000"/>
+          </a:xfrm>
+          <a:prstGeom prst="rect">
+            <a:avLst/>
+          </a:prstGeom>
+        </p:spPr>
+      </p:pic>
+      <p:pic>
+        <p:nvPicPr>
+          <p:cNvPr id="9" name="Graphic 8" descr="Research">
+            <a:extLst>
+              <a:ext uri="{FF2B5EF4-FFF2-40B4-BE49-F238E27FC236}">
+                <a16:creationId xmlns:a16="http://schemas.microsoft.com/office/drawing/2014/main" id="{4484A587-4DE2-4E0E-BD31-1E5371FF1617}"/>
+              </a:ext>
+            </a:extLst>
+          </p:cNvPr>
+          <p:cNvPicPr>
+            <a:picLocks noChangeAspect="1"/>
+          </p:cNvPicPr>
+          <p:nvPr/>
+        </p:nvPicPr>
+        <p:blipFill>
+          <a:blip r:embed="rId4">
+            <a:extLst>
+              <a:ext uri="{28A0092B-C50C-407E-A947-70E740481C1C}">
+                <a14:useLocalDpi xmlns:a14="http://schemas.microsoft.com/office/drawing/2010/main" val="0"/>
+              </a:ext>
+              <a:ext uri="{96DAC541-7B7A-43D3-8B79-37D633B846F1}">
+                <asvg:svgBlip xmlns:asvg="http://schemas.microsoft.com/office/drawing/2016/SVG/main" r:embed="rId5"/>
+              </a:ext>
+            </a:extLst>
+          </a:blip>
+          <a:stretch>
+            <a:fillRect/>
+          </a:stretch>
+        </p:blipFill>
+        <p:spPr>
+          <a:xfrm>
+            <a:off x="7392104" y="5966194"/>
+            <a:ext cx="360000" cy="360000"/>
+          </a:xfrm>
+          <a:prstGeom prst="rect">
+            <a:avLst/>
+          </a:prstGeom>
+        </p:spPr>
+      </p:pic>
+      <p:pic>
+        <p:nvPicPr>
+          <p:cNvPr id="11" name="Graphic 10" descr="Minimize">
+            <a:extLst>
+              <a:ext uri="{FF2B5EF4-FFF2-40B4-BE49-F238E27FC236}">
+                <a16:creationId xmlns:a16="http://schemas.microsoft.com/office/drawing/2014/main" id="{787A3D66-E702-4786-9334-AA8574247486}"/>
+              </a:ext>
+            </a:extLst>
+          </p:cNvPr>
+          <p:cNvPicPr>
+            <a:picLocks noChangeAspect="1"/>
+          </p:cNvPicPr>
+          <p:nvPr/>
+        </p:nvPicPr>
+        <p:blipFill>
+          <a:blip r:embed="rId6">
+            <a:extLst>
+              <a:ext uri="{28A0092B-C50C-407E-A947-70E740481C1C}">
+                <a14:useLocalDpi xmlns:a14="http://schemas.microsoft.com/office/drawing/2010/main" val="0"/>
+              </a:ext>
+              <a:ext uri="{96DAC541-7B7A-43D3-8B79-37D633B846F1}">
+                <asvg:svgBlip xmlns:asvg="http://schemas.microsoft.com/office/drawing/2016/SVG/main" r:embed="rId7"/>
+              </a:ext>
+            </a:extLst>
+          </a:blip>
+          <a:stretch>
+            <a:fillRect/>
+          </a:stretch>
+        </p:blipFill>
+        <p:spPr>
+          <a:xfrm>
+            <a:off x="8021859" y="5966194"/>
+            <a:ext cx="360000" cy="360000"/>
+          </a:xfrm>
+          <a:prstGeom prst="rect">
+            <a:avLst/>
+          </a:prstGeom>
+        </p:spPr>
+      </p:pic>
+      <p:pic>
+        <p:nvPicPr>
+          <p:cNvPr id="13" name="Graphic 12" descr="Tools">
+            <a:extLst>
+              <a:ext uri="{FF2B5EF4-FFF2-40B4-BE49-F238E27FC236}">
+                <a16:creationId xmlns:a16="http://schemas.microsoft.com/office/drawing/2014/main" id="{10818EE9-430A-4CC4-BD02-5BDDEF750326}"/>
+              </a:ext>
+            </a:extLst>
+          </p:cNvPr>
+          <p:cNvPicPr>
+            <a:picLocks noChangeAspect="1"/>
+          </p:cNvPicPr>
+          <p:nvPr/>
+        </p:nvPicPr>
+        <p:blipFill>
+          <a:blip r:embed="rId8">
+            <a:extLst>
+              <a:ext uri="{28A0092B-C50C-407E-A947-70E740481C1C}">
+                <a14:useLocalDpi xmlns:a14="http://schemas.microsoft.com/office/drawing/2010/main" val="0"/>
+              </a:ext>
+              <a:ext uri="{96DAC541-7B7A-43D3-8B79-37D633B846F1}">
+                <asvg:svgBlip xmlns:asvg="http://schemas.microsoft.com/office/drawing/2016/SVG/main" r:embed="rId9"/>
+              </a:ext>
+            </a:extLst>
+          </a:blip>
+          <a:stretch>
+            <a:fillRect/>
+          </a:stretch>
+        </p:blipFill>
+        <p:spPr>
+          <a:xfrm>
+            <a:off x="8651614" y="5966194"/>
+            <a:ext cx="360000" cy="360000"/>
+          </a:xfrm>
+          <a:prstGeom prst="rect">
+            <a:avLst/>
+          </a:prstGeom>
+        </p:spPr>
+      </p:pic>
+      <p:pic>
+        <p:nvPicPr>
+          <p:cNvPr id="17" name="Graphic 16" descr="Hourglass">
+            <a:extLst>
+              <a:ext uri="{FF2B5EF4-FFF2-40B4-BE49-F238E27FC236}">
+                <a16:creationId xmlns:a16="http://schemas.microsoft.com/office/drawing/2014/main" id="{2AB76BBD-A7C0-47CD-8857-DAAB96FDAC61}"/>
+              </a:ext>
+            </a:extLst>
+          </p:cNvPr>
+          <p:cNvPicPr>
+            <a:picLocks noChangeAspect="1"/>
+          </p:cNvPicPr>
+          <p:nvPr/>
+        </p:nvPicPr>
+        <p:blipFill>
+          <a:blip r:embed="rId10">
+            <a:extLst>
+              <a:ext uri="{28A0092B-C50C-407E-A947-70E740481C1C}">
+                <a14:useLocalDpi xmlns:a14="http://schemas.microsoft.com/office/drawing/2010/main" val="0"/>
+              </a:ext>
+              <a:ext uri="{96DAC541-7B7A-43D3-8B79-37D633B846F1}">
+                <asvg:svgBlip xmlns:asvg="http://schemas.microsoft.com/office/drawing/2016/SVG/main" r:embed="rId11"/>
+              </a:ext>
+            </a:extLst>
+          </a:blip>
+          <a:stretch>
+            <a:fillRect/>
+          </a:stretch>
+        </p:blipFill>
+        <p:spPr>
+          <a:xfrm>
+            <a:off x="9281369" y="5966194"/>
+            <a:ext cx="360000" cy="360000"/>
+          </a:xfrm>
+          <a:prstGeom prst="rect">
+            <a:avLst/>
+          </a:prstGeom>
+        </p:spPr>
+      </p:pic>
+      <p:pic>
+        <p:nvPicPr>
+          <p:cNvPr id="19" name="Graphic 18" descr="Eye">
+            <a:extLst>
+              <a:ext uri="{FF2B5EF4-FFF2-40B4-BE49-F238E27FC236}">
+                <a16:creationId xmlns:a16="http://schemas.microsoft.com/office/drawing/2014/main" id="{2C9D18F4-DF60-4C50-9850-912CD1CB918E}"/>
+              </a:ext>
+            </a:extLst>
+          </p:cNvPr>
+          <p:cNvPicPr>
+            <a:picLocks noChangeAspect="1"/>
+          </p:cNvPicPr>
+          <p:nvPr/>
+        </p:nvPicPr>
+        <p:blipFill>
+          <a:blip r:embed="rId12">
+            <a:extLst>
+              <a:ext uri="{28A0092B-C50C-407E-A947-70E740481C1C}">
+                <a14:useLocalDpi xmlns:a14="http://schemas.microsoft.com/office/drawing/2010/main" val="0"/>
+              </a:ext>
+              <a:ext uri="{96DAC541-7B7A-43D3-8B79-37D633B846F1}">
+                <asvg:svgBlip xmlns:asvg="http://schemas.microsoft.com/office/drawing/2016/SVG/main" r:embed="rId13"/>
+              </a:ext>
+            </a:extLst>
+          </a:blip>
+          <a:stretch>
+            <a:fillRect/>
+          </a:stretch>
+        </p:blipFill>
+        <p:spPr>
+          <a:xfrm>
+            <a:off x="9911124" y="5966194"/>
+            <a:ext cx="360000" cy="360000"/>
+          </a:xfrm>
+          <a:prstGeom prst="rect">
+            <a:avLst/>
+          </a:prstGeom>
+        </p:spPr>
+      </p:pic>
+      <p:pic>
+        <p:nvPicPr>
+          <p:cNvPr id="21" name="Graphic 20" descr="Piggy Bank">
+            <a:extLst>
+              <a:ext uri="{FF2B5EF4-FFF2-40B4-BE49-F238E27FC236}">
+                <a16:creationId xmlns:a16="http://schemas.microsoft.com/office/drawing/2014/main" id="{1EAAFDD7-270D-40BB-B235-F2B7DF98EC72}"/>
+              </a:ext>
+            </a:extLst>
+          </p:cNvPr>
+          <p:cNvPicPr>
+            <a:picLocks noChangeAspect="1"/>
+          </p:cNvPicPr>
+          <p:nvPr/>
+        </p:nvPicPr>
+        <p:blipFill>
+          <a:blip r:embed="rId14">
+            <a:extLst>
+              <a:ext uri="{28A0092B-C50C-407E-A947-70E740481C1C}">
+                <a14:useLocalDpi xmlns:a14="http://schemas.microsoft.com/office/drawing/2010/main" val="0"/>
+              </a:ext>
+              <a:ext uri="{96DAC541-7B7A-43D3-8B79-37D633B846F1}">
+                <asvg:svgBlip xmlns:asvg="http://schemas.microsoft.com/office/drawing/2016/SVG/main" r:embed="rId15"/>
+              </a:ext>
+            </a:extLst>
+          </a:blip>
+          <a:stretch>
+            <a:fillRect/>
+          </a:stretch>
+        </p:blipFill>
+        <p:spPr>
+          <a:xfrm>
+            <a:off x="10540878" y="5966194"/>
+            <a:ext cx="360000" cy="360000"/>
+          </a:xfrm>
+          <a:prstGeom prst="rect">
+            <a:avLst/>
+          </a:prstGeom>
+        </p:spPr>
+      </p:pic>
+    </p:spTree>
+    <p:extLst>
+      <p:ext uri="{BB962C8B-B14F-4D97-AF65-F5344CB8AC3E}">
+        <p14:creationId xmlns:p14="http://schemas.microsoft.com/office/powerpoint/2010/main" val="130660112"/>
+      </p:ext>
+    </p:extLst>
+  </p:cSld>
+  <p:clrMapOvr>
+    <a:masterClrMapping/>
+  </p:clrMapOvr>
+</p:sld>
+</file>
+
+<file path=ppt/slides/slide15.xml><?xml version="1.0" encoding="utf-8"?>
+<p:sld xmlns:a="http://schemas.openxmlformats.org/drawingml/2006/main" xmlns:r="http://schemas.openxmlformats.org/officeDocument/2006/relationships" xmlns:p="http://schemas.openxmlformats.org/presentationml/2006/main">
+  <p:cSld>
+    <p:bg>
+      <p:bgPr>
+        <a:solidFill>
+          <a:srgbClr val="2F3742"/>
+        </a:solidFill>
+        <a:effectLst/>
+      </p:bgPr>
+    </p:bg>
+    <p:spTree>
+      <p:nvGrpSpPr>
+        <p:cNvPr id="1" name=""/>
+        <p:cNvGrpSpPr/>
+        <p:nvPr/>
+      </p:nvGrpSpPr>
+      <p:grpSpPr>
+        <a:xfrm>
+          <a:off x="0" y="0"/>
+          <a:ext cx="0" cy="0"/>
+          <a:chOff x="0" y="0"/>
+          <a:chExt cx="0" cy="0"/>
+        </a:xfrm>
+      </p:grpSpPr>
+      <p:sp>
+        <p:nvSpPr>
+          <p:cNvPr id="2" name="Title 1">
+            <a:extLst>
+              <a:ext uri="{FF2B5EF4-FFF2-40B4-BE49-F238E27FC236}">
+                <a16:creationId xmlns:a16="http://schemas.microsoft.com/office/drawing/2014/main" id="{FF21E304-E4E0-438B-AB07-1B8DC03AFC6F}"/>
+              </a:ext>
+            </a:extLst>
+          </p:cNvPr>
+          <p:cNvSpPr>
+            <a:spLocks noGrp="1"/>
+          </p:cNvSpPr>
+          <p:nvPr>
+            <p:ph type="ctrTitle"/>
+          </p:nvPr>
+        </p:nvSpPr>
+        <p:spPr>
+          <a:xfrm>
+            <a:off x="436202" y="5632449"/>
+            <a:ext cx="6136048" cy="928045"/>
+          </a:xfrm>
+        </p:spPr>
+        <p:txBody>
+          <a:bodyPr>
+            <a:normAutofit fontScale="90000"/>
+          </a:bodyPr>
+          <a:lstStyle/>
+          <a:p>
+            <a:pPr algn="l">
+              <a:lnSpc>
+                <a:spcPct val="150000"/>
+              </a:lnSpc>
+            </a:pPr>
+            <a:r>
+              <a:rPr lang="en-SG" dirty="0">
+                <a:gradFill flip="none" rotWithShape="1">
+                  <a:gsLst>
+                    <a:gs pos="0">
+                      <a:srgbClr val="35609A"/>
+                    </a:gs>
+                    <a:gs pos="100000">
+                      <a:srgbClr val="EC343F"/>
+                    </a:gs>
+                  </a:gsLst>
+                  <a:lin ang="0" scaled="1"/>
+                  <a:tileRect/>
+                </a:gradFill>
+                <a:latin typeface="Gotham Black" panose="02000603040000020004" pitchFamily="2" charset="0"/>
+              </a:rPr>
+              <a:t>VALIDATION</a:t>
+            </a:r>
+            <a:endParaRPr lang="en-SG" dirty="0">
+              <a:gradFill>
+                <a:gsLst>
+                  <a:gs pos="0">
+                    <a:srgbClr val="35609A"/>
+                  </a:gs>
+                  <a:gs pos="100000">
+                    <a:srgbClr val="EC343F"/>
+                  </a:gs>
+                </a:gsLst>
+                <a:lin ang="0" scaled="1"/>
+              </a:gradFill>
+              <a:latin typeface="Gotham Black" panose="02000603040000020004" pitchFamily="2" charset="0"/>
+            </a:endParaRPr>
+          </a:p>
+        </p:txBody>
+      </p:sp>
+      <p:pic>
+        <p:nvPicPr>
+          <p:cNvPr id="7" name="Graphic 6" descr="Mop and bucket">
+            <a:extLst>
+              <a:ext uri="{FF2B5EF4-FFF2-40B4-BE49-F238E27FC236}">
+                <a16:creationId xmlns:a16="http://schemas.microsoft.com/office/drawing/2014/main" id="{0F454814-B50C-4698-B6C0-6DE90A930257}"/>
+              </a:ext>
+            </a:extLst>
+          </p:cNvPr>
+          <p:cNvPicPr>
+            <a:picLocks noChangeAspect="1"/>
+          </p:cNvPicPr>
+          <p:nvPr/>
+        </p:nvPicPr>
+        <p:blipFill>
+          <a:blip r:embed="rId2">
+            <a:extLst>
+              <a:ext uri="{28A0092B-C50C-407E-A947-70E740481C1C}">
+                <a14:useLocalDpi xmlns:a14="http://schemas.microsoft.com/office/drawing/2010/main" val="0"/>
+              </a:ext>
+              <a:ext uri="{96DAC541-7B7A-43D3-8B79-37D633B846F1}">
+                <asvg:svgBlip xmlns:asvg="http://schemas.microsoft.com/office/drawing/2016/SVG/main" r:embed="rId3"/>
+              </a:ext>
+            </a:extLst>
+          </a:blip>
+          <a:stretch>
+            <a:fillRect/>
+          </a:stretch>
+        </p:blipFill>
+        <p:spPr>
+          <a:xfrm>
+            <a:off x="6762349" y="5966194"/>
+            <a:ext cx="360000" cy="360000"/>
+          </a:xfrm>
+          <a:prstGeom prst="rect">
+            <a:avLst/>
+          </a:prstGeom>
+        </p:spPr>
+      </p:pic>
+      <p:pic>
+        <p:nvPicPr>
+          <p:cNvPr id="9" name="Graphic 8" descr="Research">
+            <a:extLst>
+              <a:ext uri="{FF2B5EF4-FFF2-40B4-BE49-F238E27FC236}">
+                <a16:creationId xmlns:a16="http://schemas.microsoft.com/office/drawing/2014/main" id="{4484A587-4DE2-4E0E-BD31-1E5371FF1617}"/>
+              </a:ext>
+            </a:extLst>
+          </p:cNvPr>
+          <p:cNvPicPr>
+            <a:picLocks noChangeAspect="1"/>
+          </p:cNvPicPr>
+          <p:nvPr/>
+        </p:nvPicPr>
+        <p:blipFill>
+          <a:blip r:embed="rId4">
+            <a:extLst>
+              <a:ext uri="{28A0092B-C50C-407E-A947-70E740481C1C}">
+                <a14:useLocalDpi xmlns:a14="http://schemas.microsoft.com/office/drawing/2010/main" val="0"/>
+              </a:ext>
+              <a:ext uri="{96DAC541-7B7A-43D3-8B79-37D633B846F1}">
+                <asvg:svgBlip xmlns:asvg="http://schemas.microsoft.com/office/drawing/2016/SVG/main" r:embed="rId5"/>
+              </a:ext>
+            </a:extLst>
+          </a:blip>
+          <a:stretch>
+            <a:fillRect/>
+          </a:stretch>
+        </p:blipFill>
+        <p:spPr>
+          <a:xfrm>
+            <a:off x="7392104" y="5966194"/>
+            <a:ext cx="360000" cy="360000"/>
+          </a:xfrm>
+          <a:prstGeom prst="rect">
+            <a:avLst/>
+          </a:prstGeom>
+        </p:spPr>
+      </p:pic>
+      <p:pic>
+        <p:nvPicPr>
+          <p:cNvPr id="11" name="Graphic 10" descr="Minimize">
+            <a:extLst>
+              <a:ext uri="{FF2B5EF4-FFF2-40B4-BE49-F238E27FC236}">
+                <a16:creationId xmlns:a16="http://schemas.microsoft.com/office/drawing/2014/main" id="{787A3D66-E702-4786-9334-AA8574247486}"/>
+              </a:ext>
+            </a:extLst>
+          </p:cNvPr>
+          <p:cNvPicPr>
+            <a:picLocks noChangeAspect="1"/>
+          </p:cNvPicPr>
+          <p:nvPr/>
+        </p:nvPicPr>
+        <p:blipFill>
+          <a:blip r:embed="rId6">
+            <a:extLst>
+              <a:ext uri="{28A0092B-C50C-407E-A947-70E740481C1C}">
+                <a14:useLocalDpi xmlns:a14="http://schemas.microsoft.com/office/drawing/2010/main" val="0"/>
+              </a:ext>
+              <a:ext uri="{96DAC541-7B7A-43D3-8B79-37D633B846F1}">
+                <asvg:svgBlip xmlns:asvg="http://schemas.microsoft.com/office/drawing/2016/SVG/main" r:embed="rId7"/>
+              </a:ext>
+            </a:extLst>
+          </a:blip>
+          <a:stretch>
+            <a:fillRect/>
+          </a:stretch>
+        </p:blipFill>
+        <p:spPr>
+          <a:xfrm>
+            <a:off x="8021859" y="5966194"/>
+            <a:ext cx="360000" cy="360000"/>
+          </a:xfrm>
+          <a:prstGeom prst="rect">
+            <a:avLst/>
+          </a:prstGeom>
+        </p:spPr>
+      </p:pic>
+      <p:pic>
+        <p:nvPicPr>
+          <p:cNvPr id="13" name="Graphic 12" descr="Tools">
+            <a:extLst>
+              <a:ext uri="{FF2B5EF4-FFF2-40B4-BE49-F238E27FC236}">
+                <a16:creationId xmlns:a16="http://schemas.microsoft.com/office/drawing/2014/main" id="{10818EE9-430A-4CC4-BD02-5BDDEF750326}"/>
+              </a:ext>
+            </a:extLst>
+          </p:cNvPr>
+          <p:cNvPicPr>
+            <a:picLocks noChangeAspect="1"/>
+          </p:cNvPicPr>
+          <p:nvPr/>
+        </p:nvPicPr>
+        <p:blipFill>
+          <a:blip r:embed="rId8">
+            <a:extLst>
+              <a:ext uri="{28A0092B-C50C-407E-A947-70E740481C1C}">
+                <a14:useLocalDpi xmlns:a14="http://schemas.microsoft.com/office/drawing/2010/main" val="0"/>
+              </a:ext>
+              <a:ext uri="{96DAC541-7B7A-43D3-8B79-37D633B846F1}">
+                <asvg:svgBlip xmlns:asvg="http://schemas.microsoft.com/office/drawing/2016/SVG/main" r:embed="rId9"/>
+              </a:ext>
+            </a:extLst>
+          </a:blip>
+          <a:stretch>
+            <a:fillRect/>
+          </a:stretch>
+        </p:blipFill>
+        <p:spPr>
+          <a:xfrm>
+            <a:off x="8651614" y="5966194"/>
+            <a:ext cx="360000" cy="360000"/>
+          </a:xfrm>
+          <a:prstGeom prst="rect">
+            <a:avLst/>
+          </a:prstGeom>
+        </p:spPr>
+      </p:pic>
+      <p:pic>
+        <p:nvPicPr>
+          <p:cNvPr id="17" name="Graphic 16" descr="Hourglass">
+            <a:extLst>
+              <a:ext uri="{FF2B5EF4-FFF2-40B4-BE49-F238E27FC236}">
+                <a16:creationId xmlns:a16="http://schemas.microsoft.com/office/drawing/2014/main" id="{2AB76BBD-A7C0-47CD-8857-DAAB96FDAC61}"/>
+              </a:ext>
+            </a:extLst>
+          </p:cNvPr>
+          <p:cNvPicPr>
+            <a:picLocks noChangeAspect="1"/>
+          </p:cNvPicPr>
+          <p:nvPr/>
+        </p:nvPicPr>
+        <p:blipFill>
+          <a:blip r:embed="rId10">
+            <a:extLst>
+              <a:ext uri="{28A0092B-C50C-407E-A947-70E740481C1C}">
+                <a14:useLocalDpi xmlns:a14="http://schemas.microsoft.com/office/drawing/2010/main" val="0"/>
+              </a:ext>
+              <a:ext uri="{96DAC541-7B7A-43D3-8B79-37D633B846F1}">
+                <asvg:svgBlip xmlns:asvg="http://schemas.microsoft.com/office/drawing/2016/SVG/main" r:embed="rId11"/>
+              </a:ext>
+            </a:extLst>
+          </a:blip>
+          <a:stretch>
+            <a:fillRect/>
+          </a:stretch>
+        </p:blipFill>
+        <p:spPr>
+          <a:xfrm>
+            <a:off x="9281369" y="5966194"/>
+            <a:ext cx="360000" cy="360000"/>
+          </a:xfrm>
+          <a:prstGeom prst="rect">
+            <a:avLst/>
+          </a:prstGeom>
+        </p:spPr>
+      </p:pic>
+      <p:pic>
+        <p:nvPicPr>
+          <p:cNvPr id="19" name="Graphic 18" descr="Eye">
+            <a:extLst>
+              <a:ext uri="{FF2B5EF4-FFF2-40B4-BE49-F238E27FC236}">
+                <a16:creationId xmlns:a16="http://schemas.microsoft.com/office/drawing/2014/main" id="{2C9D18F4-DF60-4C50-9850-912CD1CB918E}"/>
+              </a:ext>
+            </a:extLst>
+          </p:cNvPr>
+          <p:cNvPicPr>
+            <a:picLocks noChangeAspect="1"/>
+          </p:cNvPicPr>
+          <p:nvPr/>
+        </p:nvPicPr>
+        <p:blipFill>
+          <a:blip r:embed="rId12">
+            <a:extLst>
+              <a:ext uri="{28A0092B-C50C-407E-A947-70E740481C1C}">
+                <a14:useLocalDpi xmlns:a14="http://schemas.microsoft.com/office/drawing/2010/main" val="0"/>
+              </a:ext>
+              <a:ext uri="{96DAC541-7B7A-43D3-8B79-37D633B846F1}">
+                <asvg:svgBlip xmlns:asvg="http://schemas.microsoft.com/office/drawing/2016/SVG/main" r:embed="rId13"/>
+              </a:ext>
+            </a:extLst>
+          </a:blip>
+          <a:stretch>
+            <a:fillRect/>
+          </a:stretch>
+        </p:blipFill>
+        <p:spPr>
+          <a:xfrm>
+            <a:off x="9911124" y="5966194"/>
+            <a:ext cx="360000" cy="360000"/>
+          </a:xfrm>
+          <a:prstGeom prst="rect">
+            <a:avLst/>
+          </a:prstGeom>
+        </p:spPr>
+      </p:pic>
+      <p:pic>
+        <p:nvPicPr>
+          <p:cNvPr id="21" name="Graphic 20" descr="Piggy Bank">
+            <a:extLst>
+              <a:ext uri="{FF2B5EF4-FFF2-40B4-BE49-F238E27FC236}">
+                <a16:creationId xmlns:a16="http://schemas.microsoft.com/office/drawing/2014/main" id="{1EAAFDD7-270D-40BB-B235-F2B7DF98EC72}"/>
+              </a:ext>
+            </a:extLst>
+          </p:cNvPr>
+          <p:cNvPicPr>
+            <a:picLocks noChangeAspect="1"/>
+          </p:cNvPicPr>
+          <p:nvPr/>
+        </p:nvPicPr>
+        <p:blipFill>
+          <a:blip r:embed="rId14">
+            <a:extLst>
+              <a:ext uri="{28A0092B-C50C-407E-A947-70E740481C1C}">
+                <a14:useLocalDpi xmlns:a14="http://schemas.microsoft.com/office/drawing/2010/main" val="0"/>
+              </a:ext>
+              <a:ext uri="{96DAC541-7B7A-43D3-8B79-37D633B846F1}">
+                <asvg:svgBlip xmlns:asvg="http://schemas.microsoft.com/office/drawing/2016/SVG/main" r:embed="rId15"/>
+              </a:ext>
+            </a:extLst>
+          </a:blip>
+          <a:stretch>
+            <a:fillRect/>
+          </a:stretch>
+        </p:blipFill>
+        <p:spPr>
+          <a:xfrm>
+            <a:off x="10540878" y="5966194"/>
+            <a:ext cx="360000" cy="360000"/>
+          </a:xfrm>
+          <a:prstGeom prst="rect">
+            <a:avLst/>
+          </a:prstGeom>
+        </p:spPr>
+      </p:pic>
+    </p:spTree>
+    <p:extLst>
+      <p:ext uri="{BB962C8B-B14F-4D97-AF65-F5344CB8AC3E}">
+        <p14:creationId xmlns:p14="http://schemas.microsoft.com/office/powerpoint/2010/main" val="1595663936"/>
+      </p:ext>
+    </p:extLst>
+  </p:cSld>
+  <p:clrMapOvr>
+    <a:masterClrMapping/>
+  </p:clrMapOvr>
+</p:sld>
+</file>
+
+<file path=ppt/slides/slide16.xml><?xml version="1.0" encoding="utf-8"?>
+<p:sld xmlns:a="http://schemas.openxmlformats.org/drawingml/2006/main" xmlns:r="http://schemas.openxmlformats.org/officeDocument/2006/relationships" xmlns:p="http://schemas.openxmlformats.org/presentationml/2006/main">
+  <p:cSld>
+    <p:bg>
+      <p:bgPr>
+        <a:solidFill>
+          <a:srgbClr val="2F3742"/>
+        </a:solidFill>
+        <a:effectLst/>
+      </p:bgPr>
+    </p:bg>
+    <p:spTree>
+      <p:nvGrpSpPr>
+        <p:cNvPr id="1" name=""/>
+        <p:cNvGrpSpPr/>
+        <p:nvPr/>
+      </p:nvGrpSpPr>
+      <p:grpSpPr>
+        <a:xfrm>
+          <a:off x="0" y="0"/>
+          <a:ext cx="0" cy="0"/>
+          <a:chOff x="0" y="0"/>
+          <a:chExt cx="0" cy="0"/>
+        </a:xfrm>
+      </p:grpSpPr>
+      <p:sp>
+        <p:nvSpPr>
+          <p:cNvPr id="2" name="Title 1">
+            <a:extLst>
+              <a:ext uri="{FF2B5EF4-FFF2-40B4-BE49-F238E27FC236}">
+                <a16:creationId xmlns:a16="http://schemas.microsoft.com/office/drawing/2014/main" id="{FF21E304-E4E0-438B-AB07-1B8DC03AFC6F}"/>
+              </a:ext>
+            </a:extLst>
+          </p:cNvPr>
+          <p:cNvSpPr>
+            <a:spLocks noGrp="1"/>
+          </p:cNvSpPr>
+          <p:nvPr>
+            <p:ph type="ctrTitle"/>
+          </p:nvPr>
+        </p:nvSpPr>
+        <p:spPr>
+          <a:xfrm>
+            <a:off x="436202" y="5632449"/>
+            <a:ext cx="6136048" cy="928045"/>
+          </a:xfrm>
+        </p:spPr>
+        <p:txBody>
+          <a:bodyPr>
+            <a:normAutofit fontScale="90000"/>
+          </a:bodyPr>
+          <a:lstStyle/>
+          <a:p>
+            <a:pPr algn="l">
+              <a:lnSpc>
+                <a:spcPct val="150000"/>
+              </a:lnSpc>
+            </a:pPr>
+            <a:r>
+              <a:rPr lang="en-SG" dirty="0">
+                <a:gradFill flip="none" rotWithShape="1">
+                  <a:gsLst>
+                    <a:gs pos="0">
+                      <a:srgbClr val="35609A"/>
+                    </a:gs>
+                    <a:gs pos="100000">
+                      <a:srgbClr val="EC343F"/>
+                    </a:gs>
+                  </a:gsLst>
+                  <a:lin ang="0" scaled="1"/>
+                  <a:tileRect/>
+                </a:gradFill>
+                <a:latin typeface="Gotham Black" panose="02000603040000020004" pitchFamily="2" charset="0"/>
+              </a:rPr>
+              <a:t>COST ANALYSIS</a:t>
+            </a:r>
+            <a:endParaRPr lang="en-SG" dirty="0">
+              <a:gradFill>
+                <a:gsLst>
+                  <a:gs pos="0">
+                    <a:srgbClr val="35609A"/>
+                  </a:gs>
+                  <a:gs pos="100000">
+                    <a:srgbClr val="EC343F"/>
+                  </a:gs>
+                </a:gsLst>
+                <a:lin ang="0" scaled="1"/>
+              </a:gradFill>
+              <a:latin typeface="Gotham Black" panose="02000603040000020004" pitchFamily="2" charset="0"/>
+            </a:endParaRPr>
+          </a:p>
+        </p:txBody>
+      </p:sp>
+      <p:pic>
+        <p:nvPicPr>
+          <p:cNvPr id="7" name="Graphic 6" descr="Mop and bucket">
+            <a:extLst>
+              <a:ext uri="{FF2B5EF4-FFF2-40B4-BE49-F238E27FC236}">
+                <a16:creationId xmlns:a16="http://schemas.microsoft.com/office/drawing/2014/main" id="{0F454814-B50C-4698-B6C0-6DE90A930257}"/>
+              </a:ext>
+            </a:extLst>
+          </p:cNvPr>
+          <p:cNvPicPr>
+            <a:picLocks noChangeAspect="1"/>
+          </p:cNvPicPr>
+          <p:nvPr/>
+        </p:nvPicPr>
+        <p:blipFill>
+          <a:blip r:embed="rId2">
+            <a:extLst>
+              <a:ext uri="{28A0092B-C50C-407E-A947-70E740481C1C}">
+                <a14:useLocalDpi xmlns:a14="http://schemas.microsoft.com/office/drawing/2010/main" val="0"/>
+              </a:ext>
+              <a:ext uri="{96DAC541-7B7A-43D3-8B79-37D633B846F1}">
+                <asvg:svgBlip xmlns:asvg="http://schemas.microsoft.com/office/drawing/2016/SVG/main" r:embed="rId3"/>
+              </a:ext>
+            </a:extLst>
+          </a:blip>
+          <a:stretch>
+            <a:fillRect/>
+          </a:stretch>
+        </p:blipFill>
+        <p:spPr>
+          <a:xfrm>
+            <a:off x="6762349" y="5966194"/>
+            <a:ext cx="360000" cy="360000"/>
+          </a:xfrm>
+          <a:prstGeom prst="rect">
+            <a:avLst/>
+          </a:prstGeom>
+        </p:spPr>
+      </p:pic>
+      <p:pic>
+        <p:nvPicPr>
+          <p:cNvPr id="9" name="Graphic 8" descr="Research">
+            <a:extLst>
+              <a:ext uri="{FF2B5EF4-FFF2-40B4-BE49-F238E27FC236}">
+                <a16:creationId xmlns:a16="http://schemas.microsoft.com/office/drawing/2014/main" id="{4484A587-4DE2-4E0E-BD31-1E5371FF1617}"/>
+              </a:ext>
+            </a:extLst>
+          </p:cNvPr>
+          <p:cNvPicPr>
+            <a:picLocks noChangeAspect="1"/>
+          </p:cNvPicPr>
+          <p:nvPr/>
+        </p:nvPicPr>
+        <p:blipFill>
+          <a:blip r:embed="rId4">
+            <a:extLst>
+              <a:ext uri="{28A0092B-C50C-407E-A947-70E740481C1C}">
+                <a14:useLocalDpi xmlns:a14="http://schemas.microsoft.com/office/drawing/2010/main" val="0"/>
+              </a:ext>
+              <a:ext uri="{96DAC541-7B7A-43D3-8B79-37D633B846F1}">
+                <asvg:svgBlip xmlns:asvg="http://schemas.microsoft.com/office/drawing/2016/SVG/main" r:embed="rId5"/>
+              </a:ext>
+            </a:extLst>
+          </a:blip>
+          <a:stretch>
+            <a:fillRect/>
+          </a:stretch>
+        </p:blipFill>
+        <p:spPr>
+          <a:xfrm>
+            <a:off x="7392104" y="5966194"/>
+            <a:ext cx="360000" cy="360000"/>
+          </a:xfrm>
+          <a:prstGeom prst="rect">
+            <a:avLst/>
+          </a:prstGeom>
+        </p:spPr>
+      </p:pic>
+      <p:pic>
+        <p:nvPicPr>
+          <p:cNvPr id="11" name="Graphic 10" descr="Minimize">
+            <a:extLst>
+              <a:ext uri="{FF2B5EF4-FFF2-40B4-BE49-F238E27FC236}">
+                <a16:creationId xmlns:a16="http://schemas.microsoft.com/office/drawing/2014/main" id="{787A3D66-E702-4786-9334-AA8574247486}"/>
+              </a:ext>
+            </a:extLst>
+          </p:cNvPr>
+          <p:cNvPicPr>
+            <a:picLocks noChangeAspect="1"/>
+          </p:cNvPicPr>
+          <p:nvPr/>
+        </p:nvPicPr>
+        <p:blipFill>
+          <a:blip r:embed="rId6">
+            <a:extLst>
+              <a:ext uri="{28A0092B-C50C-407E-A947-70E740481C1C}">
+                <a14:useLocalDpi xmlns:a14="http://schemas.microsoft.com/office/drawing/2010/main" val="0"/>
+              </a:ext>
+              <a:ext uri="{96DAC541-7B7A-43D3-8B79-37D633B846F1}">
+                <asvg:svgBlip xmlns:asvg="http://schemas.microsoft.com/office/drawing/2016/SVG/main" r:embed="rId7"/>
+              </a:ext>
+            </a:extLst>
+          </a:blip>
+          <a:stretch>
+            <a:fillRect/>
+          </a:stretch>
+        </p:blipFill>
+        <p:spPr>
+          <a:xfrm>
+            <a:off x="8021859" y="5966194"/>
+            <a:ext cx="360000" cy="360000"/>
+          </a:xfrm>
+          <a:prstGeom prst="rect">
+            <a:avLst/>
+          </a:prstGeom>
+        </p:spPr>
+      </p:pic>
+      <p:pic>
+        <p:nvPicPr>
+          <p:cNvPr id="13" name="Graphic 12" descr="Tools">
+            <a:extLst>
+              <a:ext uri="{FF2B5EF4-FFF2-40B4-BE49-F238E27FC236}">
+                <a16:creationId xmlns:a16="http://schemas.microsoft.com/office/drawing/2014/main" id="{10818EE9-430A-4CC4-BD02-5BDDEF750326}"/>
+              </a:ext>
+            </a:extLst>
+          </p:cNvPr>
+          <p:cNvPicPr>
+            <a:picLocks noChangeAspect="1"/>
+          </p:cNvPicPr>
+          <p:nvPr/>
+        </p:nvPicPr>
+        <p:blipFill>
+          <a:blip r:embed="rId8">
+            <a:extLst>
+              <a:ext uri="{28A0092B-C50C-407E-A947-70E740481C1C}">
+                <a14:useLocalDpi xmlns:a14="http://schemas.microsoft.com/office/drawing/2010/main" val="0"/>
+              </a:ext>
+              <a:ext uri="{96DAC541-7B7A-43D3-8B79-37D633B846F1}">
+                <asvg:svgBlip xmlns:asvg="http://schemas.microsoft.com/office/drawing/2016/SVG/main" r:embed="rId9"/>
+              </a:ext>
+            </a:extLst>
+          </a:blip>
+          <a:stretch>
+            <a:fillRect/>
+          </a:stretch>
+        </p:blipFill>
+        <p:spPr>
+          <a:xfrm>
+            <a:off x="8651614" y="5966194"/>
+            <a:ext cx="360000" cy="360000"/>
+          </a:xfrm>
+          <a:prstGeom prst="rect">
+            <a:avLst/>
+          </a:prstGeom>
+        </p:spPr>
+      </p:pic>
+      <p:pic>
+        <p:nvPicPr>
+          <p:cNvPr id="17" name="Graphic 16" descr="Hourglass">
+            <a:extLst>
+              <a:ext uri="{FF2B5EF4-FFF2-40B4-BE49-F238E27FC236}">
+                <a16:creationId xmlns:a16="http://schemas.microsoft.com/office/drawing/2014/main" id="{2AB76BBD-A7C0-47CD-8857-DAAB96FDAC61}"/>
+              </a:ext>
+            </a:extLst>
+          </p:cNvPr>
+          <p:cNvPicPr>
+            <a:picLocks noChangeAspect="1"/>
+          </p:cNvPicPr>
+          <p:nvPr/>
+        </p:nvPicPr>
+        <p:blipFill>
+          <a:blip r:embed="rId10">
+            <a:extLst>
+              <a:ext uri="{28A0092B-C50C-407E-A947-70E740481C1C}">
+                <a14:useLocalDpi xmlns:a14="http://schemas.microsoft.com/office/drawing/2010/main" val="0"/>
+              </a:ext>
+              <a:ext uri="{96DAC541-7B7A-43D3-8B79-37D633B846F1}">
+                <asvg:svgBlip xmlns:asvg="http://schemas.microsoft.com/office/drawing/2016/SVG/main" r:embed="rId11"/>
+              </a:ext>
+            </a:extLst>
+          </a:blip>
+          <a:stretch>
+            <a:fillRect/>
+          </a:stretch>
+        </p:blipFill>
+        <p:spPr>
+          <a:xfrm>
+            <a:off x="9281369" y="5966194"/>
+            <a:ext cx="360000" cy="360000"/>
+          </a:xfrm>
+          <a:prstGeom prst="rect">
+            <a:avLst/>
+          </a:prstGeom>
+        </p:spPr>
+      </p:pic>
+      <p:pic>
+        <p:nvPicPr>
+          <p:cNvPr id="19" name="Graphic 18" descr="Eye">
+            <a:extLst>
+              <a:ext uri="{FF2B5EF4-FFF2-40B4-BE49-F238E27FC236}">
+                <a16:creationId xmlns:a16="http://schemas.microsoft.com/office/drawing/2014/main" id="{2C9D18F4-DF60-4C50-9850-912CD1CB918E}"/>
+              </a:ext>
+            </a:extLst>
+          </p:cNvPr>
+          <p:cNvPicPr>
+            <a:picLocks noChangeAspect="1"/>
+          </p:cNvPicPr>
+          <p:nvPr/>
+        </p:nvPicPr>
+        <p:blipFill>
+          <a:blip r:embed="rId12">
+            <a:extLst>
+              <a:ext uri="{28A0092B-C50C-407E-A947-70E740481C1C}">
+                <a14:useLocalDpi xmlns:a14="http://schemas.microsoft.com/office/drawing/2010/main" val="0"/>
+              </a:ext>
+              <a:ext uri="{96DAC541-7B7A-43D3-8B79-37D633B846F1}">
+                <asvg:svgBlip xmlns:asvg="http://schemas.microsoft.com/office/drawing/2016/SVG/main" r:embed="rId13"/>
+              </a:ext>
+            </a:extLst>
+          </a:blip>
+          <a:stretch>
+            <a:fillRect/>
+          </a:stretch>
+        </p:blipFill>
+        <p:spPr>
+          <a:xfrm>
+            <a:off x="9911124" y="5966194"/>
+            <a:ext cx="360000" cy="360000"/>
+          </a:xfrm>
+          <a:prstGeom prst="rect">
+            <a:avLst/>
+          </a:prstGeom>
+        </p:spPr>
+      </p:pic>
+      <p:pic>
+        <p:nvPicPr>
+          <p:cNvPr id="21" name="Graphic 20" descr="Piggy Bank">
+            <a:extLst>
+              <a:ext uri="{FF2B5EF4-FFF2-40B4-BE49-F238E27FC236}">
+                <a16:creationId xmlns:a16="http://schemas.microsoft.com/office/drawing/2014/main" id="{1EAAFDD7-270D-40BB-B235-F2B7DF98EC72}"/>
+              </a:ext>
+            </a:extLst>
+          </p:cNvPr>
+          <p:cNvPicPr>
+            <a:picLocks noChangeAspect="1"/>
+          </p:cNvPicPr>
+          <p:nvPr/>
+        </p:nvPicPr>
+        <p:blipFill>
+          <a:blip r:embed="rId14">
+            <a:extLst>
+              <a:ext uri="{28A0092B-C50C-407E-A947-70E740481C1C}">
+                <a14:useLocalDpi xmlns:a14="http://schemas.microsoft.com/office/drawing/2010/main" val="0"/>
+              </a:ext>
+              <a:ext uri="{96DAC541-7B7A-43D3-8B79-37D633B846F1}">
+                <asvg:svgBlip xmlns:asvg="http://schemas.microsoft.com/office/drawing/2016/SVG/main" r:embed="rId15"/>
+              </a:ext>
+            </a:extLst>
+          </a:blip>
+          <a:stretch>
+            <a:fillRect/>
+          </a:stretch>
+        </p:blipFill>
+        <p:spPr>
+          <a:xfrm>
+            <a:off x="10540878" y="5966194"/>
+            <a:ext cx="360000" cy="360000"/>
+          </a:xfrm>
+          <a:prstGeom prst="rect">
+            <a:avLst/>
+          </a:prstGeom>
+        </p:spPr>
+      </p:pic>
+    </p:spTree>
+    <p:extLst>
+      <p:ext uri="{BB962C8B-B14F-4D97-AF65-F5344CB8AC3E}">
+        <p14:creationId xmlns:p14="http://schemas.microsoft.com/office/powerpoint/2010/main" val="3282349588"/>
       </p:ext>
     </p:extLst>
   </p:cSld>
@@ -4278,8 +7936,8 @@
         </p:nvSpPr>
         <p:spPr>
           <a:xfrm>
-            <a:off x="436202" y="628737"/>
-            <a:ext cx="6472598" cy="461665"/>
+            <a:off x="436201" y="628737"/>
+            <a:ext cx="7569163" cy="584775"/>
           </a:xfrm>
           <a:prstGeom prst="rect">
             <a:avLst/>
@@ -4293,7 +7951,7 @@
           <a:lstStyle/>
           <a:p>
             <a:r>
-              <a:rPr lang="en-SG" sz="2400" dirty="0">
+              <a:rPr lang="en-SG" sz="3200" dirty="0">
                 <a:solidFill>
                   <a:schemeClr val="bg1"/>
                 </a:solidFill>
@@ -5011,8 +8669,8 @@
         </p:nvSpPr>
         <p:spPr>
           <a:xfrm>
-            <a:off x="3027976" y="1809751"/>
-            <a:ext cx="6136048" cy="2432994"/>
+            <a:off x="436202" y="5632449"/>
+            <a:ext cx="6136048" cy="928045"/>
           </a:xfrm>
         </p:spPr>
         <p:txBody>
@@ -5021,7 +8679,240 @@
           </a:bodyPr>
           <a:lstStyle/>
           <a:p>
-            <a:pPr>
+            <a:pPr algn="l">
+              <a:lnSpc>
+                <a:spcPct val="150000"/>
+              </a:lnSpc>
+            </a:pPr>
+            <a:r>
+              <a:rPr lang="en-SG" dirty="0">
+                <a:gradFill flip="none" rotWithShape="1">
+                  <a:gsLst>
+                    <a:gs pos="0">
+                      <a:srgbClr val="35609A"/>
+                    </a:gs>
+                    <a:gs pos="100000">
+                      <a:srgbClr val="EC343F"/>
+                    </a:gs>
+                  </a:gsLst>
+                  <a:lin ang="0" scaled="1"/>
+                  <a:tileRect/>
+                </a:gradFill>
+                <a:latin typeface="Gotham Black" panose="02000603040000020004" pitchFamily="2" charset="0"/>
+              </a:rPr>
+              <a:t>INTRODUCTION</a:t>
+            </a:r>
+            <a:endParaRPr lang="en-SG" dirty="0">
+              <a:gradFill>
+                <a:gsLst>
+                  <a:gs pos="0">
+                    <a:srgbClr val="35609A"/>
+                  </a:gs>
+                  <a:gs pos="100000">
+                    <a:srgbClr val="EC343F"/>
+                  </a:gs>
+                </a:gsLst>
+                <a:lin ang="0" scaled="1"/>
+              </a:gradFill>
+              <a:latin typeface="Gotham Black" panose="02000603040000020004" pitchFamily="2" charset="0"/>
+            </a:endParaRPr>
+          </a:p>
+        </p:txBody>
+      </p:sp>
+      <p:sp>
+        <p:nvSpPr>
+          <p:cNvPr id="3" name="TextBox 2">
+            <a:extLst>
+              <a:ext uri="{FF2B5EF4-FFF2-40B4-BE49-F238E27FC236}">
+                <a16:creationId xmlns:a16="http://schemas.microsoft.com/office/drawing/2014/main" id="{E90E465A-3033-4159-ACA1-F19A702DF04B}"/>
+              </a:ext>
+            </a:extLst>
+          </p:cNvPr>
+          <p:cNvSpPr txBox="1"/>
+          <p:nvPr/>
+        </p:nvSpPr>
+        <p:spPr>
+          <a:xfrm>
+            <a:off x="436202" y="628737"/>
+            <a:ext cx="6472598" cy="584775"/>
+          </a:xfrm>
+          <a:prstGeom prst="rect">
+            <a:avLst/>
+          </a:prstGeom>
+          <a:noFill/>
+        </p:spPr>
+        <p:txBody>
+          <a:bodyPr wrap="square" rtlCol="0">
+            <a:spAutoFit/>
+          </a:bodyPr>
+          <a:lstStyle/>
+          <a:p>
+            <a:r>
+              <a:rPr lang="en-SG" sz="3200" dirty="0">
+                <a:solidFill>
+                  <a:schemeClr val="bg1"/>
+                </a:solidFill>
+                <a:latin typeface="Gotham Black" panose="02000603040000020004" pitchFamily="2" charset="0"/>
+              </a:rPr>
+              <a:t>CHICAGO</a:t>
+            </a:r>
+          </a:p>
+        </p:txBody>
+      </p:sp>
+      <p:pic>
+        <p:nvPicPr>
+          <p:cNvPr id="1030" name="Picture 6" descr="Image result for chicago government logo">
+            <a:extLst>
+              <a:ext uri="{FF2B5EF4-FFF2-40B4-BE49-F238E27FC236}">
+                <a16:creationId xmlns:a16="http://schemas.microsoft.com/office/drawing/2014/main" id="{ECAEA6A6-62F0-47FB-8ECD-C3E93CF9A59A}"/>
+              </a:ext>
+            </a:extLst>
+          </p:cNvPr>
+          <p:cNvPicPr>
+            <a:picLocks noChangeAspect="1" noChangeArrowheads="1"/>
+          </p:cNvPicPr>
+          <p:nvPr/>
+        </p:nvPicPr>
+        <p:blipFill rotWithShape="1">
+          <a:blip r:embed="rId2">
+            <a:extLst>
+              <a:ext uri="{28A0092B-C50C-407E-A947-70E740481C1C}">
+                <a14:useLocalDpi xmlns:a14="http://schemas.microsoft.com/office/drawing/2010/main" val="0"/>
+              </a:ext>
+            </a:extLst>
+          </a:blip>
+          <a:srcRect l="3416" t="1769" r="3023" b="4671"/>
+          <a:stretch/>
+        </p:blipFill>
+        <p:spPr bwMode="auto">
+          <a:xfrm>
+            <a:off x="9957423" y="426345"/>
+            <a:ext cx="1798375" cy="1798375"/>
+          </a:xfrm>
+          <a:prstGeom prst="ellipse">
+            <a:avLst/>
+          </a:prstGeom>
+          <a:noFill/>
+          <a:extLst>
+            <a:ext uri="{909E8E84-426E-40DD-AFC4-6F175D3DCCD1}">
+              <a14:hiddenFill xmlns:a14="http://schemas.microsoft.com/office/drawing/2010/main">
+                <a:solidFill>
+                  <a:srgbClr val="FFFFFF"/>
+                </a:solidFill>
+              </a14:hiddenFill>
+            </a:ext>
+          </a:extLst>
+        </p:spPr>
+      </p:pic>
+      <p:sp>
+        <p:nvSpPr>
+          <p:cNvPr id="5" name="TextBox 4">
+            <a:extLst>
+              <a:ext uri="{FF2B5EF4-FFF2-40B4-BE49-F238E27FC236}">
+                <a16:creationId xmlns:a16="http://schemas.microsoft.com/office/drawing/2014/main" id="{B72158A1-904F-4FBF-A96E-34E53E10A6A5}"/>
+              </a:ext>
+            </a:extLst>
+          </p:cNvPr>
+          <p:cNvSpPr txBox="1"/>
+          <p:nvPr/>
+        </p:nvSpPr>
+        <p:spPr>
+          <a:xfrm>
+            <a:off x="634072" y="3880220"/>
+            <a:ext cx="2694348" cy="923330"/>
+          </a:xfrm>
+          <a:prstGeom prst="rect">
+            <a:avLst/>
+          </a:prstGeom>
+          <a:noFill/>
+        </p:spPr>
+        <p:txBody>
+          <a:bodyPr wrap="square" rtlCol="0">
+            <a:spAutoFit/>
+          </a:bodyPr>
+          <a:lstStyle/>
+          <a:p>
+            <a:pPr algn="ctr"/>
+            <a:r>
+              <a:rPr lang="en-SG" dirty="0">
+                <a:solidFill>
+                  <a:schemeClr val="bg1"/>
+                </a:solidFill>
+                <a:latin typeface="Gotham Book" pitchFamily="50" charset="0"/>
+                <a:cs typeface="Gotham Book" pitchFamily="50" charset="0"/>
+              </a:rPr>
+              <a:t>Leading cause of mosquito borne disease in USA</a:t>
+            </a:r>
+          </a:p>
+        </p:txBody>
+      </p:sp>
+    </p:spTree>
+    <p:extLst>
+      <p:ext uri="{BB962C8B-B14F-4D97-AF65-F5344CB8AC3E}">
+        <p14:creationId xmlns:p14="http://schemas.microsoft.com/office/powerpoint/2010/main" val="2128570129"/>
+      </p:ext>
+    </p:extLst>
+  </p:cSld>
+  <p:clrMapOvr>
+    <a:masterClrMapping/>
+  </p:clrMapOvr>
+</p:sld>
+</file>
+
+<file path=ppt/slides/slide4.xml><?xml version="1.0" encoding="utf-8"?>
+<p:sld xmlns:a="http://schemas.openxmlformats.org/drawingml/2006/main" xmlns:r="http://schemas.openxmlformats.org/officeDocument/2006/relationships" xmlns:p="http://schemas.openxmlformats.org/presentationml/2006/main">
+  <p:cSld>
+    <p:bg>
+      <p:bgPr>
+        <a:solidFill>
+          <a:srgbClr val="2F3742"/>
+        </a:solidFill>
+        <a:effectLst/>
+      </p:bgPr>
+    </p:bg>
+    <p:spTree>
+      <p:nvGrpSpPr>
+        <p:cNvPr id="1" name=""/>
+        <p:cNvGrpSpPr/>
+        <p:nvPr/>
+      </p:nvGrpSpPr>
+      <p:grpSpPr>
+        <a:xfrm>
+          <a:off x="0" y="0"/>
+          <a:ext cx="0" cy="0"/>
+          <a:chOff x="0" y="0"/>
+          <a:chExt cx="0" cy="0"/>
+        </a:xfrm>
+      </p:grpSpPr>
+      <p:sp>
+        <p:nvSpPr>
+          <p:cNvPr id="5" name="Title 1">
+            <a:extLst>
+              <a:ext uri="{FF2B5EF4-FFF2-40B4-BE49-F238E27FC236}">
+                <a16:creationId xmlns:a16="http://schemas.microsoft.com/office/drawing/2014/main" id="{35A6F9D8-9508-48EB-9DE4-5B2572F01F5B}"/>
+              </a:ext>
+            </a:extLst>
+          </p:cNvPr>
+          <p:cNvSpPr>
+            <a:spLocks noGrp="1"/>
+          </p:cNvSpPr>
+          <p:nvPr>
+            <p:ph type="ctrTitle"/>
+          </p:nvPr>
+        </p:nvSpPr>
+        <p:spPr>
+          <a:xfrm>
+            <a:off x="436201" y="5632449"/>
+            <a:ext cx="8444137" cy="928045"/>
+          </a:xfrm>
+        </p:spPr>
+        <p:txBody>
+          <a:bodyPr>
+            <a:normAutofit fontScale="90000"/>
+          </a:bodyPr>
+          <a:lstStyle/>
+          <a:p>
+            <a:pPr algn="l">
               <a:lnSpc>
                 <a:spcPct val="150000"/>
               </a:lnSpc>
@@ -5061,6 +8952,83 @@
           </a:p>
         </p:txBody>
       </p:sp>
+      <p:sp>
+        <p:nvSpPr>
+          <p:cNvPr id="6" name="TextBox 5">
+            <a:extLst>
+              <a:ext uri="{FF2B5EF4-FFF2-40B4-BE49-F238E27FC236}">
+                <a16:creationId xmlns:a16="http://schemas.microsoft.com/office/drawing/2014/main" id="{CA9F073F-09BD-4E0F-90F1-0AE8145C3969}"/>
+              </a:ext>
+            </a:extLst>
+          </p:cNvPr>
+          <p:cNvSpPr txBox="1"/>
+          <p:nvPr/>
+        </p:nvSpPr>
+        <p:spPr>
+          <a:xfrm>
+            <a:off x="1441723" y="1122401"/>
+            <a:ext cx="9771278" cy="3678058"/>
+          </a:xfrm>
+          <a:prstGeom prst="rect">
+            <a:avLst/>
+          </a:prstGeom>
+          <a:noFill/>
+        </p:spPr>
+        <p:txBody>
+          <a:bodyPr wrap="square" rtlCol="0">
+            <a:spAutoFit/>
+          </a:bodyPr>
+          <a:lstStyle/>
+          <a:p>
+            <a:pPr>
+              <a:lnSpc>
+                <a:spcPct val="150000"/>
+              </a:lnSpc>
+            </a:pPr>
+            <a:r>
+              <a:rPr lang="en-SG" sz="3200" dirty="0">
+                <a:solidFill>
+                  <a:schemeClr val="bg1"/>
+                </a:solidFill>
+                <a:latin typeface="Gotham Black" panose="02000603040000020004" pitchFamily="2" charset="0"/>
+              </a:rPr>
+              <a:t>PREDICTING THE PRESENCE OF WNV FOR COMING MOSQUITO SEASON</a:t>
+            </a:r>
+          </a:p>
+          <a:p>
+            <a:pPr>
+              <a:lnSpc>
+                <a:spcPct val="150000"/>
+              </a:lnSpc>
+            </a:pPr>
+            <a:r>
+              <a:rPr lang="en-SG" sz="3200" dirty="0">
+                <a:solidFill>
+                  <a:schemeClr val="bg1"/>
+                </a:solidFill>
+                <a:latin typeface="Gotham Black" panose="02000603040000020004" pitchFamily="2" charset="0"/>
+              </a:rPr>
+              <a:t>&amp; </a:t>
+            </a:r>
+          </a:p>
+          <a:p>
+            <a:pPr>
+              <a:lnSpc>
+                <a:spcPct val="150000"/>
+              </a:lnSpc>
+            </a:pPr>
+            <a:r>
+              <a:rPr lang="en-SG" sz="3200" dirty="0">
+                <a:solidFill>
+                  <a:schemeClr val="bg1"/>
+                </a:solidFill>
+                <a:latin typeface="Gotham Black" panose="02000603040000020004" pitchFamily="2" charset="0"/>
+              </a:rPr>
+              <a:t>PROVIDE EFFECTIVE SPRAY STRATEGY FOR CITY OF CHICAGO</a:t>
+            </a:r>
+          </a:p>
+        </p:txBody>
+      </p:sp>
     </p:spTree>
     <p:extLst>
       <p:ext uri="{BB962C8B-B14F-4D97-AF65-F5344CB8AC3E}">
@@ -5074,7 +9042,7 @@
 </p:sld>
 </file>
 
-<file path=ppt/slides/slide4.xml><?xml version="1.0" encoding="utf-8"?>
+<file path=ppt/slides/slide5.xml><?xml version="1.0" encoding="utf-8"?>
 <p:sld xmlns:a="http://schemas.openxmlformats.org/drawingml/2006/main" xmlns:r="http://schemas.openxmlformats.org/officeDocument/2006/relationships" xmlns:p="http://schemas.openxmlformats.org/presentationml/2006/main">
   <p:cSld>
     <p:bg>
@@ -5230,8 +9198,8 @@
         </p:nvSpPr>
         <p:spPr>
           <a:xfrm>
-            <a:off x="1583901" y="1985902"/>
-            <a:ext cx="2040551" cy="769441"/>
+            <a:off x="1467960" y="1966455"/>
+            <a:ext cx="2216690" cy="769441"/>
           </a:xfrm>
           <a:prstGeom prst="rect">
             <a:avLst/>
@@ -5253,7 +9221,7 @@
                 <a:latin typeface="Gotham Bold" panose="02000803030000020004" pitchFamily="2" charset="0"/>
                 <a:cs typeface="Gotham Book" pitchFamily="50" charset="0"/>
               </a:rPr>
-              <a:t>10506 </a:t>
+              <a:t>10,506 </a:t>
             </a:r>
           </a:p>
         </p:txBody>
@@ -5363,7 +9331,7 @@
         </p:nvSpPr>
         <p:spPr>
           <a:xfrm>
-            <a:off x="8135385" y="1985902"/>
+            <a:off x="8135385" y="1995681"/>
             <a:ext cx="2381253" cy="769441"/>
           </a:xfrm>
           <a:prstGeom prst="rect">
@@ -5386,7 +9354,7 @@
                 <a:latin typeface="Gotham Bold" panose="02000803030000020004" pitchFamily="2" charset="0"/>
                 <a:cs typeface="Gotham Book" pitchFamily="50" charset="0"/>
               </a:rPr>
-              <a:t>116293 </a:t>
+              <a:t>116,293 </a:t>
             </a:r>
           </a:p>
         </p:txBody>
@@ -6180,7 +10148,7 @@
 </p:sld>
 </file>
 
-<file path=ppt/slides/slide5.xml><?xml version="1.0" encoding="utf-8"?>
+<file path=ppt/slides/slide6.xml><?xml version="1.0" encoding="utf-8"?>
 <p:sld xmlns:a="http://schemas.openxmlformats.org/drawingml/2006/main" xmlns:r="http://schemas.openxmlformats.org/officeDocument/2006/relationships" xmlns:p="http://schemas.openxmlformats.org/presentationml/2006/main">
   <p:cSld>
     <p:bg>
@@ -6359,7 +10327,7 @@
                 <a:latin typeface="Gotham Bold" panose="02000803030000020004" pitchFamily="2" charset="0"/>
                 <a:cs typeface="Gotham Book" pitchFamily="50" charset="0"/>
               </a:rPr>
-              <a:t>116293 </a:t>
+              <a:t>14,835</a:t>
             </a:r>
           </a:p>
         </p:txBody>
@@ -6726,10 +10694,1889 @@
           </p:txBody>
         </p:sp>
       </p:grpSp>
+      <p:sp>
+        <p:nvSpPr>
+          <p:cNvPr id="14" name="TextBox 13">
+            <a:extLst>
+              <a:ext uri="{FF2B5EF4-FFF2-40B4-BE49-F238E27FC236}">
+                <a16:creationId xmlns:a16="http://schemas.microsoft.com/office/drawing/2014/main" id="{69CDD569-4973-475D-B1AA-31A9055E77C1}"/>
+              </a:ext>
+            </a:extLst>
+          </p:cNvPr>
+          <p:cNvSpPr txBox="1"/>
+          <p:nvPr/>
+        </p:nvSpPr>
+        <p:spPr>
+          <a:xfrm>
+            <a:off x="7976046" y="3152001"/>
+            <a:ext cx="2760118" cy="700961"/>
+          </a:xfrm>
+          <a:prstGeom prst="rect">
+            <a:avLst/>
+          </a:prstGeom>
+          <a:noFill/>
+        </p:spPr>
+        <p:txBody>
+          <a:bodyPr wrap="square" rtlCol="0">
+            <a:spAutoFit/>
+          </a:bodyPr>
+          <a:lstStyle/>
+          <a:p>
+            <a:pPr algn="ctr">
+              <a:lnSpc>
+                <a:spcPct val="150000"/>
+              </a:lnSpc>
+            </a:pPr>
+            <a:r>
+              <a:rPr lang="en-SG" sz="1400" dirty="0">
+                <a:solidFill>
+                  <a:schemeClr val="bg1"/>
+                </a:solidFill>
+                <a:latin typeface="Gotham Book" pitchFamily="50" charset="0"/>
+                <a:cs typeface="Gotham Book" pitchFamily="50" charset="0"/>
+              </a:rPr>
+              <a:t>2011 (2 dates)</a:t>
+            </a:r>
+          </a:p>
+          <a:p>
+            <a:pPr algn="ctr">
+              <a:lnSpc>
+                <a:spcPct val="150000"/>
+              </a:lnSpc>
+            </a:pPr>
+            <a:r>
+              <a:rPr lang="en-SG" sz="1400" dirty="0">
+                <a:solidFill>
+                  <a:schemeClr val="bg1"/>
+                </a:solidFill>
+                <a:latin typeface="Gotham Book" pitchFamily="50" charset="0"/>
+                <a:cs typeface="Gotham Book" pitchFamily="50" charset="0"/>
+              </a:rPr>
+              <a:t>2013 (July – Sep)</a:t>
+            </a:r>
+          </a:p>
+        </p:txBody>
+      </p:sp>
+      <p:sp>
+        <p:nvSpPr>
+          <p:cNvPr id="15" name="TextBox 14">
+            <a:extLst>
+              <a:ext uri="{FF2B5EF4-FFF2-40B4-BE49-F238E27FC236}">
+                <a16:creationId xmlns:a16="http://schemas.microsoft.com/office/drawing/2014/main" id="{F8FE4C78-5A1A-4319-9942-AF343A5CEF7D}"/>
+              </a:ext>
+            </a:extLst>
+          </p:cNvPr>
+          <p:cNvSpPr txBox="1"/>
+          <p:nvPr/>
+        </p:nvSpPr>
+        <p:spPr>
+          <a:xfrm>
+            <a:off x="7945952" y="4039197"/>
+            <a:ext cx="2760118" cy="523220"/>
+          </a:xfrm>
+          <a:prstGeom prst="rect">
+            <a:avLst/>
+          </a:prstGeom>
+          <a:noFill/>
+        </p:spPr>
+        <p:txBody>
+          <a:bodyPr wrap="square" rtlCol="0">
+            <a:spAutoFit/>
+          </a:bodyPr>
+          <a:lstStyle/>
+          <a:p>
+            <a:pPr algn="ctr"/>
+            <a:r>
+              <a:rPr lang="en-SG" sz="1400" dirty="0">
+                <a:solidFill>
+                  <a:schemeClr val="bg1"/>
+                </a:solidFill>
+                <a:latin typeface="Gotham Book" pitchFamily="50" charset="0"/>
+                <a:cs typeface="Gotham Book" pitchFamily="50" charset="0"/>
+              </a:rPr>
+              <a:t>Spray effort data by Chicago</a:t>
+            </a:r>
+          </a:p>
+          <a:p>
+            <a:pPr algn="ctr"/>
+            <a:r>
+              <a:rPr lang="en-SG" sz="1400" dirty="0">
+                <a:solidFill>
+                  <a:schemeClr val="bg1"/>
+                </a:solidFill>
+                <a:latin typeface="Gotham Book" pitchFamily="50" charset="0"/>
+                <a:cs typeface="Gotham Book" pitchFamily="50" charset="0"/>
+              </a:rPr>
+              <a:t>government</a:t>
+            </a:r>
+          </a:p>
+        </p:txBody>
+      </p:sp>
     </p:spTree>
     <p:extLst>
       <p:ext uri="{BB962C8B-B14F-4D97-AF65-F5344CB8AC3E}">
         <p14:creationId xmlns:p14="http://schemas.microsoft.com/office/powerpoint/2010/main" val="2862181266"/>
+      </p:ext>
+    </p:extLst>
+  </p:cSld>
+  <p:clrMapOvr>
+    <a:masterClrMapping/>
+  </p:clrMapOvr>
+</p:sld>
+</file>
+
+<file path=ppt/slides/slide7.xml><?xml version="1.0" encoding="utf-8"?>
+<p:sld xmlns:a="http://schemas.openxmlformats.org/drawingml/2006/main" xmlns:r="http://schemas.openxmlformats.org/officeDocument/2006/relationships" xmlns:p="http://schemas.openxmlformats.org/presentationml/2006/main">
+  <p:cSld>
+    <p:bg>
+      <p:bgPr>
+        <a:solidFill>
+          <a:srgbClr val="2F3742"/>
+        </a:solidFill>
+        <a:effectLst/>
+      </p:bgPr>
+    </p:bg>
+    <p:spTree>
+      <p:nvGrpSpPr>
+        <p:cNvPr id="1" name=""/>
+        <p:cNvGrpSpPr/>
+        <p:nvPr/>
+      </p:nvGrpSpPr>
+      <p:grpSpPr>
+        <a:xfrm>
+          <a:off x="0" y="0"/>
+          <a:ext cx="0" cy="0"/>
+          <a:chOff x="0" y="0"/>
+          <a:chExt cx="0" cy="0"/>
+        </a:xfrm>
+      </p:grpSpPr>
+      <p:sp>
+        <p:nvSpPr>
+          <p:cNvPr id="2" name="Title 1">
+            <a:extLst>
+              <a:ext uri="{FF2B5EF4-FFF2-40B4-BE49-F238E27FC236}">
+                <a16:creationId xmlns:a16="http://schemas.microsoft.com/office/drawing/2014/main" id="{FF21E304-E4E0-438B-AB07-1B8DC03AFC6F}"/>
+              </a:ext>
+            </a:extLst>
+          </p:cNvPr>
+          <p:cNvSpPr>
+            <a:spLocks noGrp="1"/>
+          </p:cNvSpPr>
+          <p:nvPr>
+            <p:ph type="ctrTitle"/>
+          </p:nvPr>
+        </p:nvSpPr>
+        <p:spPr>
+          <a:xfrm>
+            <a:off x="436202" y="5632449"/>
+            <a:ext cx="6136048" cy="928045"/>
+          </a:xfrm>
+        </p:spPr>
+        <p:txBody>
+          <a:bodyPr>
+            <a:normAutofit fontScale="90000"/>
+          </a:bodyPr>
+          <a:lstStyle/>
+          <a:p>
+            <a:pPr algn="l">
+              <a:lnSpc>
+                <a:spcPct val="150000"/>
+              </a:lnSpc>
+            </a:pPr>
+            <a:r>
+              <a:rPr lang="en-SG" dirty="0">
+                <a:gradFill flip="none" rotWithShape="1">
+                  <a:gsLst>
+                    <a:gs pos="0">
+                      <a:srgbClr val="35609A"/>
+                    </a:gs>
+                    <a:gs pos="100000">
+                      <a:srgbClr val="EC343F"/>
+                    </a:gs>
+                  </a:gsLst>
+                  <a:lin ang="0" scaled="1"/>
+                  <a:tileRect/>
+                </a:gradFill>
+                <a:latin typeface="Gotham Black" panose="02000603040000020004" pitchFamily="2" charset="0"/>
+              </a:rPr>
+              <a:t>WORKFLOW</a:t>
+            </a:r>
+            <a:endParaRPr lang="en-SG" dirty="0">
+              <a:gradFill>
+                <a:gsLst>
+                  <a:gs pos="0">
+                    <a:srgbClr val="35609A"/>
+                  </a:gs>
+                  <a:gs pos="100000">
+                    <a:srgbClr val="EC343F"/>
+                  </a:gs>
+                </a:gsLst>
+                <a:lin ang="0" scaled="1"/>
+              </a:gradFill>
+              <a:latin typeface="Gotham Black" panose="02000603040000020004" pitchFamily="2" charset="0"/>
+            </a:endParaRPr>
+          </a:p>
+        </p:txBody>
+      </p:sp>
+      <p:grpSp>
+        <p:nvGrpSpPr>
+          <p:cNvPr id="22" name="Group 21">
+            <a:extLst>
+              <a:ext uri="{FF2B5EF4-FFF2-40B4-BE49-F238E27FC236}">
+                <a16:creationId xmlns:a16="http://schemas.microsoft.com/office/drawing/2014/main" id="{AFC4920A-713E-45DF-BF7A-92DC0AC7C8C2}"/>
+              </a:ext>
+            </a:extLst>
+          </p:cNvPr>
+          <p:cNvGrpSpPr/>
+          <p:nvPr/>
+        </p:nvGrpSpPr>
+        <p:grpSpPr>
+          <a:xfrm>
+            <a:off x="267907" y="2362954"/>
+            <a:ext cx="1310790" cy="1469522"/>
+            <a:chOff x="906041" y="1109342"/>
+            <a:chExt cx="1310790" cy="1469522"/>
+          </a:xfrm>
+        </p:grpSpPr>
+        <p:pic>
+          <p:nvPicPr>
+            <p:cNvPr id="7" name="Graphic 6" descr="Mop and bucket">
+              <a:extLst>
+                <a:ext uri="{FF2B5EF4-FFF2-40B4-BE49-F238E27FC236}">
+                  <a16:creationId xmlns:a16="http://schemas.microsoft.com/office/drawing/2014/main" id="{0F454814-B50C-4698-B6C0-6DE90A930257}"/>
+                </a:ext>
+              </a:extLst>
+            </p:cNvPr>
+            <p:cNvPicPr>
+              <a:picLocks noChangeAspect="1"/>
+            </p:cNvPicPr>
+            <p:nvPr/>
+          </p:nvPicPr>
+          <p:blipFill>
+            <a:blip r:embed="rId2">
+              <a:extLst>
+                <a:ext uri="{28A0092B-C50C-407E-A947-70E740481C1C}">
+                  <a14:useLocalDpi xmlns:a14="http://schemas.microsoft.com/office/drawing/2010/main" val="0"/>
+                </a:ext>
+                <a:ext uri="{96DAC541-7B7A-43D3-8B79-37D633B846F1}">
+                  <asvg:svgBlip xmlns:asvg="http://schemas.microsoft.com/office/drawing/2016/SVG/main" r:embed="rId3"/>
+                </a:ext>
+              </a:extLst>
+            </a:blip>
+            <a:stretch>
+              <a:fillRect/>
+            </a:stretch>
+          </p:blipFill>
+          <p:spPr>
+            <a:xfrm>
+              <a:off x="1201436" y="1109342"/>
+              <a:ext cx="720000" cy="720000"/>
+            </a:xfrm>
+            <a:prstGeom prst="rect">
+              <a:avLst/>
+            </a:prstGeom>
+          </p:spPr>
+        </p:pic>
+        <p:sp>
+          <p:nvSpPr>
+            <p:cNvPr id="30" name="TextBox 29">
+              <a:extLst>
+                <a:ext uri="{FF2B5EF4-FFF2-40B4-BE49-F238E27FC236}">
+                  <a16:creationId xmlns:a16="http://schemas.microsoft.com/office/drawing/2014/main" id="{43C0468B-C6F0-42E0-946C-402FBA46DBA0}"/>
+                </a:ext>
+              </a:extLst>
+            </p:cNvPr>
+            <p:cNvSpPr txBox="1"/>
+            <p:nvPr/>
+          </p:nvSpPr>
+          <p:spPr>
+            <a:xfrm>
+              <a:off x="906041" y="1932533"/>
+              <a:ext cx="1310790" cy="646331"/>
+            </a:xfrm>
+            <a:prstGeom prst="rect">
+              <a:avLst/>
+            </a:prstGeom>
+            <a:noFill/>
+          </p:spPr>
+          <p:txBody>
+            <a:bodyPr wrap="square" rtlCol="0">
+              <a:spAutoFit/>
+            </a:bodyPr>
+            <a:lstStyle/>
+            <a:p>
+              <a:pPr algn="ctr"/>
+              <a:r>
+                <a:rPr lang="en-SG" dirty="0">
+                  <a:solidFill>
+                    <a:schemeClr val="bg1"/>
+                  </a:solidFill>
+                  <a:latin typeface="Gotham Book" pitchFamily="50" charset="0"/>
+                  <a:cs typeface="Gotham Book" pitchFamily="50" charset="0"/>
+                </a:rPr>
+                <a:t>Data </a:t>
+              </a:r>
+            </a:p>
+            <a:p>
+              <a:pPr algn="ctr"/>
+              <a:r>
+                <a:rPr lang="en-SG" dirty="0">
+                  <a:solidFill>
+                    <a:schemeClr val="bg1"/>
+                  </a:solidFill>
+                  <a:latin typeface="Gotham Book" pitchFamily="50" charset="0"/>
+                  <a:cs typeface="Gotham Book" pitchFamily="50" charset="0"/>
+                </a:rPr>
+                <a:t>Cleaning</a:t>
+              </a:r>
+            </a:p>
+          </p:txBody>
+        </p:sp>
+      </p:grpSp>
+      <p:grpSp>
+        <p:nvGrpSpPr>
+          <p:cNvPr id="23" name="Group 22">
+            <a:extLst>
+              <a:ext uri="{FF2B5EF4-FFF2-40B4-BE49-F238E27FC236}">
+                <a16:creationId xmlns:a16="http://schemas.microsoft.com/office/drawing/2014/main" id="{2E532B55-37E7-4263-8AB0-FFF5EF10D2A7}"/>
+              </a:ext>
+            </a:extLst>
+          </p:cNvPr>
+          <p:cNvGrpSpPr/>
+          <p:nvPr/>
+        </p:nvGrpSpPr>
+        <p:grpSpPr>
+          <a:xfrm>
+            <a:off x="1786046" y="2486692"/>
+            <a:ext cx="1310790" cy="1192523"/>
+            <a:chOff x="2235652" y="2362954"/>
+            <a:chExt cx="1310790" cy="1192523"/>
+          </a:xfrm>
+        </p:grpSpPr>
+        <p:pic>
+          <p:nvPicPr>
+            <p:cNvPr id="9" name="Graphic 8" descr="Research">
+              <a:extLst>
+                <a:ext uri="{FF2B5EF4-FFF2-40B4-BE49-F238E27FC236}">
+                  <a16:creationId xmlns:a16="http://schemas.microsoft.com/office/drawing/2014/main" id="{4484A587-4DE2-4E0E-BD31-1E5371FF1617}"/>
+                </a:ext>
+              </a:extLst>
+            </p:cNvPr>
+            <p:cNvPicPr>
+              <a:picLocks noChangeAspect="1"/>
+            </p:cNvPicPr>
+            <p:nvPr/>
+          </p:nvPicPr>
+          <p:blipFill>
+            <a:blip r:embed="rId4">
+              <a:extLst>
+                <a:ext uri="{28A0092B-C50C-407E-A947-70E740481C1C}">
+                  <a14:useLocalDpi xmlns:a14="http://schemas.microsoft.com/office/drawing/2010/main" val="0"/>
+                </a:ext>
+                <a:ext uri="{96DAC541-7B7A-43D3-8B79-37D633B846F1}">
+                  <asvg:svgBlip xmlns:asvg="http://schemas.microsoft.com/office/drawing/2016/SVG/main" r:embed="rId5"/>
+                </a:ext>
+              </a:extLst>
+            </a:blip>
+            <a:stretch>
+              <a:fillRect/>
+            </a:stretch>
+          </p:blipFill>
+          <p:spPr>
+            <a:xfrm>
+              <a:off x="2531047" y="2362954"/>
+              <a:ext cx="720000" cy="720000"/>
+            </a:xfrm>
+            <a:prstGeom prst="rect">
+              <a:avLst/>
+            </a:prstGeom>
+          </p:spPr>
+        </p:pic>
+        <p:sp>
+          <p:nvSpPr>
+            <p:cNvPr id="34" name="TextBox 33">
+              <a:extLst>
+                <a:ext uri="{FF2B5EF4-FFF2-40B4-BE49-F238E27FC236}">
+                  <a16:creationId xmlns:a16="http://schemas.microsoft.com/office/drawing/2014/main" id="{ADA85AC4-4E67-4EC9-8959-12B9FA7B0155}"/>
+                </a:ext>
+              </a:extLst>
+            </p:cNvPr>
+            <p:cNvSpPr txBox="1"/>
+            <p:nvPr/>
+          </p:nvSpPr>
+          <p:spPr>
+            <a:xfrm>
+              <a:off x="2235652" y="3186145"/>
+              <a:ext cx="1310790" cy="369332"/>
+            </a:xfrm>
+            <a:prstGeom prst="rect">
+              <a:avLst/>
+            </a:prstGeom>
+            <a:noFill/>
+          </p:spPr>
+          <p:txBody>
+            <a:bodyPr wrap="square" rtlCol="0">
+              <a:spAutoFit/>
+            </a:bodyPr>
+            <a:lstStyle/>
+            <a:p>
+              <a:pPr algn="ctr"/>
+              <a:r>
+                <a:rPr lang="en-SG" dirty="0">
+                  <a:solidFill>
+                    <a:schemeClr val="bg1"/>
+                  </a:solidFill>
+                  <a:latin typeface="Gotham Book" pitchFamily="50" charset="0"/>
+                  <a:cs typeface="Gotham Book" pitchFamily="50" charset="0"/>
+                </a:rPr>
+                <a:t>EDA</a:t>
+              </a:r>
+            </a:p>
+          </p:txBody>
+        </p:sp>
+      </p:grpSp>
+      <p:grpSp>
+        <p:nvGrpSpPr>
+          <p:cNvPr id="24" name="Group 23">
+            <a:extLst>
+              <a:ext uri="{FF2B5EF4-FFF2-40B4-BE49-F238E27FC236}">
+                <a16:creationId xmlns:a16="http://schemas.microsoft.com/office/drawing/2014/main" id="{0C8365A5-56A5-444A-8595-FABEE68A9C3A}"/>
+              </a:ext>
+            </a:extLst>
+          </p:cNvPr>
+          <p:cNvGrpSpPr/>
+          <p:nvPr/>
+        </p:nvGrpSpPr>
+        <p:grpSpPr>
+          <a:xfrm>
+            <a:off x="3304185" y="2486692"/>
+            <a:ext cx="1310790" cy="1484283"/>
+            <a:chOff x="3877729" y="2486692"/>
+            <a:chExt cx="1310790" cy="1484283"/>
+          </a:xfrm>
+        </p:grpSpPr>
+        <p:pic>
+          <p:nvPicPr>
+            <p:cNvPr id="11" name="Graphic 10" descr="Minimize">
+              <a:extLst>
+                <a:ext uri="{FF2B5EF4-FFF2-40B4-BE49-F238E27FC236}">
+                  <a16:creationId xmlns:a16="http://schemas.microsoft.com/office/drawing/2014/main" id="{787A3D66-E702-4786-9334-AA8574247486}"/>
+                </a:ext>
+              </a:extLst>
+            </p:cNvPr>
+            <p:cNvPicPr>
+              <a:picLocks noChangeAspect="1"/>
+            </p:cNvPicPr>
+            <p:nvPr/>
+          </p:nvPicPr>
+          <p:blipFill>
+            <a:blip r:embed="rId6">
+              <a:extLst>
+                <a:ext uri="{28A0092B-C50C-407E-A947-70E740481C1C}">
+                  <a14:useLocalDpi xmlns:a14="http://schemas.microsoft.com/office/drawing/2010/main" val="0"/>
+                </a:ext>
+                <a:ext uri="{96DAC541-7B7A-43D3-8B79-37D633B846F1}">
+                  <asvg:svgBlip xmlns:asvg="http://schemas.microsoft.com/office/drawing/2016/SVG/main" r:embed="rId7"/>
+                </a:ext>
+              </a:extLst>
+            </a:blip>
+            <a:stretch>
+              <a:fillRect/>
+            </a:stretch>
+          </p:blipFill>
+          <p:spPr>
+            <a:xfrm>
+              <a:off x="4201767" y="2486692"/>
+              <a:ext cx="720000" cy="720000"/>
+            </a:xfrm>
+            <a:prstGeom prst="rect">
+              <a:avLst/>
+            </a:prstGeom>
+          </p:spPr>
+        </p:pic>
+        <p:sp>
+          <p:nvSpPr>
+            <p:cNvPr id="37" name="TextBox 36">
+              <a:extLst>
+                <a:ext uri="{FF2B5EF4-FFF2-40B4-BE49-F238E27FC236}">
+                  <a16:creationId xmlns:a16="http://schemas.microsoft.com/office/drawing/2014/main" id="{EECDB084-43ED-4B0B-BAE1-CBD141EECD68}"/>
+                </a:ext>
+              </a:extLst>
+            </p:cNvPr>
+            <p:cNvSpPr txBox="1"/>
+            <p:nvPr/>
+          </p:nvSpPr>
+          <p:spPr>
+            <a:xfrm>
+              <a:off x="3877729" y="3324644"/>
+              <a:ext cx="1310790" cy="646331"/>
+            </a:xfrm>
+            <a:prstGeom prst="rect">
+              <a:avLst/>
+            </a:prstGeom>
+            <a:noFill/>
+          </p:spPr>
+          <p:txBody>
+            <a:bodyPr wrap="square" rtlCol="0">
+              <a:spAutoFit/>
+            </a:bodyPr>
+            <a:lstStyle/>
+            <a:p>
+              <a:pPr algn="ctr"/>
+              <a:r>
+                <a:rPr lang="en-SG" dirty="0">
+                  <a:solidFill>
+                    <a:schemeClr val="bg1"/>
+                  </a:solidFill>
+                  <a:latin typeface="Gotham Book" pitchFamily="50" charset="0"/>
+                  <a:cs typeface="Gotham Book" pitchFamily="50" charset="0"/>
+                </a:rPr>
+                <a:t>Data</a:t>
+              </a:r>
+            </a:p>
+            <a:p>
+              <a:pPr algn="ctr"/>
+              <a:r>
+                <a:rPr lang="en-SG" dirty="0">
+                  <a:solidFill>
+                    <a:schemeClr val="bg1"/>
+                  </a:solidFill>
+                  <a:latin typeface="Gotham Book" pitchFamily="50" charset="0"/>
+                  <a:cs typeface="Gotham Book" pitchFamily="50" charset="0"/>
+                </a:rPr>
+                <a:t>Merging</a:t>
+              </a:r>
+            </a:p>
+          </p:txBody>
+        </p:sp>
+      </p:grpSp>
+      <p:grpSp>
+        <p:nvGrpSpPr>
+          <p:cNvPr id="29" name="Group 28">
+            <a:extLst>
+              <a:ext uri="{FF2B5EF4-FFF2-40B4-BE49-F238E27FC236}">
+                <a16:creationId xmlns:a16="http://schemas.microsoft.com/office/drawing/2014/main" id="{9DE674D4-9C8D-4555-9806-A27508F856AF}"/>
+              </a:ext>
+            </a:extLst>
+          </p:cNvPr>
+          <p:cNvGrpSpPr/>
+          <p:nvPr/>
+        </p:nvGrpSpPr>
+        <p:grpSpPr>
+          <a:xfrm>
+            <a:off x="4822324" y="2494817"/>
+            <a:ext cx="1640745" cy="1498717"/>
+            <a:chOff x="5629575" y="2494817"/>
+            <a:chExt cx="1640745" cy="1498717"/>
+          </a:xfrm>
+        </p:grpSpPr>
+        <p:pic>
+          <p:nvPicPr>
+            <p:cNvPr id="13" name="Graphic 12" descr="Tools">
+              <a:extLst>
+                <a:ext uri="{FF2B5EF4-FFF2-40B4-BE49-F238E27FC236}">
+                  <a16:creationId xmlns:a16="http://schemas.microsoft.com/office/drawing/2014/main" id="{10818EE9-430A-4CC4-BD02-5BDDEF750326}"/>
+                </a:ext>
+              </a:extLst>
+            </p:cNvPr>
+            <p:cNvPicPr>
+              <a:picLocks noChangeAspect="1"/>
+            </p:cNvPicPr>
+            <p:nvPr/>
+          </p:nvPicPr>
+          <p:blipFill>
+            <a:blip r:embed="rId8">
+              <a:extLst>
+                <a:ext uri="{28A0092B-C50C-407E-A947-70E740481C1C}">
+                  <a14:useLocalDpi xmlns:a14="http://schemas.microsoft.com/office/drawing/2010/main" val="0"/>
+                </a:ext>
+                <a:ext uri="{96DAC541-7B7A-43D3-8B79-37D633B846F1}">
+                  <asvg:svgBlip xmlns:asvg="http://schemas.microsoft.com/office/drawing/2016/SVG/main" r:embed="rId9"/>
+                </a:ext>
+              </a:extLst>
+            </a:blip>
+            <a:stretch>
+              <a:fillRect/>
+            </a:stretch>
+          </p:blipFill>
+          <p:spPr>
+            <a:xfrm>
+              <a:off x="6089947" y="2494817"/>
+              <a:ext cx="720000" cy="720000"/>
+            </a:xfrm>
+            <a:prstGeom prst="rect">
+              <a:avLst/>
+            </a:prstGeom>
+          </p:spPr>
+        </p:pic>
+        <p:sp>
+          <p:nvSpPr>
+            <p:cNvPr id="38" name="TextBox 37">
+              <a:extLst>
+                <a:ext uri="{FF2B5EF4-FFF2-40B4-BE49-F238E27FC236}">
+                  <a16:creationId xmlns:a16="http://schemas.microsoft.com/office/drawing/2014/main" id="{E7A4873B-A19D-462B-8779-4F149F7C5407}"/>
+                </a:ext>
+              </a:extLst>
+            </p:cNvPr>
+            <p:cNvSpPr txBox="1"/>
+            <p:nvPr/>
+          </p:nvSpPr>
+          <p:spPr>
+            <a:xfrm>
+              <a:off x="5629575" y="3347203"/>
+              <a:ext cx="1640745" cy="646331"/>
+            </a:xfrm>
+            <a:prstGeom prst="rect">
+              <a:avLst/>
+            </a:prstGeom>
+            <a:noFill/>
+          </p:spPr>
+          <p:txBody>
+            <a:bodyPr wrap="square" rtlCol="0">
+              <a:spAutoFit/>
+            </a:bodyPr>
+            <a:lstStyle/>
+            <a:p>
+              <a:pPr algn="ctr"/>
+              <a:r>
+                <a:rPr lang="en-SG" dirty="0">
+                  <a:solidFill>
+                    <a:schemeClr val="bg1"/>
+                  </a:solidFill>
+                  <a:latin typeface="Gotham Book" pitchFamily="50" charset="0"/>
+                  <a:cs typeface="Gotham Book" pitchFamily="50" charset="0"/>
+                </a:rPr>
+                <a:t>Feature</a:t>
+              </a:r>
+            </a:p>
+            <a:p>
+              <a:pPr algn="ctr"/>
+              <a:r>
+                <a:rPr lang="en-SG" dirty="0">
+                  <a:solidFill>
+                    <a:schemeClr val="bg1"/>
+                  </a:solidFill>
+                  <a:latin typeface="Gotham Book" pitchFamily="50" charset="0"/>
+                  <a:cs typeface="Gotham Book" pitchFamily="50" charset="0"/>
+                </a:rPr>
+                <a:t>Engineering</a:t>
+              </a:r>
+            </a:p>
+          </p:txBody>
+        </p:sp>
+      </p:grpSp>
+      <p:grpSp>
+        <p:nvGrpSpPr>
+          <p:cNvPr id="28" name="Group 27">
+            <a:extLst>
+              <a:ext uri="{FF2B5EF4-FFF2-40B4-BE49-F238E27FC236}">
+                <a16:creationId xmlns:a16="http://schemas.microsoft.com/office/drawing/2014/main" id="{A677EB62-42CC-4A72-8EA8-702339D0E93B}"/>
+              </a:ext>
+            </a:extLst>
+          </p:cNvPr>
+          <p:cNvGrpSpPr/>
+          <p:nvPr/>
+        </p:nvGrpSpPr>
+        <p:grpSpPr>
+          <a:xfrm>
+            <a:off x="6670418" y="2486692"/>
+            <a:ext cx="1640745" cy="1214596"/>
+            <a:chOff x="7407673" y="2486692"/>
+            <a:chExt cx="1640745" cy="1214596"/>
+          </a:xfrm>
+        </p:grpSpPr>
+        <p:pic>
+          <p:nvPicPr>
+            <p:cNvPr id="17" name="Graphic 16" descr="Hourglass">
+              <a:extLst>
+                <a:ext uri="{FF2B5EF4-FFF2-40B4-BE49-F238E27FC236}">
+                  <a16:creationId xmlns:a16="http://schemas.microsoft.com/office/drawing/2014/main" id="{2AB76BBD-A7C0-47CD-8857-DAAB96FDAC61}"/>
+                </a:ext>
+              </a:extLst>
+            </p:cNvPr>
+            <p:cNvPicPr>
+              <a:picLocks noChangeAspect="1"/>
+            </p:cNvPicPr>
+            <p:nvPr/>
+          </p:nvPicPr>
+          <p:blipFill>
+            <a:blip r:embed="rId10">
+              <a:extLst>
+                <a:ext uri="{28A0092B-C50C-407E-A947-70E740481C1C}">
+                  <a14:useLocalDpi xmlns:a14="http://schemas.microsoft.com/office/drawing/2010/main" val="0"/>
+                </a:ext>
+                <a:ext uri="{96DAC541-7B7A-43D3-8B79-37D633B846F1}">
+                  <asvg:svgBlip xmlns:asvg="http://schemas.microsoft.com/office/drawing/2016/SVG/main" r:embed="rId11"/>
+                </a:ext>
+              </a:extLst>
+            </a:blip>
+            <a:stretch>
+              <a:fillRect/>
+            </a:stretch>
+          </p:blipFill>
+          <p:spPr>
+            <a:xfrm>
+              <a:off x="7868046" y="2486692"/>
+              <a:ext cx="720000" cy="720000"/>
+            </a:xfrm>
+            <a:prstGeom prst="rect">
+              <a:avLst/>
+            </a:prstGeom>
+          </p:spPr>
+        </p:pic>
+        <p:sp>
+          <p:nvSpPr>
+            <p:cNvPr id="39" name="TextBox 38">
+              <a:extLst>
+                <a:ext uri="{FF2B5EF4-FFF2-40B4-BE49-F238E27FC236}">
+                  <a16:creationId xmlns:a16="http://schemas.microsoft.com/office/drawing/2014/main" id="{47238156-9AB9-42CF-9591-65B18505C1EC}"/>
+                </a:ext>
+              </a:extLst>
+            </p:cNvPr>
+            <p:cNvSpPr txBox="1"/>
+            <p:nvPr/>
+          </p:nvSpPr>
+          <p:spPr>
+            <a:xfrm>
+              <a:off x="7407673" y="3331956"/>
+              <a:ext cx="1640745" cy="369332"/>
+            </a:xfrm>
+            <a:prstGeom prst="rect">
+              <a:avLst/>
+            </a:prstGeom>
+            <a:noFill/>
+          </p:spPr>
+          <p:txBody>
+            <a:bodyPr wrap="square" rtlCol="0">
+              <a:spAutoFit/>
+            </a:bodyPr>
+            <a:lstStyle/>
+            <a:p>
+              <a:pPr algn="ctr"/>
+              <a:r>
+                <a:rPr lang="en-SG" dirty="0">
+                  <a:solidFill>
+                    <a:schemeClr val="bg1"/>
+                  </a:solidFill>
+                  <a:latin typeface="Gotham Book" pitchFamily="50" charset="0"/>
+                  <a:cs typeface="Gotham Book" pitchFamily="50" charset="0"/>
+                </a:rPr>
+                <a:t>Modelling</a:t>
+              </a:r>
+            </a:p>
+          </p:txBody>
+        </p:sp>
+      </p:grpSp>
+      <p:grpSp>
+        <p:nvGrpSpPr>
+          <p:cNvPr id="27" name="Group 26">
+            <a:extLst>
+              <a:ext uri="{FF2B5EF4-FFF2-40B4-BE49-F238E27FC236}">
+                <a16:creationId xmlns:a16="http://schemas.microsoft.com/office/drawing/2014/main" id="{924D0E9C-FEFE-4A42-A2EB-68A69CFE5992}"/>
+              </a:ext>
+            </a:extLst>
+          </p:cNvPr>
+          <p:cNvGrpSpPr/>
+          <p:nvPr/>
+        </p:nvGrpSpPr>
+        <p:grpSpPr>
+          <a:xfrm>
+            <a:off x="8518512" y="2494817"/>
+            <a:ext cx="1640745" cy="1206471"/>
+            <a:chOff x="8935853" y="2494817"/>
+            <a:chExt cx="1640745" cy="1206471"/>
+          </a:xfrm>
+        </p:grpSpPr>
+        <p:pic>
+          <p:nvPicPr>
+            <p:cNvPr id="19" name="Graphic 18" descr="Eye">
+              <a:extLst>
+                <a:ext uri="{FF2B5EF4-FFF2-40B4-BE49-F238E27FC236}">
+                  <a16:creationId xmlns:a16="http://schemas.microsoft.com/office/drawing/2014/main" id="{2C9D18F4-DF60-4C50-9850-912CD1CB918E}"/>
+                </a:ext>
+              </a:extLst>
+            </p:cNvPr>
+            <p:cNvPicPr>
+              <a:picLocks noChangeAspect="1"/>
+            </p:cNvPicPr>
+            <p:nvPr/>
+          </p:nvPicPr>
+          <p:blipFill>
+            <a:blip r:embed="rId12">
+              <a:extLst>
+                <a:ext uri="{28A0092B-C50C-407E-A947-70E740481C1C}">
+                  <a14:useLocalDpi xmlns:a14="http://schemas.microsoft.com/office/drawing/2010/main" val="0"/>
+                </a:ext>
+                <a:ext uri="{96DAC541-7B7A-43D3-8B79-37D633B846F1}">
+                  <asvg:svgBlip xmlns:asvg="http://schemas.microsoft.com/office/drawing/2016/SVG/main" r:embed="rId13"/>
+                </a:ext>
+              </a:extLst>
+            </a:blip>
+            <a:stretch>
+              <a:fillRect/>
+            </a:stretch>
+          </p:blipFill>
+          <p:spPr>
+            <a:xfrm>
+              <a:off x="9396226" y="2494817"/>
+              <a:ext cx="720000" cy="720000"/>
+            </a:xfrm>
+            <a:prstGeom prst="rect">
+              <a:avLst/>
+            </a:prstGeom>
+          </p:spPr>
+        </p:pic>
+        <p:sp>
+          <p:nvSpPr>
+            <p:cNvPr id="40" name="TextBox 39">
+              <a:extLst>
+                <a:ext uri="{FF2B5EF4-FFF2-40B4-BE49-F238E27FC236}">
+                  <a16:creationId xmlns:a16="http://schemas.microsoft.com/office/drawing/2014/main" id="{CF4A457C-9958-47F9-8111-D835E1A5D910}"/>
+                </a:ext>
+              </a:extLst>
+            </p:cNvPr>
+            <p:cNvSpPr txBox="1"/>
+            <p:nvPr/>
+          </p:nvSpPr>
+          <p:spPr>
+            <a:xfrm>
+              <a:off x="8935853" y="3331956"/>
+              <a:ext cx="1640745" cy="369332"/>
+            </a:xfrm>
+            <a:prstGeom prst="rect">
+              <a:avLst/>
+            </a:prstGeom>
+            <a:noFill/>
+          </p:spPr>
+          <p:txBody>
+            <a:bodyPr wrap="square" rtlCol="0">
+              <a:spAutoFit/>
+            </a:bodyPr>
+            <a:lstStyle/>
+            <a:p>
+              <a:pPr algn="ctr"/>
+              <a:r>
+                <a:rPr lang="en-SG" dirty="0">
+                  <a:solidFill>
+                    <a:schemeClr val="bg1"/>
+                  </a:solidFill>
+                  <a:latin typeface="Gotham Book" pitchFamily="50" charset="0"/>
+                  <a:cs typeface="Gotham Book" pitchFamily="50" charset="0"/>
+                </a:rPr>
+                <a:t>Validation</a:t>
+              </a:r>
+            </a:p>
+          </p:txBody>
+        </p:sp>
+      </p:grpSp>
+      <p:grpSp>
+        <p:nvGrpSpPr>
+          <p:cNvPr id="26" name="Group 25">
+            <a:extLst>
+              <a:ext uri="{FF2B5EF4-FFF2-40B4-BE49-F238E27FC236}">
+                <a16:creationId xmlns:a16="http://schemas.microsoft.com/office/drawing/2014/main" id="{2388A6FD-AD0D-4350-A86E-0B374796F9CF}"/>
+              </a:ext>
+            </a:extLst>
+          </p:cNvPr>
+          <p:cNvGrpSpPr/>
+          <p:nvPr/>
+        </p:nvGrpSpPr>
+        <p:grpSpPr>
+          <a:xfrm>
+            <a:off x="10366605" y="2466145"/>
+            <a:ext cx="1640745" cy="1527389"/>
+            <a:chOff x="10534900" y="2466145"/>
+            <a:chExt cx="1640745" cy="1527389"/>
+          </a:xfrm>
+        </p:grpSpPr>
+        <p:pic>
+          <p:nvPicPr>
+            <p:cNvPr id="21" name="Graphic 20" descr="Piggy Bank">
+              <a:extLst>
+                <a:ext uri="{FF2B5EF4-FFF2-40B4-BE49-F238E27FC236}">
+                  <a16:creationId xmlns:a16="http://schemas.microsoft.com/office/drawing/2014/main" id="{1EAAFDD7-270D-40BB-B235-F2B7DF98EC72}"/>
+                </a:ext>
+              </a:extLst>
+            </p:cNvPr>
+            <p:cNvPicPr>
+              <a:picLocks noChangeAspect="1"/>
+            </p:cNvPicPr>
+            <p:nvPr/>
+          </p:nvPicPr>
+          <p:blipFill>
+            <a:blip r:embed="rId14">
+              <a:extLst>
+                <a:ext uri="{28A0092B-C50C-407E-A947-70E740481C1C}">
+                  <a14:useLocalDpi xmlns:a14="http://schemas.microsoft.com/office/drawing/2010/main" val="0"/>
+                </a:ext>
+                <a:ext uri="{96DAC541-7B7A-43D3-8B79-37D633B846F1}">
+                  <asvg:svgBlip xmlns:asvg="http://schemas.microsoft.com/office/drawing/2016/SVG/main" r:embed="rId15"/>
+                </a:ext>
+              </a:extLst>
+            </a:blip>
+            <a:stretch>
+              <a:fillRect/>
+            </a:stretch>
+          </p:blipFill>
+          <p:spPr>
+            <a:xfrm>
+              <a:off x="10995273" y="2466145"/>
+              <a:ext cx="720000" cy="720000"/>
+            </a:xfrm>
+            <a:prstGeom prst="rect">
+              <a:avLst/>
+            </a:prstGeom>
+          </p:spPr>
+        </p:pic>
+        <p:sp>
+          <p:nvSpPr>
+            <p:cNvPr id="41" name="TextBox 40">
+              <a:extLst>
+                <a:ext uri="{FF2B5EF4-FFF2-40B4-BE49-F238E27FC236}">
+                  <a16:creationId xmlns:a16="http://schemas.microsoft.com/office/drawing/2014/main" id="{1CC5D3A0-E26A-408F-A350-73FBA5EDAE35}"/>
+                </a:ext>
+              </a:extLst>
+            </p:cNvPr>
+            <p:cNvSpPr txBox="1"/>
+            <p:nvPr/>
+          </p:nvSpPr>
+          <p:spPr>
+            <a:xfrm>
+              <a:off x="10534900" y="3347203"/>
+              <a:ext cx="1640745" cy="646331"/>
+            </a:xfrm>
+            <a:prstGeom prst="rect">
+              <a:avLst/>
+            </a:prstGeom>
+            <a:noFill/>
+          </p:spPr>
+          <p:txBody>
+            <a:bodyPr wrap="square" rtlCol="0">
+              <a:spAutoFit/>
+            </a:bodyPr>
+            <a:lstStyle/>
+            <a:p>
+              <a:pPr algn="ctr"/>
+              <a:r>
+                <a:rPr lang="en-SG" dirty="0">
+                  <a:solidFill>
+                    <a:schemeClr val="bg1"/>
+                  </a:solidFill>
+                  <a:latin typeface="Gotham Book" pitchFamily="50" charset="0"/>
+                  <a:cs typeface="Gotham Book" pitchFamily="50" charset="0"/>
+                </a:rPr>
+                <a:t>Cost-Benefit</a:t>
+              </a:r>
+            </a:p>
+            <a:p>
+              <a:pPr algn="ctr"/>
+              <a:r>
+                <a:rPr lang="en-SG" dirty="0">
+                  <a:solidFill>
+                    <a:schemeClr val="bg1"/>
+                  </a:solidFill>
+                  <a:latin typeface="Gotham Book" pitchFamily="50" charset="0"/>
+                  <a:cs typeface="Gotham Book" pitchFamily="50" charset="0"/>
+                </a:rPr>
+                <a:t>Analysis</a:t>
+              </a:r>
+            </a:p>
+          </p:txBody>
+        </p:sp>
+      </p:grpSp>
+      <p:cxnSp>
+        <p:nvCxnSpPr>
+          <p:cNvPr id="45" name="Straight Arrow Connector 44">
+            <a:extLst>
+              <a:ext uri="{FF2B5EF4-FFF2-40B4-BE49-F238E27FC236}">
+                <a16:creationId xmlns:a16="http://schemas.microsoft.com/office/drawing/2014/main" id="{DEB82724-4F13-4B3E-A5D9-2549C676F822}"/>
+              </a:ext>
+            </a:extLst>
+          </p:cNvPr>
+          <p:cNvCxnSpPr/>
+          <p:nvPr/>
+        </p:nvCxnSpPr>
+        <p:spPr>
+          <a:xfrm>
+            <a:off x="411578" y="4517605"/>
+            <a:ext cx="11520000" cy="0"/>
+          </a:xfrm>
+          <a:prstGeom prst="straightConnector1">
+            <a:avLst/>
+          </a:prstGeom>
+          <a:ln w="76200" cmpd="sng">
+            <a:gradFill flip="none" rotWithShape="1">
+              <a:gsLst>
+                <a:gs pos="32000">
+                  <a:srgbClr val="35609A"/>
+                </a:gs>
+                <a:gs pos="100000">
+                  <a:srgbClr val="EC343F"/>
+                </a:gs>
+              </a:gsLst>
+              <a:lin ang="0" scaled="1"/>
+              <a:tileRect/>
+            </a:gradFill>
+            <a:tailEnd type="triangle" w="lg" len="lg"/>
+          </a:ln>
+        </p:spPr>
+        <p:style>
+          <a:lnRef idx="1">
+            <a:schemeClr val="accent1"/>
+          </a:lnRef>
+          <a:fillRef idx="0">
+            <a:schemeClr val="accent1"/>
+          </a:fillRef>
+          <a:effectRef idx="0">
+            <a:schemeClr val="accent1"/>
+          </a:effectRef>
+          <a:fontRef idx="minor">
+            <a:schemeClr val="tx1"/>
+          </a:fontRef>
+        </p:style>
+      </p:cxnSp>
+    </p:spTree>
+    <p:extLst>
+      <p:ext uri="{BB962C8B-B14F-4D97-AF65-F5344CB8AC3E}">
+        <p14:creationId xmlns:p14="http://schemas.microsoft.com/office/powerpoint/2010/main" val="4288803398"/>
+      </p:ext>
+    </p:extLst>
+  </p:cSld>
+  <p:clrMapOvr>
+    <a:masterClrMapping/>
+  </p:clrMapOvr>
+</p:sld>
+</file>
+
+<file path=ppt/slides/slide8.xml><?xml version="1.0" encoding="utf-8"?>
+<p:sld xmlns:a="http://schemas.openxmlformats.org/drawingml/2006/main" xmlns:r="http://schemas.openxmlformats.org/officeDocument/2006/relationships" xmlns:p="http://schemas.openxmlformats.org/presentationml/2006/main">
+  <p:cSld>
+    <p:bg>
+      <p:bgPr>
+        <a:solidFill>
+          <a:srgbClr val="2F3742"/>
+        </a:solidFill>
+        <a:effectLst/>
+      </p:bgPr>
+    </p:bg>
+    <p:spTree>
+      <p:nvGrpSpPr>
+        <p:cNvPr id="1" name=""/>
+        <p:cNvGrpSpPr/>
+        <p:nvPr/>
+      </p:nvGrpSpPr>
+      <p:grpSpPr>
+        <a:xfrm>
+          <a:off x="0" y="0"/>
+          <a:ext cx="0" cy="0"/>
+          <a:chOff x="0" y="0"/>
+          <a:chExt cx="0" cy="0"/>
+        </a:xfrm>
+      </p:grpSpPr>
+      <p:sp>
+        <p:nvSpPr>
+          <p:cNvPr id="2" name="Title 1">
+            <a:extLst>
+              <a:ext uri="{FF2B5EF4-FFF2-40B4-BE49-F238E27FC236}">
+                <a16:creationId xmlns:a16="http://schemas.microsoft.com/office/drawing/2014/main" id="{FF21E304-E4E0-438B-AB07-1B8DC03AFC6F}"/>
+              </a:ext>
+            </a:extLst>
+          </p:cNvPr>
+          <p:cNvSpPr>
+            <a:spLocks noGrp="1"/>
+          </p:cNvSpPr>
+          <p:nvPr>
+            <p:ph type="ctrTitle"/>
+          </p:nvPr>
+        </p:nvSpPr>
+        <p:spPr>
+          <a:xfrm>
+            <a:off x="436202" y="5632449"/>
+            <a:ext cx="6136048" cy="928045"/>
+          </a:xfrm>
+        </p:spPr>
+        <p:txBody>
+          <a:bodyPr>
+            <a:normAutofit fontScale="90000"/>
+          </a:bodyPr>
+          <a:lstStyle/>
+          <a:p>
+            <a:pPr algn="l">
+              <a:lnSpc>
+                <a:spcPct val="150000"/>
+              </a:lnSpc>
+            </a:pPr>
+            <a:r>
+              <a:rPr lang="en-SG" dirty="0">
+                <a:gradFill flip="none" rotWithShape="1">
+                  <a:gsLst>
+                    <a:gs pos="0">
+                      <a:srgbClr val="35609A"/>
+                    </a:gs>
+                    <a:gs pos="100000">
+                      <a:srgbClr val="EC343F"/>
+                    </a:gs>
+                  </a:gsLst>
+                  <a:lin ang="0" scaled="1"/>
+                  <a:tileRect/>
+                </a:gradFill>
+                <a:latin typeface="Gotham Black" panose="02000603040000020004" pitchFamily="2" charset="0"/>
+              </a:rPr>
+              <a:t>CLEANING</a:t>
+            </a:r>
+            <a:endParaRPr lang="en-SG" dirty="0">
+              <a:gradFill>
+                <a:gsLst>
+                  <a:gs pos="0">
+                    <a:srgbClr val="35609A"/>
+                  </a:gs>
+                  <a:gs pos="100000">
+                    <a:srgbClr val="EC343F"/>
+                  </a:gs>
+                </a:gsLst>
+                <a:lin ang="0" scaled="1"/>
+              </a:gradFill>
+              <a:latin typeface="Gotham Black" panose="02000603040000020004" pitchFamily="2" charset="0"/>
+            </a:endParaRPr>
+          </a:p>
+        </p:txBody>
+      </p:sp>
+      <p:pic>
+        <p:nvPicPr>
+          <p:cNvPr id="7" name="Graphic 6" descr="Mop and bucket">
+            <a:extLst>
+              <a:ext uri="{FF2B5EF4-FFF2-40B4-BE49-F238E27FC236}">
+                <a16:creationId xmlns:a16="http://schemas.microsoft.com/office/drawing/2014/main" id="{0F454814-B50C-4698-B6C0-6DE90A930257}"/>
+              </a:ext>
+            </a:extLst>
+          </p:cNvPr>
+          <p:cNvPicPr>
+            <a:picLocks noChangeAspect="1"/>
+          </p:cNvPicPr>
+          <p:nvPr/>
+        </p:nvPicPr>
+        <p:blipFill>
+          <a:blip r:embed="rId2">
+            <a:extLst>
+              <a:ext uri="{28A0092B-C50C-407E-A947-70E740481C1C}">
+                <a14:useLocalDpi xmlns:a14="http://schemas.microsoft.com/office/drawing/2010/main" val="0"/>
+              </a:ext>
+              <a:ext uri="{96DAC541-7B7A-43D3-8B79-37D633B846F1}">
+                <asvg:svgBlip xmlns:asvg="http://schemas.microsoft.com/office/drawing/2016/SVG/main" r:embed="rId3"/>
+              </a:ext>
+            </a:extLst>
+          </a:blip>
+          <a:stretch>
+            <a:fillRect/>
+          </a:stretch>
+        </p:blipFill>
+        <p:spPr>
+          <a:xfrm>
+            <a:off x="6762349" y="5966194"/>
+            <a:ext cx="360000" cy="360000"/>
+          </a:xfrm>
+          <a:prstGeom prst="rect">
+            <a:avLst/>
+          </a:prstGeom>
+        </p:spPr>
+      </p:pic>
+      <p:pic>
+        <p:nvPicPr>
+          <p:cNvPr id="9" name="Graphic 8" descr="Research">
+            <a:extLst>
+              <a:ext uri="{FF2B5EF4-FFF2-40B4-BE49-F238E27FC236}">
+                <a16:creationId xmlns:a16="http://schemas.microsoft.com/office/drawing/2014/main" id="{4484A587-4DE2-4E0E-BD31-1E5371FF1617}"/>
+              </a:ext>
+            </a:extLst>
+          </p:cNvPr>
+          <p:cNvPicPr>
+            <a:picLocks noChangeAspect="1"/>
+          </p:cNvPicPr>
+          <p:nvPr/>
+        </p:nvPicPr>
+        <p:blipFill>
+          <a:blip r:embed="rId4">
+            <a:extLst>
+              <a:ext uri="{28A0092B-C50C-407E-A947-70E740481C1C}">
+                <a14:useLocalDpi xmlns:a14="http://schemas.microsoft.com/office/drawing/2010/main" val="0"/>
+              </a:ext>
+              <a:ext uri="{96DAC541-7B7A-43D3-8B79-37D633B846F1}">
+                <asvg:svgBlip xmlns:asvg="http://schemas.microsoft.com/office/drawing/2016/SVG/main" r:embed="rId5"/>
+              </a:ext>
+            </a:extLst>
+          </a:blip>
+          <a:stretch>
+            <a:fillRect/>
+          </a:stretch>
+        </p:blipFill>
+        <p:spPr>
+          <a:xfrm>
+            <a:off x="7392104" y="5966194"/>
+            <a:ext cx="360000" cy="360000"/>
+          </a:xfrm>
+          <a:prstGeom prst="rect">
+            <a:avLst/>
+          </a:prstGeom>
+        </p:spPr>
+      </p:pic>
+      <p:pic>
+        <p:nvPicPr>
+          <p:cNvPr id="11" name="Graphic 10" descr="Minimize">
+            <a:extLst>
+              <a:ext uri="{FF2B5EF4-FFF2-40B4-BE49-F238E27FC236}">
+                <a16:creationId xmlns:a16="http://schemas.microsoft.com/office/drawing/2014/main" id="{787A3D66-E702-4786-9334-AA8574247486}"/>
+              </a:ext>
+            </a:extLst>
+          </p:cNvPr>
+          <p:cNvPicPr>
+            <a:picLocks noChangeAspect="1"/>
+          </p:cNvPicPr>
+          <p:nvPr/>
+        </p:nvPicPr>
+        <p:blipFill>
+          <a:blip r:embed="rId6">
+            <a:extLst>
+              <a:ext uri="{28A0092B-C50C-407E-A947-70E740481C1C}">
+                <a14:useLocalDpi xmlns:a14="http://schemas.microsoft.com/office/drawing/2010/main" val="0"/>
+              </a:ext>
+              <a:ext uri="{96DAC541-7B7A-43D3-8B79-37D633B846F1}">
+                <asvg:svgBlip xmlns:asvg="http://schemas.microsoft.com/office/drawing/2016/SVG/main" r:embed="rId7"/>
+              </a:ext>
+            </a:extLst>
+          </a:blip>
+          <a:stretch>
+            <a:fillRect/>
+          </a:stretch>
+        </p:blipFill>
+        <p:spPr>
+          <a:xfrm>
+            <a:off x="8021859" y="5966194"/>
+            <a:ext cx="360000" cy="360000"/>
+          </a:xfrm>
+          <a:prstGeom prst="rect">
+            <a:avLst/>
+          </a:prstGeom>
+        </p:spPr>
+      </p:pic>
+      <p:pic>
+        <p:nvPicPr>
+          <p:cNvPr id="13" name="Graphic 12" descr="Tools">
+            <a:extLst>
+              <a:ext uri="{FF2B5EF4-FFF2-40B4-BE49-F238E27FC236}">
+                <a16:creationId xmlns:a16="http://schemas.microsoft.com/office/drawing/2014/main" id="{10818EE9-430A-4CC4-BD02-5BDDEF750326}"/>
+              </a:ext>
+            </a:extLst>
+          </p:cNvPr>
+          <p:cNvPicPr>
+            <a:picLocks noChangeAspect="1"/>
+          </p:cNvPicPr>
+          <p:nvPr/>
+        </p:nvPicPr>
+        <p:blipFill>
+          <a:blip r:embed="rId8">
+            <a:extLst>
+              <a:ext uri="{28A0092B-C50C-407E-A947-70E740481C1C}">
+                <a14:useLocalDpi xmlns:a14="http://schemas.microsoft.com/office/drawing/2010/main" val="0"/>
+              </a:ext>
+              <a:ext uri="{96DAC541-7B7A-43D3-8B79-37D633B846F1}">
+                <asvg:svgBlip xmlns:asvg="http://schemas.microsoft.com/office/drawing/2016/SVG/main" r:embed="rId9"/>
+              </a:ext>
+            </a:extLst>
+          </a:blip>
+          <a:stretch>
+            <a:fillRect/>
+          </a:stretch>
+        </p:blipFill>
+        <p:spPr>
+          <a:xfrm>
+            <a:off x="8651614" y="5966194"/>
+            <a:ext cx="360000" cy="360000"/>
+          </a:xfrm>
+          <a:prstGeom prst="rect">
+            <a:avLst/>
+          </a:prstGeom>
+        </p:spPr>
+      </p:pic>
+      <p:pic>
+        <p:nvPicPr>
+          <p:cNvPr id="17" name="Graphic 16" descr="Hourglass">
+            <a:extLst>
+              <a:ext uri="{FF2B5EF4-FFF2-40B4-BE49-F238E27FC236}">
+                <a16:creationId xmlns:a16="http://schemas.microsoft.com/office/drawing/2014/main" id="{2AB76BBD-A7C0-47CD-8857-DAAB96FDAC61}"/>
+              </a:ext>
+            </a:extLst>
+          </p:cNvPr>
+          <p:cNvPicPr>
+            <a:picLocks noChangeAspect="1"/>
+          </p:cNvPicPr>
+          <p:nvPr/>
+        </p:nvPicPr>
+        <p:blipFill>
+          <a:blip r:embed="rId10">
+            <a:extLst>
+              <a:ext uri="{28A0092B-C50C-407E-A947-70E740481C1C}">
+                <a14:useLocalDpi xmlns:a14="http://schemas.microsoft.com/office/drawing/2010/main" val="0"/>
+              </a:ext>
+              <a:ext uri="{96DAC541-7B7A-43D3-8B79-37D633B846F1}">
+                <asvg:svgBlip xmlns:asvg="http://schemas.microsoft.com/office/drawing/2016/SVG/main" r:embed="rId11"/>
+              </a:ext>
+            </a:extLst>
+          </a:blip>
+          <a:stretch>
+            <a:fillRect/>
+          </a:stretch>
+        </p:blipFill>
+        <p:spPr>
+          <a:xfrm>
+            <a:off x="9281369" y="5966194"/>
+            <a:ext cx="360000" cy="360000"/>
+          </a:xfrm>
+          <a:prstGeom prst="rect">
+            <a:avLst/>
+          </a:prstGeom>
+        </p:spPr>
+      </p:pic>
+      <p:pic>
+        <p:nvPicPr>
+          <p:cNvPr id="19" name="Graphic 18" descr="Eye">
+            <a:extLst>
+              <a:ext uri="{FF2B5EF4-FFF2-40B4-BE49-F238E27FC236}">
+                <a16:creationId xmlns:a16="http://schemas.microsoft.com/office/drawing/2014/main" id="{2C9D18F4-DF60-4C50-9850-912CD1CB918E}"/>
+              </a:ext>
+            </a:extLst>
+          </p:cNvPr>
+          <p:cNvPicPr>
+            <a:picLocks noChangeAspect="1"/>
+          </p:cNvPicPr>
+          <p:nvPr/>
+        </p:nvPicPr>
+        <p:blipFill>
+          <a:blip r:embed="rId12">
+            <a:extLst>
+              <a:ext uri="{28A0092B-C50C-407E-A947-70E740481C1C}">
+                <a14:useLocalDpi xmlns:a14="http://schemas.microsoft.com/office/drawing/2010/main" val="0"/>
+              </a:ext>
+              <a:ext uri="{96DAC541-7B7A-43D3-8B79-37D633B846F1}">
+                <asvg:svgBlip xmlns:asvg="http://schemas.microsoft.com/office/drawing/2016/SVG/main" r:embed="rId13"/>
+              </a:ext>
+            </a:extLst>
+          </a:blip>
+          <a:stretch>
+            <a:fillRect/>
+          </a:stretch>
+        </p:blipFill>
+        <p:spPr>
+          <a:xfrm>
+            <a:off x="9911124" y="5966194"/>
+            <a:ext cx="360000" cy="360000"/>
+          </a:xfrm>
+          <a:prstGeom prst="rect">
+            <a:avLst/>
+          </a:prstGeom>
+        </p:spPr>
+      </p:pic>
+      <p:pic>
+        <p:nvPicPr>
+          <p:cNvPr id="21" name="Graphic 20" descr="Piggy Bank">
+            <a:extLst>
+              <a:ext uri="{FF2B5EF4-FFF2-40B4-BE49-F238E27FC236}">
+                <a16:creationId xmlns:a16="http://schemas.microsoft.com/office/drawing/2014/main" id="{1EAAFDD7-270D-40BB-B235-F2B7DF98EC72}"/>
+              </a:ext>
+            </a:extLst>
+          </p:cNvPr>
+          <p:cNvPicPr>
+            <a:picLocks noChangeAspect="1"/>
+          </p:cNvPicPr>
+          <p:nvPr/>
+        </p:nvPicPr>
+        <p:blipFill>
+          <a:blip r:embed="rId14">
+            <a:extLst>
+              <a:ext uri="{28A0092B-C50C-407E-A947-70E740481C1C}">
+                <a14:useLocalDpi xmlns:a14="http://schemas.microsoft.com/office/drawing/2010/main" val="0"/>
+              </a:ext>
+              <a:ext uri="{96DAC541-7B7A-43D3-8B79-37D633B846F1}">
+                <asvg:svgBlip xmlns:asvg="http://schemas.microsoft.com/office/drawing/2016/SVG/main" r:embed="rId15"/>
+              </a:ext>
+            </a:extLst>
+          </a:blip>
+          <a:stretch>
+            <a:fillRect/>
+          </a:stretch>
+        </p:blipFill>
+        <p:spPr>
+          <a:xfrm>
+            <a:off x="10540878" y="5966194"/>
+            <a:ext cx="360000" cy="360000"/>
+          </a:xfrm>
+          <a:prstGeom prst="rect">
+            <a:avLst/>
+          </a:prstGeom>
+        </p:spPr>
+      </p:pic>
+      <p:sp>
+        <p:nvSpPr>
+          <p:cNvPr id="25" name="TextBox 24">
+            <a:extLst>
+              <a:ext uri="{FF2B5EF4-FFF2-40B4-BE49-F238E27FC236}">
+                <a16:creationId xmlns:a16="http://schemas.microsoft.com/office/drawing/2014/main" id="{21869157-FE50-4022-82C7-B39E21A31C8B}"/>
+              </a:ext>
+            </a:extLst>
+          </p:cNvPr>
+          <p:cNvSpPr txBox="1"/>
+          <p:nvPr/>
+        </p:nvSpPr>
+        <p:spPr>
+          <a:xfrm>
+            <a:off x="436202" y="509367"/>
+            <a:ext cx="7479248" cy="584775"/>
+          </a:xfrm>
+          <a:prstGeom prst="rect">
+            <a:avLst/>
+          </a:prstGeom>
+          <a:noFill/>
+        </p:spPr>
+        <p:txBody>
+          <a:bodyPr wrap="square" rtlCol="0">
+            <a:spAutoFit/>
+          </a:bodyPr>
+          <a:lstStyle/>
+          <a:p>
+            <a:r>
+              <a:rPr lang="en-SG" sz="3200" dirty="0">
+                <a:solidFill>
+                  <a:schemeClr val="bg1"/>
+                </a:solidFill>
+                <a:latin typeface="Gotham Black" panose="02000603040000020004" pitchFamily="2" charset="0"/>
+              </a:rPr>
+              <a:t>TRAIN/TEST</a:t>
+            </a:r>
+          </a:p>
+        </p:txBody>
+      </p:sp>
+    </p:spTree>
+    <p:extLst>
+      <p:ext uri="{BB962C8B-B14F-4D97-AF65-F5344CB8AC3E}">
+        <p14:creationId xmlns:p14="http://schemas.microsoft.com/office/powerpoint/2010/main" val="2579216300"/>
+      </p:ext>
+    </p:extLst>
+  </p:cSld>
+  <p:clrMapOvr>
+    <a:masterClrMapping/>
+  </p:clrMapOvr>
+</p:sld>
+</file>
+
+<file path=ppt/slides/slide9.xml><?xml version="1.0" encoding="utf-8"?>
+<p:sld xmlns:a="http://schemas.openxmlformats.org/drawingml/2006/main" xmlns:r="http://schemas.openxmlformats.org/officeDocument/2006/relationships" xmlns:p="http://schemas.openxmlformats.org/presentationml/2006/main">
+  <p:cSld>
+    <p:bg>
+      <p:bgPr>
+        <a:solidFill>
+          <a:srgbClr val="2F3742"/>
+        </a:solidFill>
+        <a:effectLst/>
+      </p:bgPr>
+    </p:bg>
+    <p:spTree>
+      <p:nvGrpSpPr>
+        <p:cNvPr id="1" name=""/>
+        <p:cNvGrpSpPr/>
+        <p:nvPr/>
+      </p:nvGrpSpPr>
+      <p:grpSpPr>
+        <a:xfrm>
+          <a:off x="0" y="0"/>
+          <a:ext cx="0" cy="0"/>
+          <a:chOff x="0" y="0"/>
+          <a:chExt cx="0" cy="0"/>
+        </a:xfrm>
+      </p:grpSpPr>
+      <p:sp>
+        <p:nvSpPr>
+          <p:cNvPr id="2" name="Title 1">
+            <a:extLst>
+              <a:ext uri="{FF2B5EF4-FFF2-40B4-BE49-F238E27FC236}">
+                <a16:creationId xmlns:a16="http://schemas.microsoft.com/office/drawing/2014/main" id="{FF21E304-E4E0-438B-AB07-1B8DC03AFC6F}"/>
+              </a:ext>
+            </a:extLst>
+          </p:cNvPr>
+          <p:cNvSpPr>
+            <a:spLocks noGrp="1"/>
+          </p:cNvSpPr>
+          <p:nvPr>
+            <p:ph type="ctrTitle"/>
+          </p:nvPr>
+        </p:nvSpPr>
+        <p:spPr>
+          <a:xfrm>
+            <a:off x="436202" y="5632449"/>
+            <a:ext cx="6136048" cy="928045"/>
+          </a:xfrm>
+        </p:spPr>
+        <p:txBody>
+          <a:bodyPr>
+            <a:normAutofit fontScale="90000"/>
+          </a:bodyPr>
+          <a:lstStyle/>
+          <a:p>
+            <a:pPr algn="l">
+              <a:lnSpc>
+                <a:spcPct val="150000"/>
+              </a:lnSpc>
+            </a:pPr>
+            <a:r>
+              <a:rPr lang="en-SG" dirty="0">
+                <a:gradFill flip="none" rotWithShape="1">
+                  <a:gsLst>
+                    <a:gs pos="0">
+                      <a:srgbClr val="35609A"/>
+                    </a:gs>
+                    <a:gs pos="100000">
+                      <a:srgbClr val="EC343F"/>
+                    </a:gs>
+                  </a:gsLst>
+                  <a:lin ang="0" scaled="1"/>
+                  <a:tileRect/>
+                </a:gradFill>
+                <a:latin typeface="Gotham Black" panose="02000603040000020004" pitchFamily="2" charset="0"/>
+              </a:rPr>
+              <a:t>CLEANING</a:t>
+            </a:r>
+            <a:endParaRPr lang="en-SG" dirty="0">
+              <a:gradFill>
+                <a:gsLst>
+                  <a:gs pos="0">
+                    <a:srgbClr val="35609A"/>
+                  </a:gs>
+                  <a:gs pos="100000">
+                    <a:srgbClr val="EC343F"/>
+                  </a:gs>
+                </a:gsLst>
+                <a:lin ang="0" scaled="1"/>
+              </a:gradFill>
+              <a:latin typeface="Gotham Black" panose="02000603040000020004" pitchFamily="2" charset="0"/>
+            </a:endParaRPr>
+          </a:p>
+        </p:txBody>
+      </p:sp>
+      <p:pic>
+        <p:nvPicPr>
+          <p:cNvPr id="7" name="Graphic 6" descr="Mop and bucket">
+            <a:extLst>
+              <a:ext uri="{FF2B5EF4-FFF2-40B4-BE49-F238E27FC236}">
+                <a16:creationId xmlns:a16="http://schemas.microsoft.com/office/drawing/2014/main" id="{0F454814-B50C-4698-B6C0-6DE90A930257}"/>
+              </a:ext>
+            </a:extLst>
+          </p:cNvPr>
+          <p:cNvPicPr>
+            <a:picLocks noChangeAspect="1"/>
+          </p:cNvPicPr>
+          <p:nvPr/>
+        </p:nvPicPr>
+        <p:blipFill>
+          <a:blip r:embed="rId2">
+            <a:extLst>
+              <a:ext uri="{28A0092B-C50C-407E-A947-70E740481C1C}">
+                <a14:useLocalDpi xmlns:a14="http://schemas.microsoft.com/office/drawing/2010/main" val="0"/>
+              </a:ext>
+              <a:ext uri="{96DAC541-7B7A-43D3-8B79-37D633B846F1}">
+                <asvg:svgBlip xmlns:asvg="http://schemas.microsoft.com/office/drawing/2016/SVG/main" r:embed="rId3"/>
+              </a:ext>
+            </a:extLst>
+          </a:blip>
+          <a:stretch>
+            <a:fillRect/>
+          </a:stretch>
+        </p:blipFill>
+        <p:spPr>
+          <a:xfrm>
+            <a:off x="6762349" y="5966194"/>
+            <a:ext cx="360000" cy="360000"/>
+          </a:xfrm>
+          <a:prstGeom prst="rect">
+            <a:avLst/>
+          </a:prstGeom>
+        </p:spPr>
+      </p:pic>
+      <p:pic>
+        <p:nvPicPr>
+          <p:cNvPr id="9" name="Graphic 8" descr="Research">
+            <a:extLst>
+              <a:ext uri="{FF2B5EF4-FFF2-40B4-BE49-F238E27FC236}">
+                <a16:creationId xmlns:a16="http://schemas.microsoft.com/office/drawing/2014/main" id="{4484A587-4DE2-4E0E-BD31-1E5371FF1617}"/>
+              </a:ext>
+            </a:extLst>
+          </p:cNvPr>
+          <p:cNvPicPr>
+            <a:picLocks noChangeAspect="1"/>
+          </p:cNvPicPr>
+          <p:nvPr/>
+        </p:nvPicPr>
+        <p:blipFill>
+          <a:blip r:embed="rId4">
+            <a:extLst>
+              <a:ext uri="{28A0092B-C50C-407E-A947-70E740481C1C}">
+                <a14:useLocalDpi xmlns:a14="http://schemas.microsoft.com/office/drawing/2010/main" val="0"/>
+              </a:ext>
+              <a:ext uri="{96DAC541-7B7A-43D3-8B79-37D633B846F1}">
+                <asvg:svgBlip xmlns:asvg="http://schemas.microsoft.com/office/drawing/2016/SVG/main" r:embed="rId5"/>
+              </a:ext>
+            </a:extLst>
+          </a:blip>
+          <a:stretch>
+            <a:fillRect/>
+          </a:stretch>
+        </p:blipFill>
+        <p:spPr>
+          <a:xfrm>
+            <a:off x="7392104" y="5966194"/>
+            <a:ext cx="360000" cy="360000"/>
+          </a:xfrm>
+          <a:prstGeom prst="rect">
+            <a:avLst/>
+          </a:prstGeom>
+        </p:spPr>
+      </p:pic>
+      <p:pic>
+        <p:nvPicPr>
+          <p:cNvPr id="11" name="Graphic 10" descr="Minimize">
+            <a:extLst>
+              <a:ext uri="{FF2B5EF4-FFF2-40B4-BE49-F238E27FC236}">
+                <a16:creationId xmlns:a16="http://schemas.microsoft.com/office/drawing/2014/main" id="{787A3D66-E702-4786-9334-AA8574247486}"/>
+              </a:ext>
+            </a:extLst>
+          </p:cNvPr>
+          <p:cNvPicPr>
+            <a:picLocks noChangeAspect="1"/>
+          </p:cNvPicPr>
+          <p:nvPr/>
+        </p:nvPicPr>
+        <p:blipFill>
+          <a:blip r:embed="rId6">
+            <a:extLst>
+              <a:ext uri="{28A0092B-C50C-407E-A947-70E740481C1C}">
+                <a14:useLocalDpi xmlns:a14="http://schemas.microsoft.com/office/drawing/2010/main" val="0"/>
+              </a:ext>
+              <a:ext uri="{96DAC541-7B7A-43D3-8B79-37D633B846F1}">
+                <asvg:svgBlip xmlns:asvg="http://schemas.microsoft.com/office/drawing/2016/SVG/main" r:embed="rId7"/>
+              </a:ext>
+            </a:extLst>
+          </a:blip>
+          <a:stretch>
+            <a:fillRect/>
+          </a:stretch>
+        </p:blipFill>
+        <p:spPr>
+          <a:xfrm>
+            <a:off x="8021859" y="5966194"/>
+            <a:ext cx="360000" cy="360000"/>
+          </a:xfrm>
+          <a:prstGeom prst="rect">
+            <a:avLst/>
+          </a:prstGeom>
+        </p:spPr>
+      </p:pic>
+      <p:pic>
+        <p:nvPicPr>
+          <p:cNvPr id="13" name="Graphic 12" descr="Tools">
+            <a:extLst>
+              <a:ext uri="{FF2B5EF4-FFF2-40B4-BE49-F238E27FC236}">
+                <a16:creationId xmlns:a16="http://schemas.microsoft.com/office/drawing/2014/main" id="{10818EE9-430A-4CC4-BD02-5BDDEF750326}"/>
+              </a:ext>
+            </a:extLst>
+          </p:cNvPr>
+          <p:cNvPicPr>
+            <a:picLocks noChangeAspect="1"/>
+          </p:cNvPicPr>
+          <p:nvPr/>
+        </p:nvPicPr>
+        <p:blipFill>
+          <a:blip r:embed="rId8">
+            <a:extLst>
+              <a:ext uri="{28A0092B-C50C-407E-A947-70E740481C1C}">
+                <a14:useLocalDpi xmlns:a14="http://schemas.microsoft.com/office/drawing/2010/main" val="0"/>
+              </a:ext>
+              <a:ext uri="{96DAC541-7B7A-43D3-8B79-37D633B846F1}">
+                <asvg:svgBlip xmlns:asvg="http://schemas.microsoft.com/office/drawing/2016/SVG/main" r:embed="rId9"/>
+              </a:ext>
+            </a:extLst>
+          </a:blip>
+          <a:stretch>
+            <a:fillRect/>
+          </a:stretch>
+        </p:blipFill>
+        <p:spPr>
+          <a:xfrm>
+            <a:off x="8651614" y="5966194"/>
+            <a:ext cx="360000" cy="360000"/>
+          </a:xfrm>
+          <a:prstGeom prst="rect">
+            <a:avLst/>
+          </a:prstGeom>
+        </p:spPr>
+      </p:pic>
+      <p:pic>
+        <p:nvPicPr>
+          <p:cNvPr id="17" name="Graphic 16" descr="Hourglass">
+            <a:extLst>
+              <a:ext uri="{FF2B5EF4-FFF2-40B4-BE49-F238E27FC236}">
+                <a16:creationId xmlns:a16="http://schemas.microsoft.com/office/drawing/2014/main" id="{2AB76BBD-A7C0-47CD-8857-DAAB96FDAC61}"/>
+              </a:ext>
+            </a:extLst>
+          </p:cNvPr>
+          <p:cNvPicPr>
+            <a:picLocks noChangeAspect="1"/>
+          </p:cNvPicPr>
+          <p:nvPr/>
+        </p:nvPicPr>
+        <p:blipFill>
+          <a:blip r:embed="rId10">
+            <a:extLst>
+              <a:ext uri="{28A0092B-C50C-407E-A947-70E740481C1C}">
+                <a14:useLocalDpi xmlns:a14="http://schemas.microsoft.com/office/drawing/2010/main" val="0"/>
+              </a:ext>
+              <a:ext uri="{96DAC541-7B7A-43D3-8B79-37D633B846F1}">
+                <asvg:svgBlip xmlns:asvg="http://schemas.microsoft.com/office/drawing/2016/SVG/main" r:embed="rId11"/>
+              </a:ext>
+            </a:extLst>
+          </a:blip>
+          <a:stretch>
+            <a:fillRect/>
+          </a:stretch>
+        </p:blipFill>
+        <p:spPr>
+          <a:xfrm>
+            <a:off x="9281369" y="5966194"/>
+            <a:ext cx="360000" cy="360000"/>
+          </a:xfrm>
+          <a:prstGeom prst="rect">
+            <a:avLst/>
+          </a:prstGeom>
+        </p:spPr>
+      </p:pic>
+      <p:pic>
+        <p:nvPicPr>
+          <p:cNvPr id="19" name="Graphic 18" descr="Eye">
+            <a:extLst>
+              <a:ext uri="{FF2B5EF4-FFF2-40B4-BE49-F238E27FC236}">
+                <a16:creationId xmlns:a16="http://schemas.microsoft.com/office/drawing/2014/main" id="{2C9D18F4-DF60-4C50-9850-912CD1CB918E}"/>
+              </a:ext>
+            </a:extLst>
+          </p:cNvPr>
+          <p:cNvPicPr>
+            <a:picLocks noChangeAspect="1"/>
+          </p:cNvPicPr>
+          <p:nvPr/>
+        </p:nvPicPr>
+        <p:blipFill>
+          <a:blip r:embed="rId12">
+            <a:extLst>
+              <a:ext uri="{28A0092B-C50C-407E-A947-70E740481C1C}">
+                <a14:useLocalDpi xmlns:a14="http://schemas.microsoft.com/office/drawing/2010/main" val="0"/>
+              </a:ext>
+              <a:ext uri="{96DAC541-7B7A-43D3-8B79-37D633B846F1}">
+                <asvg:svgBlip xmlns:asvg="http://schemas.microsoft.com/office/drawing/2016/SVG/main" r:embed="rId13"/>
+              </a:ext>
+            </a:extLst>
+          </a:blip>
+          <a:stretch>
+            <a:fillRect/>
+          </a:stretch>
+        </p:blipFill>
+        <p:spPr>
+          <a:xfrm>
+            <a:off x="9911124" y="5966194"/>
+            <a:ext cx="360000" cy="360000"/>
+          </a:xfrm>
+          <a:prstGeom prst="rect">
+            <a:avLst/>
+          </a:prstGeom>
+        </p:spPr>
+      </p:pic>
+      <p:pic>
+        <p:nvPicPr>
+          <p:cNvPr id="21" name="Graphic 20" descr="Piggy Bank">
+            <a:extLst>
+              <a:ext uri="{FF2B5EF4-FFF2-40B4-BE49-F238E27FC236}">
+                <a16:creationId xmlns:a16="http://schemas.microsoft.com/office/drawing/2014/main" id="{1EAAFDD7-270D-40BB-B235-F2B7DF98EC72}"/>
+              </a:ext>
+            </a:extLst>
+          </p:cNvPr>
+          <p:cNvPicPr>
+            <a:picLocks noChangeAspect="1"/>
+          </p:cNvPicPr>
+          <p:nvPr/>
+        </p:nvPicPr>
+        <p:blipFill>
+          <a:blip r:embed="rId14">
+            <a:extLst>
+              <a:ext uri="{28A0092B-C50C-407E-A947-70E740481C1C}">
+                <a14:useLocalDpi xmlns:a14="http://schemas.microsoft.com/office/drawing/2010/main" val="0"/>
+              </a:ext>
+              <a:ext uri="{96DAC541-7B7A-43D3-8B79-37D633B846F1}">
+                <asvg:svgBlip xmlns:asvg="http://schemas.microsoft.com/office/drawing/2016/SVG/main" r:embed="rId15"/>
+              </a:ext>
+            </a:extLst>
+          </a:blip>
+          <a:stretch>
+            <a:fillRect/>
+          </a:stretch>
+        </p:blipFill>
+        <p:spPr>
+          <a:xfrm>
+            <a:off x="10540878" y="5966194"/>
+            <a:ext cx="360000" cy="360000"/>
+          </a:xfrm>
+          <a:prstGeom prst="rect">
+            <a:avLst/>
+          </a:prstGeom>
+        </p:spPr>
+      </p:pic>
+      <p:sp>
+        <p:nvSpPr>
+          <p:cNvPr id="10" name="TextBox 9">
+            <a:extLst>
+              <a:ext uri="{FF2B5EF4-FFF2-40B4-BE49-F238E27FC236}">
+                <a16:creationId xmlns:a16="http://schemas.microsoft.com/office/drawing/2014/main" id="{E9D6B482-8581-4E1F-80EB-BAF2C7C046BF}"/>
+              </a:ext>
+            </a:extLst>
+          </p:cNvPr>
+          <p:cNvSpPr txBox="1"/>
+          <p:nvPr/>
+        </p:nvSpPr>
+        <p:spPr>
+          <a:xfrm>
+            <a:off x="436202" y="509367"/>
+            <a:ext cx="7479248" cy="584775"/>
+          </a:xfrm>
+          <a:prstGeom prst="rect">
+            <a:avLst/>
+          </a:prstGeom>
+          <a:noFill/>
+        </p:spPr>
+        <p:txBody>
+          <a:bodyPr wrap="square" rtlCol="0">
+            <a:spAutoFit/>
+          </a:bodyPr>
+          <a:lstStyle/>
+          <a:p>
+            <a:r>
+              <a:rPr lang="en-SG" sz="3200" dirty="0">
+                <a:solidFill>
+                  <a:schemeClr val="bg1"/>
+                </a:solidFill>
+                <a:latin typeface="Gotham Black" panose="02000603040000020004" pitchFamily="2" charset="0"/>
+              </a:rPr>
+              <a:t>WEATHER</a:t>
+            </a:r>
+          </a:p>
+        </p:txBody>
+      </p:sp>
+    </p:spTree>
+    <p:extLst>
+      <p:ext uri="{BB962C8B-B14F-4D97-AF65-F5344CB8AC3E}">
+        <p14:creationId xmlns:p14="http://schemas.microsoft.com/office/powerpoint/2010/main" val="1800494445"/>
       </p:ext>
     </p:extLst>
   </p:cSld>
